--- a/DevRishi-SIH2023-College.pptx
+++ b/DevRishi-SIH2023-College.pptx
@@ -266,8 +266,11 @@
     </a:lvl9pPr>
   </p:defaultTextStyle>
   <p:extLst>
+    <p:ext uri="{EFAFB233-063F-42B5-8137-9DF3F51BA10A}">
+      <p15:sldGuideLst xmlns:p15="http://schemas.microsoft.com/office/powerpoint/2012/main"/>
+    </p:ext>
     <p:ext uri="GoogleSlidesCustomDataVersion2">
-      <go:slidesCustomData xmlns="" xmlns:mc="http://schemas.openxmlformats.org/markup-compatibility/2006" xmlns:mv="urn:schemas-microsoft-com:mac:vml" xmlns:c="http://schemas.openxmlformats.org/drawingml/2006/chart" xmlns:dgm="http://schemas.openxmlformats.org/drawingml/2006/diagram" xmlns:o="urn:schemas-microsoft-com:office:office" xmlns:v="urn:schemas-microsoft-com:vml" xmlns:pvml="urn:schemas-microsoft-com:office:powerpoint" xmlns:com="http://schemas.openxmlformats.org/drawingml/2006/compatibility" xmlns:p14="http://schemas.microsoft.com/office/powerpoint/2010/main" xmlns:p15="http://schemas.microsoft.com/office/powerpoint/2012/main" xmlns:ahyp="http://schemas.microsoft.com/office/drawing/2018/hyperlinkcolor" xmlns:go="http://customooxmlschemas.google.com/" r:id="rId17" roundtripDataSignature="AMtx7mhxf9KwqLKs7hsyriYMk8T6gMsPlw=="/>
+      <go:slidesCustomData xmlns:go="http://customooxmlschemas.google.com/" xmlns:ahyp="http://schemas.microsoft.com/office/drawing/2018/hyperlinkcolor" xmlns:p15="http://schemas.microsoft.com/office/powerpoint/2012/main" xmlns:p14="http://schemas.microsoft.com/office/powerpoint/2010/main" xmlns:com="http://schemas.openxmlformats.org/drawingml/2006/compatibility" xmlns:pvml="urn:schemas-microsoft-com:office:powerpoint" xmlns:v="urn:schemas-microsoft-com:vml" xmlns:o="urn:schemas-microsoft-com:office:office" xmlns:dgm="http://schemas.openxmlformats.org/drawingml/2006/diagram" xmlns:c="http://schemas.openxmlformats.org/drawingml/2006/chart" xmlns:mv="urn:schemas-microsoft-com:mac:vml" xmlns:mc="http://schemas.openxmlformats.org/markup-compatibility/2006" xmlns="" r:id="rId17" roundtripDataSignature="AMtx7mhxf9KwqLKs7hsyriYMk8T6gMsPlw=="/>
     </p:ext>
   </p:extLst>
 </p:presentation>
@@ -28143,8 +28146,8 @@
         </p:nvSpPr>
         <p:spPr>
           <a:xfrm>
-            <a:off x="712470" y="2114589"/>
-            <a:ext cx="6039294" cy="4631050"/>
+            <a:off x="379095" y="2000250"/>
+            <a:ext cx="6372669" cy="4745389"/>
           </a:xfrm>
           <a:prstGeom prst="rect">
             <a:avLst/>
@@ -28442,7 +28445,7 @@
                 <a:ea typeface="Franklin Gothic"/>
                 <a:cs typeface="Franklin Gothic"/>
               </a:rPr>
-              <a:t>We have complete control over data by which we monitor the information that feed into our chat-bot and to check whether this data aligns with our </a:t>
+              <a:t>We have complete control over data by which we monitor the information that is fed into our chat-bot and to check whether this data aligns with our </a:t>
             </a:r>
             <a:r>
               <a:rPr lang="en-US" sz="1300" b="1" dirty="0">
@@ -28690,8 +28693,41 @@
                 </a:solidFill>
                 <a:latin typeface="+mj-lt"/>
               </a:rPr>
-              <a:t>to its users, this will turn the whole page to the language the user wants.  </a:t>
+              <a:t>to its users, this will turn the whole page to the language the user wants.</a:t>
             </a:r>
+          </a:p>
+          <a:p>
+            <a:pPr marL="285750" indent="-285750">
+              <a:spcBef>
+                <a:spcPts val="0"/>
+              </a:spcBef>
+              <a:buFont typeface="Wingdings"/>
+              <a:buChar char="Ø"/>
+            </a:pPr>
+            <a:r>
+              <a:rPr lang="en-US" sz="1300" dirty="0">
+                <a:solidFill>
+                  <a:schemeClr val="tx1"/>
+                </a:solidFill>
+                <a:latin typeface="+mj-lt"/>
+              </a:rPr>
+              <a:t>Later, patients can use AR and VR to interact with Ayurvedic practitioners alongside the chatbot for valuable feedback.</a:t>
+            </a:r>
+          </a:p>
+          <a:p>
+            <a:pPr marL="285750" indent="-285750">
+              <a:spcBef>
+                <a:spcPts val="0"/>
+              </a:spcBef>
+              <a:buFont typeface="Wingdings"/>
+              <a:buChar char="Ø"/>
+            </a:pPr>
+            <a:endParaRPr lang="en-US" sz="1300" dirty="0">
+              <a:solidFill>
+                <a:schemeClr val="tx1"/>
+              </a:solidFill>
+              <a:latin typeface="+mj-lt"/>
+            </a:endParaRPr>
           </a:p>
           <a:p>
             <a:pPr marL="285750" lvl="0" indent="-285750" algn="l" rtl="0">
@@ -28783,9 +28819,9 @@
           </p:nvPr>
         </p:nvSpPr>
         <p:spPr>
-          <a:xfrm>
-            <a:off x="971550" y="6332220"/>
-            <a:ext cx="523240" cy="247651"/>
+          <a:xfrm flipH="1" flipV="1">
+            <a:off x="129984" y="6579871"/>
+            <a:ext cx="161924" cy="165768"/>
           </a:xfrm>
           <a:prstGeom prst="rect">
             <a:avLst/>
@@ -28814,11 +28850,7 @@
               <a:buSzPts val="1100"/>
               <a:buNone/>
             </a:pPr>
-            <a:fld id="{00000000-1234-1234-1234-123412341234}" type="slidenum">
-              <a:rPr lang="en-US"/>
-              <a:t>2</a:t>
-            </a:fld>
-            <a:endParaRPr/>
+            <a:endParaRPr dirty="0"/>
           </a:p>
         </p:txBody>
       </p:sp>
@@ -28865,8 +28897,8 @@
         </p:nvSpPr>
         <p:spPr>
           <a:xfrm>
-            <a:off x="7378575" y="3820783"/>
-            <a:ext cx="4572001" cy="2759088"/>
+            <a:off x="7000875" y="3820783"/>
+            <a:ext cx="4949701" cy="2759088"/>
           </a:xfrm>
           <a:prstGeom prst="rect">
             <a:avLst/>
@@ -29021,7 +29053,7 @@
                 </a:solidFill>
                 <a:latin typeface="+mj-lt"/>
               </a:rPr>
-              <a:t>We are looking for a solution by creating a web and android system that suggests drugs and formulations for a disease based on the Ayurvedic classical books. It will help the common people, practitioners and students to access the Ayurvedic knowledge of herbs, minerals and formulations from its 150 diverse texts. Prototype will work as follows:</a:t>
+              <a:t>We are looking for a solution by creating a web system that suggests drugs and formulations for a disease based on the Ayurvedic classical books. It will help the common people, practitioners and students to access the Ayurvedic knowledge of herbs, minerals and formulations from its 150 diverse texts. Prototype will work as follows:</a:t>
             </a:r>
           </a:p>
         </p:txBody>
@@ -29048,7 +29080,7 @@
         </p:blipFill>
         <p:spPr>
           <a:xfrm>
-            <a:off x="7432236" y="4130891"/>
+            <a:off x="7116366" y="4178274"/>
             <a:ext cx="699784" cy="518404"/>
           </a:xfrm>
           <a:prstGeom prst="rect">
@@ -29108,7 +29140,7 @@
         </p:blipFill>
         <p:spPr>
           <a:xfrm>
-            <a:off x="9570396" y="4133282"/>
+            <a:off x="9638813" y="4132551"/>
             <a:ext cx="578797" cy="578798"/>
           </a:xfrm>
           <a:prstGeom prst="rect">
@@ -29138,7 +29170,7 @@
         </p:blipFill>
         <p:spPr>
           <a:xfrm>
-            <a:off x="7431932" y="4736559"/>
+            <a:off x="7197678" y="4738911"/>
             <a:ext cx="959796" cy="552856"/>
           </a:xfrm>
           <a:prstGeom prst="rect">
@@ -29168,7 +29200,7 @@
         </p:blipFill>
         <p:spPr>
           <a:xfrm>
-            <a:off x="8320006" y="4600797"/>
+            <a:off x="8117911" y="4572071"/>
             <a:ext cx="773147" cy="773148"/>
           </a:xfrm>
           <a:prstGeom prst="rect">
@@ -29198,7 +29230,7 @@
         </p:blipFill>
         <p:spPr>
           <a:xfrm>
-            <a:off x="9086728" y="4754374"/>
+            <a:off x="8981897" y="4773148"/>
             <a:ext cx="546776" cy="608993"/>
           </a:xfrm>
           <a:prstGeom prst="rect">
@@ -29228,7 +29260,7 @@
         </p:blipFill>
         <p:spPr>
           <a:xfrm>
-            <a:off x="9708042" y="4717668"/>
+            <a:off x="9661509" y="4755373"/>
             <a:ext cx="667967" cy="577668"/>
           </a:xfrm>
           <a:prstGeom prst="rect">
@@ -29258,7 +29290,7 @@
         </p:blipFill>
         <p:spPr>
           <a:xfrm>
-            <a:off x="10474257" y="4714186"/>
+            <a:off x="10549146" y="4783181"/>
             <a:ext cx="586903" cy="522052"/>
           </a:xfrm>
           <a:prstGeom prst="rect">
@@ -29288,7 +29320,7 @@
         </p:blipFill>
         <p:spPr>
           <a:xfrm>
-            <a:off x="7443544" y="5367661"/>
+            <a:off x="7227033" y="5308821"/>
             <a:ext cx="578594" cy="562382"/>
           </a:xfrm>
           <a:prstGeom prst="rect">
@@ -29318,8 +29350,8 @@
         </p:blipFill>
         <p:spPr>
           <a:xfrm>
-            <a:off x="8269747" y="5363285"/>
-            <a:ext cx="643445" cy="643445"/>
+            <a:off x="8202615" y="5314536"/>
+            <a:ext cx="544427" cy="544427"/>
           </a:xfrm>
           <a:prstGeom prst="rect">
             <a:avLst/>
@@ -29348,7 +29380,7 @@
         </p:blipFill>
         <p:spPr>
           <a:xfrm>
-            <a:off x="8933538" y="5411701"/>
+            <a:off x="8870939" y="5411701"/>
             <a:ext cx="733832" cy="536237"/>
           </a:xfrm>
           <a:prstGeom prst="rect">
@@ -29378,7 +29410,7 @@
         </p:blipFill>
         <p:spPr>
           <a:xfrm>
-            <a:off x="10128927" y="4123980"/>
+            <a:off x="10322928" y="4097054"/>
             <a:ext cx="967901" cy="525417"/>
           </a:xfrm>
           <a:prstGeom prst="rect">
@@ -29438,8 +29470,8 @@
         </p:blipFill>
         <p:spPr>
           <a:xfrm>
-            <a:off x="6838951" y="689669"/>
-            <a:ext cx="5279458" cy="3039399"/>
+            <a:off x="6838951" y="401955"/>
+            <a:ext cx="5279458" cy="3327113"/>
           </a:xfrm>
           <a:prstGeom prst="rect">
             <a:avLst/>
@@ -29468,7 +29500,7 @@
         </p:blipFill>
         <p:spPr>
           <a:xfrm>
-            <a:off x="11093293" y="4780598"/>
+            <a:off x="11182201" y="4788393"/>
             <a:ext cx="792480" cy="542925"/>
           </a:xfrm>
           <a:prstGeom prst="rect">
@@ -29528,7 +29560,7 @@
         </p:blipFill>
         <p:spPr>
           <a:xfrm>
-            <a:off x="11169015" y="5293043"/>
+            <a:off x="11217885" y="5480970"/>
             <a:ext cx="643890" cy="683895"/>
           </a:xfrm>
           <a:prstGeom prst="rect">
@@ -29558,7 +29590,7 @@
         </p:blipFill>
         <p:spPr>
           <a:xfrm>
-            <a:off x="7642860" y="6074664"/>
+            <a:off x="7269326" y="6078093"/>
             <a:ext cx="678180" cy="377952"/>
           </a:xfrm>
           <a:prstGeom prst="rect">
@@ -29588,7 +29620,7 @@
         </p:blipFill>
         <p:spPr>
           <a:xfrm>
-            <a:off x="8557260" y="6114115"/>
+            <a:off x="8289648" y="6118190"/>
             <a:ext cx="1287780" cy="291429"/>
           </a:xfrm>
           <a:prstGeom prst="rect">
@@ -29618,7 +29650,7 @@
         </p:blipFill>
         <p:spPr>
           <a:xfrm>
-            <a:off x="10111740" y="5920740"/>
+            <a:off x="9756829" y="5945215"/>
             <a:ext cx="1379220" cy="617220"/>
           </a:xfrm>
           <a:prstGeom prst="rect">
@@ -29698,10 +29730,10 @@
               <a:buNone/>
             </a:pPr>
             <a:r>
-              <a:rPr lang="en-US"/>
+              <a:rPr lang="en-US" dirty="0"/>
               <a:t>Idea/Approach Details</a:t>
             </a:r>
-            <a:endParaRPr/>
+            <a:endParaRPr dirty="0"/>
           </a:p>
         </p:txBody>
       </p:sp>
@@ -29717,7 +29749,7 @@
         </p:nvSpPr>
         <p:spPr>
           <a:xfrm>
-            <a:off x="952500" y="2286000"/>
+            <a:off x="872288" y="2085975"/>
             <a:ext cx="4838700" cy="315915"/>
           </a:xfrm>
           <a:prstGeom prst="rect">
@@ -29770,8 +29802,8 @@
         </p:nvSpPr>
         <p:spPr>
           <a:xfrm>
-            <a:off x="872288" y="2606770"/>
-            <a:ext cx="4838701" cy="4184555"/>
+            <a:off x="872288" y="2403792"/>
+            <a:ext cx="4838701" cy="4368483"/>
           </a:xfrm>
           <a:prstGeom prst="rect">
             <a:avLst/>
@@ -29861,7 +29893,43 @@
                 </a:solidFill>
                 <a:latin typeface="+mj-lt"/>
               </a:rPr>
-              <a:t>DevRishi prescribe medicines backed by reliable Ayurvedic data, guided by AI. This ensures prescriptions are based on trusted Ayurvedic knowledge.</a:t>
+              <a:t>DevRishi prescribe </a:t>
+            </a:r>
+            <a:r>
+              <a:rPr lang="en-US" sz="1300" b="1" dirty="0">
+                <a:solidFill>
+                  <a:schemeClr val="tx1"/>
+                </a:solidFill>
+                <a:latin typeface="+mj-lt"/>
+              </a:rPr>
+              <a:t>medicines</a:t>
+            </a:r>
+            <a:r>
+              <a:rPr lang="en-US" sz="1300" dirty="0">
+                <a:solidFill>
+                  <a:schemeClr val="tx1"/>
+                </a:solidFill>
+                <a:latin typeface="+mj-lt"/>
+              </a:rPr>
+              <a:t> and its </a:t>
+            </a:r>
+            <a:r>
+              <a:rPr lang="en-US" sz="1300" b="1" dirty="0">
+                <a:solidFill>
+                  <a:schemeClr val="tx1"/>
+                </a:solidFill>
+                <a:latin typeface="+mj-lt"/>
+              </a:rPr>
+              <a:t>formulations</a:t>
+            </a:r>
+            <a:r>
+              <a:rPr lang="en-US" sz="1300" dirty="0">
+                <a:solidFill>
+                  <a:schemeClr val="tx1"/>
+                </a:solidFill>
+                <a:latin typeface="+mj-lt"/>
+              </a:rPr>
+              <a:t> backed by reliable Ayurvedic data, guided by AI. This ensures prescriptions are based on trusted Ayurvedic knowledge.</a:t>
             </a:r>
           </a:p>
           <a:p>
@@ -30117,7 +30185,7 @@
         </p:nvSpPr>
         <p:spPr>
           <a:xfrm>
-            <a:off x="6176212" y="2165683"/>
+            <a:off x="6202024" y="569964"/>
             <a:ext cx="5143500" cy="556547"/>
           </a:xfrm>
           <a:prstGeom prst="rect">
@@ -30183,8 +30251,8 @@
         </p:nvSpPr>
         <p:spPr>
           <a:xfrm>
-            <a:off x="6517106" y="2601915"/>
-            <a:ext cx="5438018" cy="3582024"/>
+            <a:off x="6362700" y="894599"/>
+            <a:ext cx="5711108" cy="5877676"/>
           </a:xfrm>
           <a:prstGeom prst="rect">
             <a:avLst/>
@@ -30222,16 +30290,6 @@
                 <a:solidFill>
                   <a:schemeClr val="dk1"/>
                 </a:solidFill>
-                <a:latin typeface="Franklin Gothic"/>
-                <a:sym typeface="Libre Franklin"/>
-              </a:rPr>
-              <a:t> </a:t>
-            </a:r>
-            <a:r>
-              <a:rPr lang="en-US" sz="1300" dirty="0">
-                <a:solidFill>
-                  <a:schemeClr val="dk1"/>
-                </a:solidFill>
                 <a:latin typeface="+mj-lt"/>
                 <a:sym typeface="Libre Franklin"/>
               </a:rPr>
@@ -30255,7 +30313,27 @@
                 <a:latin typeface="+mj-lt"/>
                 <a:sym typeface="Libre Franklin"/>
               </a:rPr>
-              <a:t>and well-being but also provides recommendations for specific ailments.</a:t>
+              <a:t>and well-being but also provides recommendations for </a:t>
+            </a:r>
+            <a:r>
+              <a:rPr lang="en-US" sz="1300" b="1" dirty="0">
+                <a:solidFill>
+                  <a:schemeClr val="dk1"/>
+                </a:solidFill>
+                <a:latin typeface="+mj-lt"/>
+                <a:sym typeface="Libre Franklin"/>
+              </a:rPr>
+              <a:t>specific ailments</a:t>
+            </a:r>
+            <a:r>
+              <a:rPr lang="en-US" sz="1300" dirty="0">
+                <a:solidFill>
+                  <a:schemeClr val="dk1"/>
+                </a:solidFill>
+                <a:latin typeface="+mj-lt"/>
+                <a:sym typeface="Libre Franklin"/>
+              </a:rPr>
+              <a:t>.</a:t>
             </a:r>
             <a:endParaRPr lang="en-US" sz="1300" dirty="0">
               <a:solidFill>
@@ -30305,7 +30383,79 @@
                 </a:solidFill>
                 <a:latin typeface="+mj-lt"/>
               </a:rPr>
-              <a:t>A dedicated page for doctors and students to generously share their knowledge, contributing to the collective knowledge that enriches our website.</a:t>
+              <a:t>A </a:t>
+            </a:r>
+            <a:r>
+              <a:rPr lang="en-US" sz="1300" b="1" dirty="0">
+                <a:solidFill>
+                  <a:schemeClr val="dk1"/>
+                </a:solidFill>
+                <a:latin typeface="+mj-lt"/>
+              </a:rPr>
+              <a:t>dedicated page</a:t>
+            </a:r>
+            <a:r>
+              <a:rPr lang="en-US" sz="1300" dirty="0">
+                <a:solidFill>
+                  <a:schemeClr val="dk1"/>
+                </a:solidFill>
+                <a:latin typeface="+mj-lt"/>
+              </a:rPr>
+              <a:t> for </a:t>
+            </a:r>
+            <a:r>
+              <a:rPr lang="en-US" sz="1300" b="1" dirty="0">
+                <a:solidFill>
+                  <a:schemeClr val="dk1"/>
+                </a:solidFill>
+                <a:latin typeface="+mj-lt"/>
+              </a:rPr>
+              <a:t>practitioners</a:t>
+            </a:r>
+            <a:r>
+              <a:rPr lang="en-US" sz="1300" dirty="0">
+                <a:solidFill>
+                  <a:schemeClr val="dk1"/>
+                </a:solidFill>
+                <a:latin typeface="+mj-lt"/>
+              </a:rPr>
+              <a:t> and </a:t>
+            </a:r>
+            <a:r>
+              <a:rPr lang="en-US" sz="1300" b="1" dirty="0">
+                <a:solidFill>
+                  <a:schemeClr val="dk1"/>
+                </a:solidFill>
+                <a:latin typeface="+mj-lt"/>
+              </a:rPr>
+              <a:t>students</a:t>
+            </a:r>
+            <a:r>
+              <a:rPr lang="en-US" sz="1300" dirty="0">
+                <a:solidFill>
+                  <a:schemeClr val="dk1"/>
+                </a:solidFill>
+                <a:latin typeface="+mj-lt"/>
+              </a:rPr>
+              <a:t> to generously share their knowledge, contributing to the </a:t>
+            </a:r>
+            <a:r>
+              <a:rPr lang="en-US" sz="1300" b="1" dirty="0">
+                <a:solidFill>
+                  <a:schemeClr val="dk1"/>
+                </a:solidFill>
+                <a:latin typeface="+mj-lt"/>
+              </a:rPr>
+              <a:t>collective knowledge</a:t>
+            </a:r>
+            <a:r>
+              <a:rPr lang="en-US" sz="1300" dirty="0">
+                <a:solidFill>
+                  <a:schemeClr val="dk1"/>
+                </a:solidFill>
+                <a:latin typeface="+mj-lt"/>
+              </a:rPr>
+              <a:t> that enriches our website and also increase the database.</a:t>
             </a:r>
           </a:p>
           <a:p>
@@ -30327,7 +30477,61 @@
                 </a:solidFill>
                 <a:latin typeface="+mj-lt"/>
               </a:rPr>
-              <a:t>Access a vast repository of Ayurvedic literature, research papers, and educational materials.</a:t>
+              <a:t>Access a vast repository of </a:t>
+            </a:r>
+            <a:r>
+              <a:rPr lang="en-US" sz="1300" b="1" dirty="0">
+                <a:solidFill>
+                  <a:schemeClr val="dk1"/>
+                </a:solidFill>
+                <a:latin typeface="+mj-lt"/>
+              </a:rPr>
+              <a:t>Ayurvedic literature</a:t>
+            </a:r>
+            <a:r>
+              <a:rPr lang="en-US" sz="1300" dirty="0">
+                <a:solidFill>
+                  <a:schemeClr val="dk1"/>
+                </a:solidFill>
+                <a:latin typeface="+mj-lt"/>
+              </a:rPr>
+              <a:t>, </a:t>
+            </a:r>
+            <a:r>
+              <a:rPr lang="en-US" sz="1300" b="1" dirty="0">
+                <a:solidFill>
+                  <a:schemeClr val="dk1"/>
+                </a:solidFill>
+                <a:latin typeface="+mj-lt"/>
+              </a:rPr>
+              <a:t>Research papers</a:t>
+            </a:r>
+            <a:r>
+              <a:rPr lang="en-US" sz="1300" dirty="0">
+                <a:solidFill>
+                  <a:schemeClr val="dk1"/>
+                </a:solidFill>
+                <a:latin typeface="+mj-lt"/>
+              </a:rPr>
+              <a:t>, and </a:t>
+            </a:r>
+            <a:r>
+              <a:rPr lang="en-US" sz="1300" b="1" dirty="0">
+                <a:solidFill>
+                  <a:schemeClr val="dk1"/>
+                </a:solidFill>
+                <a:latin typeface="+mj-lt"/>
+              </a:rPr>
+              <a:t>Educational materials</a:t>
+            </a:r>
+            <a:r>
+              <a:rPr lang="en-US" sz="1300" dirty="0">
+                <a:solidFill>
+                  <a:schemeClr val="dk1"/>
+                </a:solidFill>
+                <a:latin typeface="+mj-lt"/>
+              </a:rPr>
+              <a:t>.</a:t>
             </a:r>
           </a:p>
           <a:p>
@@ -30349,7 +30553,61 @@
                 </a:solidFill>
                 <a:latin typeface="+mj-lt"/>
               </a:rPr>
-              <a:t>This web app will provide essential information about Ayurvedic medicines, categorizing them into specific sections for the convenience of students and practitioners.</a:t>
+              <a:t>Our website will </a:t>
+            </a:r>
+            <a:r>
+              <a:rPr lang="en-US" sz="1300" b="1" dirty="0">
+                <a:solidFill>
+                  <a:schemeClr val="dk1"/>
+                </a:solidFill>
+                <a:latin typeface="+mj-lt"/>
+              </a:rPr>
+              <a:t>not only </a:t>
+            </a:r>
+            <a:r>
+              <a:rPr lang="en-US" sz="1300" dirty="0">
+                <a:solidFill>
+                  <a:schemeClr val="dk1"/>
+                </a:solidFill>
+                <a:latin typeface="+mj-lt"/>
+              </a:rPr>
+              <a:t>act as a platform for gaining knowledge but also a platform for all </a:t>
+            </a:r>
+            <a:r>
+              <a:rPr lang="en-US" sz="1300" b="1" dirty="0">
+                <a:solidFill>
+                  <a:schemeClr val="dk1"/>
+                </a:solidFill>
+                <a:latin typeface="+mj-lt"/>
+              </a:rPr>
+              <a:t>like minded individuals </a:t>
+            </a:r>
+            <a:r>
+              <a:rPr lang="en-US" sz="1300" dirty="0">
+                <a:solidFill>
+                  <a:schemeClr val="dk1"/>
+                </a:solidFill>
+                <a:latin typeface="+mj-lt"/>
+              </a:rPr>
+              <a:t>to </a:t>
+            </a:r>
+            <a:r>
+              <a:rPr lang="en-US" sz="1300" b="1" dirty="0">
+                <a:solidFill>
+                  <a:schemeClr val="dk1"/>
+                </a:solidFill>
+                <a:latin typeface="+mj-lt"/>
+              </a:rPr>
+              <a:t>interact</a:t>
+            </a:r>
+            <a:r>
+              <a:rPr lang="en-US" sz="1300" dirty="0">
+                <a:solidFill>
+                  <a:schemeClr val="dk1"/>
+                </a:solidFill>
+                <a:latin typeface="+mj-lt"/>
+              </a:rPr>
+              <a:t> with each other.</a:t>
             </a:r>
           </a:p>
           <a:p>
@@ -30371,7 +30629,25 @@
                 </a:solidFill>
                 <a:latin typeface="+mj-lt"/>
               </a:rPr>
-              <a:t>Easily create an account, enabling them to seamlessly resume their studies from where they left off. All their valuable data is securely saved under their account name.</a:t>
+              <a:t>This web app will provide essential information about Ayurvedic medicines, </a:t>
+            </a:r>
+            <a:r>
+              <a:rPr lang="en-US" sz="1300" b="1" dirty="0">
+                <a:solidFill>
+                  <a:schemeClr val="dk1"/>
+                </a:solidFill>
+                <a:latin typeface="+mj-lt"/>
+              </a:rPr>
+              <a:t>categorizing</a:t>
+            </a:r>
+            <a:r>
+              <a:rPr lang="en-US" sz="1300" dirty="0">
+                <a:solidFill>
+                  <a:schemeClr val="dk1"/>
+                </a:solidFill>
+                <a:latin typeface="+mj-lt"/>
+              </a:rPr>
+              <a:t> them into specific sections for the convenience of students and practitioners.</a:t>
             </a:r>
           </a:p>
           <a:p>
@@ -30393,16 +30669,16 @@
                 </a:solidFill>
                 <a:latin typeface="+mj-lt"/>
               </a:rPr>
-              <a:t>Additionally, you can actively participate in interactive </a:t>
+              <a:t>Easily </a:t>
             </a:r>
             <a:r>
-              <a:rPr lang="en-US" sz="1300" dirty="0" err="1">
+              <a:rPr lang="en-US" sz="1300" b="1" dirty="0">
                 <a:solidFill>
                   <a:schemeClr val="dk1"/>
                 </a:solidFill>
                 <a:latin typeface="+mj-lt"/>
               </a:rPr>
-              <a:t>quizes</a:t>
+              <a:t>create an account</a:t>
             </a:r>
             <a:r>
               <a:rPr lang="en-US" sz="1300" dirty="0">
@@ -30411,7 +30687,43 @@
                 </a:solidFill>
                 <a:latin typeface="+mj-lt"/>
               </a:rPr>
-              <a:t> and assessments related to ayurveda.</a:t>
+              <a:t>, enabling them to seamlessly </a:t>
+            </a:r>
+            <a:r>
+              <a:rPr lang="en-US" sz="1300" b="1" dirty="0">
+                <a:solidFill>
+                  <a:schemeClr val="dk1"/>
+                </a:solidFill>
+                <a:latin typeface="+mj-lt"/>
+              </a:rPr>
+              <a:t>resume</a:t>
+            </a:r>
+            <a:r>
+              <a:rPr lang="en-US" sz="1300" dirty="0">
+                <a:solidFill>
+                  <a:schemeClr val="dk1"/>
+                </a:solidFill>
+                <a:latin typeface="+mj-lt"/>
+              </a:rPr>
+              <a:t> their </a:t>
+            </a:r>
+            <a:r>
+              <a:rPr lang="en-US" sz="1300" b="1" dirty="0">
+                <a:solidFill>
+                  <a:schemeClr val="dk1"/>
+                </a:solidFill>
+                <a:latin typeface="+mj-lt"/>
+              </a:rPr>
+              <a:t>studies</a:t>
+            </a:r>
+            <a:r>
+              <a:rPr lang="en-US" sz="1300" dirty="0">
+                <a:solidFill>
+                  <a:schemeClr val="dk1"/>
+                </a:solidFill>
+                <a:latin typeface="+mj-lt"/>
+              </a:rPr>
+              <a:t> from where they left off. All their valuable data is securely saved under their account name.</a:t>
             </a:r>
           </a:p>
           <a:p>
@@ -30433,7 +30745,7 @@
                 </a:solidFill>
                 <a:latin typeface="+mj-lt"/>
               </a:rPr>
-              <a:t>Introducing our user-friendly </a:t>
+              <a:t>Website will be integrated with a  user-friendly </a:t>
             </a:r>
             <a:r>
               <a:rPr lang="en-US" sz="1300" b="1" dirty="0">
@@ -30451,7 +30763,25 @@
                 </a:solidFill>
                 <a:latin typeface="+mj-lt"/>
               </a:rPr>
-              <a:t>, designed to enhance your travel experience on our website</a:t>
+              <a:t>, designed to enhance your </a:t>
+            </a:r>
+            <a:r>
+              <a:rPr lang="en-US" sz="1300" b="1" dirty="0">
+                <a:solidFill>
+                  <a:schemeClr val="dk1"/>
+                </a:solidFill>
+                <a:latin typeface="+mj-lt"/>
+              </a:rPr>
+              <a:t>travel experience </a:t>
+            </a:r>
+            <a:r>
+              <a:rPr lang="en-US" sz="1300" dirty="0">
+                <a:solidFill>
+                  <a:schemeClr val="dk1"/>
+                </a:solidFill>
+                <a:latin typeface="+mj-lt"/>
+              </a:rPr>
+              <a:t>on our website</a:t>
             </a:r>
             <a:r>
               <a:rPr lang="en-US" sz="1300" dirty="0">
@@ -30464,7 +30794,7 @@
             </a:r>
           </a:p>
           <a:p>
-            <a:pPr marL="285750" indent="-285750">
+            <a:pPr>
               <a:lnSpc>
                 <a:spcPct val="90000"/>
               </a:lnSpc>
@@ -30472,15 +30802,16 @@
                 <a:schemeClr val="dk1"/>
               </a:buClr>
               <a:buSzPts val="1600"/>
-              <a:buFont typeface="Arial"/>
-              <a:buChar char="•"/>
             </a:pPr>
-            <a:endParaRPr lang="en-US" sz="1300" dirty="0">
-              <a:solidFill>
-                <a:schemeClr val="dk1"/>
-              </a:solidFill>
-              <a:latin typeface="Franklin Gothic"/>
-            </a:endParaRPr>
+            <a:r>
+              <a:rPr lang="en-US" sz="1300" b="1" u="sng" dirty="0">
+                <a:solidFill>
+                  <a:schemeClr val="dk1"/>
+                </a:solidFill>
+                <a:latin typeface="+mj-lt"/>
+              </a:rPr>
+              <a:t>Business Strategies-</a:t>
+            </a:r>
           </a:p>
           <a:p>
             <a:pPr marL="285750" indent="-285750">
@@ -30494,11 +30825,30 @@
               <a:buFont typeface="Noto Sans Symbols"/>
               <a:buChar char="⮚"/>
             </a:pPr>
-            <a:endParaRPr lang="en-US" sz="1200" dirty="0">
-              <a:solidFill>
-                <a:schemeClr val="dk1"/>
-              </a:solidFill>
-            </a:endParaRPr>
+            <a:r>
+              <a:rPr lang="en-IN" sz="1400" b="1" u="none" strike="noStrike" dirty="0">
+                <a:effectLst/>
+                <a:latin typeface="Times New Roman" panose="02020603050405020304" pitchFamily="18" charset="0"/>
+                <a:ea typeface="Times New Roman" panose="02020603050405020304" pitchFamily="18" charset="0"/>
+              </a:rPr>
+              <a:t>Freemium Model:</a:t>
+            </a:r>
+            <a:r>
+              <a:rPr lang="en-US" sz="1300" dirty="0">
+                <a:solidFill>
+                  <a:schemeClr val="dk1"/>
+                </a:solidFill>
+              </a:rPr>
+              <a:t>The chatbot offers free basics to attract users and monetizes premium features like personalized health plans and consultations</a:t>
+            </a:r>
+            <a:r>
+              <a:rPr lang="en-US" sz="1600" dirty="0">
+                <a:solidFill>
+                  <a:schemeClr val="dk1"/>
+                </a:solidFill>
+              </a:rPr>
+              <a:t>.</a:t>
+            </a:r>
           </a:p>
           <a:p>
             <a:pPr marL="285750" indent="-285750">
@@ -30512,11 +30862,51 @@
               <a:buFont typeface="Noto Sans Symbols"/>
               <a:buChar char="⮚"/>
             </a:pPr>
-            <a:endParaRPr lang="en-US" sz="1600" dirty="0">
-              <a:solidFill>
+            <a:r>
+              <a:rPr lang="en-US" sz="1300" b="1" dirty="0">
+                <a:solidFill>
+                  <a:schemeClr val="dk1"/>
+                </a:solidFill>
+              </a:rPr>
+              <a:t>Affiliate Marketing: </a:t>
+            </a:r>
+            <a:r>
+              <a:rPr lang="en-US" sz="1300" dirty="0">
+                <a:solidFill>
+                  <a:schemeClr val="dk1"/>
+                </a:solidFill>
+              </a:rPr>
+              <a:t>By partnering with Ayurvedic product suppliers, the chatbot recommends herbal products and earns income through affiliate marketing.</a:t>
+            </a:r>
+          </a:p>
+          <a:p>
+            <a:pPr marL="285750" indent="-285750">
+              <a:lnSpc>
+                <a:spcPct val="90000"/>
+              </a:lnSpc>
+              <a:buClr>
                 <a:schemeClr val="dk1"/>
-              </a:solidFill>
-            </a:endParaRPr>
+              </a:buClr>
+              <a:buSzPts val="1600"/>
+              <a:buFont typeface="Noto Sans Symbols"/>
+              <a:buChar char="⮚"/>
+            </a:pPr>
+            <a:r>
+              <a:rPr lang="en-US" sz="1300" b="1" dirty="0">
+                <a:solidFill>
+                  <a:schemeClr val="dk1"/>
+                </a:solidFill>
+              </a:rPr>
+              <a:t>Data-driven Insights</a:t>
+            </a:r>
+            <a:r>
+              <a:rPr lang="en-US" sz="1300" dirty="0">
+                <a:solidFill>
+                  <a:schemeClr val="dk1"/>
+                </a:solidFill>
+              </a:rPr>
+              <a:t>: The chatbot anonymizes and aggregates user data, with consent, to identify health trends. This data can be sold to research institutions, Ayurvedic product firms, or pharmaceutical companies for natural remedy development.</a:t>
+            </a:r>
           </a:p>
           <a:p>
             <a:pPr>
@@ -30645,8 +31035,8 @@
         </p:nvSpPr>
         <p:spPr>
           <a:xfrm>
-            <a:off x="964023" y="2062099"/>
-            <a:ext cx="11145119" cy="4720441"/>
+            <a:off x="964023" y="1990725"/>
+            <a:ext cx="11145119" cy="4791815"/>
           </a:xfrm>
           <a:prstGeom prst="rect">
             <a:avLst/>
@@ -30672,7 +31062,7 @@
               <a:buSzPts val="1200"/>
             </a:pPr>
             <a:r>
-              <a:rPr lang="en-US" sz="1400" b="1" dirty="0">
+              <a:rPr lang="en-US" sz="1200" b="1" dirty="0">
                 <a:solidFill>
                   <a:srgbClr val="5D7C3F"/>
                 </a:solidFill>
@@ -30680,7 +31070,7 @@
               <a:t>Team Leader Name:  </a:t>
             </a:r>
             <a:r>
-              <a:rPr lang="en-US" sz="1400" b="1" dirty="0">
+              <a:rPr lang="en-US" sz="1200" b="1" dirty="0">
                 <a:solidFill>
                   <a:schemeClr val="tx1"/>
                 </a:solidFill>
@@ -30688,7 +31078,7 @@
               </a:rPr>
               <a:t>Atharva Deopujari</a:t>
             </a:r>
-            <a:endParaRPr lang="en-US" sz="1400" dirty="0">
+            <a:endParaRPr lang="en-US" sz="1200" dirty="0">
               <a:solidFill>
                 <a:schemeClr val="tx1"/>
               </a:solidFill>
@@ -30700,18 +31090,18 @@
               <a:buSzPts val="1200"/>
             </a:pPr>
             <a:r>
-              <a:rPr lang="en-US" sz="1400" dirty="0"/>
+              <a:rPr lang="en-US" sz="1200" dirty="0"/>
               <a:t>Branch: </a:t>
             </a:r>
             <a:r>
-              <a:rPr lang="en-US" sz="1400" dirty="0" err="1"/>
+              <a:rPr lang="en-US" sz="1200" dirty="0" err="1"/>
               <a:t>Btech</a:t>
             </a:r>
             <a:r>
-              <a:rPr lang="en-US" sz="1400" dirty="0"/>
+              <a:rPr lang="en-US" sz="1200" dirty="0"/>
               <a:t>,   Stream: ECE,   Year: II </a:t>
             </a:r>
-            <a:endParaRPr sz="1400" dirty="0"/>
+            <a:endParaRPr sz="1200" dirty="0"/>
           </a:p>
           <a:p>
             <a:pPr marL="0" indent="0">
@@ -30721,7 +31111,7 @@
               <a:buSzPts val="1200"/>
             </a:pPr>
             <a:r>
-              <a:rPr lang="en-US" sz="1400" b="1" dirty="0">
+              <a:rPr lang="en-US" sz="1200" b="1" dirty="0">
                 <a:solidFill>
                   <a:srgbClr val="5D7C3F"/>
                 </a:solidFill>
@@ -30729,7 +31119,7 @@
               <a:t>Team Member 1 Name: </a:t>
             </a:r>
             <a:r>
-              <a:rPr lang="en-US" sz="1400" b="1" dirty="0">
+              <a:rPr lang="en-US" sz="1200" b="1" dirty="0">
                 <a:solidFill>
                   <a:schemeClr val="tx1"/>
                 </a:solidFill>
@@ -30737,7 +31127,7 @@
               </a:rPr>
               <a:t>Vansh Bhavsar</a:t>
             </a:r>
-            <a:endParaRPr lang="en-US" sz="1400" dirty="0">
+            <a:endParaRPr lang="en-US" sz="1200" dirty="0">
               <a:solidFill>
                 <a:schemeClr val="tx1"/>
               </a:solidFill>
@@ -30749,7 +31139,7 @@
               <a:buSzPts val="1200"/>
             </a:pPr>
             <a:r>
-              <a:rPr lang="en-US" sz="1400" dirty="0">
+              <a:rPr lang="en-US" sz="1200" dirty="0">
                 <a:solidFill>
                   <a:srgbClr val="000000"/>
                 </a:solidFill>
@@ -30757,15 +31147,15 @@
               <a:t>Branch</a:t>
             </a:r>
             <a:r>
-              <a:rPr lang="en-US" sz="1400" dirty="0"/>
+              <a:rPr lang="en-US" sz="1200" dirty="0"/>
               <a:t>: </a:t>
             </a:r>
             <a:r>
-              <a:rPr lang="en-US" sz="1400" dirty="0" err="1"/>
+              <a:rPr lang="en-US" sz="1200" dirty="0" err="1"/>
               <a:t>Btech</a:t>
             </a:r>
             <a:r>
-              <a:rPr lang="en-US" sz="1400" dirty="0"/>
+              <a:rPr lang="en-US" sz="1200" dirty="0"/>
               <a:t>,   Stream: ECE,   Year: II </a:t>
             </a:r>
           </a:p>
@@ -30777,7 +31167,7 @@
               <a:buSzPts val="1200"/>
             </a:pPr>
             <a:r>
-              <a:rPr lang="en-US" sz="1400" b="1" dirty="0">
+              <a:rPr lang="en-US" sz="1200" b="1" dirty="0">
                 <a:solidFill>
                   <a:srgbClr val="5D7C3F"/>
                 </a:solidFill>
@@ -30785,7 +31175,7 @@
               <a:t>Team Member 2 Name: </a:t>
             </a:r>
             <a:r>
-              <a:rPr lang="en-US" sz="1400" b="1" dirty="0">
+              <a:rPr lang="en-US" sz="1200" b="1" dirty="0">
                 <a:solidFill>
                   <a:schemeClr val="tx1"/>
                 </a:solidFill>
@@ -30793,7 +31183,7 @@
               </a:rPr>
               <a:t>Kirtan Bhavsar</a:t>
             </a:r>
-            <a:endParaRPr lang="en-US" sz="1400" dirty="0">
+            <a:endParaRPr lang="en-US" sz="1200" dirty="0">
               <a:solidFill>
                 <a:schemeClr val="tx1"/>
               </a:solidFill>
@@ -30805,7 +31195,7 @@
               <a:buSzPts val="1200"/>
             </a:pPr>
             <a:r>
-              <a:rPr lang="en-US" sz="1400" dirty="0">
+              <a:rPr lang="en-US" sz="1200" dirty="0">
                 <a:solidFill>
                   <a:schemeClr val="tx1"/>
                 </a:solidFill>
@@ -30813,18 +31203,18 @@
               <a:t>Branch</a:t>
             </a:r>
             <a:r>
-              <a:rPr lang="en-US" sz="1400" dirty="0"/>
+              <a:rPr lang="en-US" sz="1200" dirty="0"/>
               <a:t>: </a:t>
             </a:r>
             <a:r>
-              <a:rPr lang="en-US" sz="1400" dirty="0" err="1"/>
+              <a:rPr lang="en-US" sz="1200" dirty="0" err="1"/>
               <a:t>Btech</a:t>
             </a:r>
             <a:r>
-              <a:rPr lang="en-US" sz="1400" dirty="0"/>
+              <a:rPr lang="en-US" sz="1200" dirty="0"/>
               <a:t>,   Stream: ECE,   Year: II </a:t>
             </a:r>
-            <a:endParaRPr lang="en-US" sz="1400" dirty="0">
+            <a:endParaRPr lang="en-US" sz="1200" dirty="0">
               <a:latin typeface="Arial"/>
             </a:endParaRPr>
           </a:p>
@@ -30836,7 +31226,7 @@
               <a:buSzPts val="1200"/>
             </a:pPr>
             <a:r>
-              <a:rPr lang="en-US" sz="1400" b="1" dirty="0">
+              <a:rPr lang="en-US" sz="1200" b="1" dirty="0">
                 <a:solidFill>
                   <a:srgbClr val="5D7C3F"/>
                 </a:solidFill>
@@ -30844,7 +31234,7 @@
               <a:t>Team Member 3 Name: </a:t>
             </a:r>
             <a:r>
-              <a:rPr lang="en-US" sz="1400" b="1" dirty="0">
+              <a:rPr lang="en-US" sz="1200" b="1" dirty="0">
                 <a:solidFill>
                   <a:schemeClr val="tx1"/>
                 </a:solidFill>
@@ -30852,7 +31242,7 @@
               </a:rPr>
               <a:t>Vipin Mishra</a:t>
             </a:r>
-            <a:endParaRPr lang="en-US" sz="1400" dirty="0">
+            <a:endParaRPr lang="en-US" sz="1200" dirty="0">
               <a:solidFill>
                 <a:schemeClr val="tx1"/>
               </a:solidFill>
@@ -30864,7 +31254,7 @@
               <a:buSzPts val="1200"/>
             </a:pPr>
             <a:r>
-              <a:rPr lang="en-US" sz="1400" dirty="0">
+              <a:rPr lang="en-US" sz="1200" dirty="0">
                 <a:solidFill>
                   <a:schemeClr val="tx1"/>
                 </a:solidFill>
@@ -30872,18 +31262,18 @@
               <a:t>Branch</a:t>
             </a:r>
             <a:r>
-              <a:rPr lang="en-US" sz="1400" dirty="0"/>
+              <a:rPr lang="en-US" sz="1200" dirty="0"/>
               <a:t>: </a:t>
             </a:r>
             <a:r>
-              <a:rPr lang="en-US" sz="1400" dirty="0" err="1"/>
+              <a:rPr lang="en-US" sz="1200" dirty="0" err="1"/>
               <a:t>Btech</a:t>
             </a:r>
             <a:r>
-              <a:rPr lang="en-US" sz="1400" dirty="0"/>
+              <a:rPr lang="en-US" sz="1200" dirty="0"/>
               <a:t>,   Stream: ECE,   Year: II </a:t>
             </a:r>
-            <a:endParaRPr lang="en-US" sz="1400" dirty="0">
+            <a:endParaRPr lang="en-US" sz="1200" dirty="0">
               <a:latin typeface="Arial"/>
             </a:endParaRPr>
           </a:p>
@@ -30892,7 +31282,7 @@
               <a:buSzPts val="1200"/>
             </a:pPr>
             <a:r>
-              <a:rPr lang="en-US" sz="1400" b="1" dirty="0">
+              <a:rPr lang="en-US" sz="1200" b="1" dirty="0">
                 <a:solidFill>
                   <a:srgbClr val="5D7C3F"/>
                 </a:solidFill>
@@ -30900,7 +31290,7 @@
               <a:t>Team Member 4 Name: </a:t>
             </a:r>
             <a:r>
-              <a:rPr lang="en-US" sz="1400" b="1" dirty="0">
+              <a:rPr lang="en-US" sz="1200" b="1" dirty="0">
                 <a:solidFill>
                   <a:schemeClr val="tx1"/>
                 </a:solidFill>
@@ -30908,7 +31298,7 @@
               </a:rPr>
               <a:t>Kushagra Srivastav</a:t>
             </a:r>
-            <a:endParaRPr lang="en-US" sz="1400" dirty="0">
+            <a:endParaRPr lang="en-US" sz="1200" dirty="0">
               <a:solidFill>
                 <a:schemeClr val="tx1"/>
               </a:solidFill>
@@ -30920,7 +31310,7 @@
               <a:buSzPts val="1200"/>
             </a:pPr>
             <a:r>
-              <a:rPr lang="en-US" sz="1400" dirty="0">
+              <a:rPr lang="en-US" sz="1200" dirty="0">
                 <a:solidFill>
                   <a:schemeClr val="tx1"/>
                 </a:solidFill>
@@ -30928,18 +31318,18 @@
               <a:t>Branch</a:t>
             </a:r>
             <a:r>
-              <a:rPr lang="en-US" sz="1400" dirty="0"/>
+              <a:rPr lang="en-US" sz="1200" dirty="0"/>
               <a:t>: </a:t>
             </a:r>
             <a:r>
-              <a:rPr lang="en-US" sz="1400" dirty="0" err="1"/>
+              <a:rPr lang="en-US" sz="1200" dirty="0" err="1"/>
               <a:t>Btech</a:t>
             </a:r>
             <a:r>
-              <a:rPr lang="en-US" sz="1400" dirty="0"/>
+              <a:rPr lang="en-US" sz="1200" dirty="0"/>
               <a:t>,   Stream: CSE,   Year: II </a:t>
             </a:r>
-            <a:endParaRPr lang="en-US" sz="1400" dirty="0">
+            <a:endParaRPr lang="en-US" sz="1200" dirty="0">
               <a:latin typeface="Arial"/>
             </a:endParaRPr>
           </a:p>
@@ -30951,7 +31341,7 @@
               <a:buSzPts val="1200"/>
             </a:pPr>
             <a:r>
-              <a:rPr lang="en-US" sz="1400" b="1" dirty="0">
+              <a:rPr lang="en-US" sz="1200" b="1" dirty="0">
                 <a:solidFill>
                   <a:srgbClr val="5D7C3F"/>
                 </a:solidFill>
@@ -30959,7 +31349,7 @@
               <a:t>Team Member 5 Name: </a:t>
             </a:r>
             <a:r>
-              <a:rPr lang="en-US" sz="1400" b="1" dirty="0">
+              <a:rPr lang="en-US" sz="1200" b="1" dirty="0">
                 <a:solidFill>
                   <a:schemeClr val="tx1"/>
                 </a:solidFill>
@@ -30968,7 +31358,7 @@
               <a:t>Akshaya  </a:t>
             </a:r>
             <a:r>
-              <a:rPr lang="en-US" sz="1400" b="1" dirty="0" err="1">
+              <a:rPr lang="en-US" sz="1200" b="1" dirty="0" err="1">
                 <a:solidFill>
                   <a:schemeClr val="tx1"/>
                 </a:solidFill>
@@ -30976,7 +31366,7 @@
               </a:rPr>
               <a:t>Mudragada</a:t>
             </a:r>
-            <a:endParaRPr lang="en-US" sz="1400" dirty="0">
+            <a:endParaRPr lang="en-US" sz="1200" dirty="0">
               <a:solidFill>
                 <a:schemeClr val="tx1"/>
               </a:solidFill>
@@ -30988,7 +31378,7 @@
               <a:buSzPts val="1200"/>
             </a:pPr>
             <a:r>
-              <a:rPr lang="en-US" sz="1400" dirty="0">
+              <a:rPr lang="en-US" sz="1200" dirty="0">
                 <a:solidFill>
                   <a:schemeClr val="tx1"/>
                 </a:solidFill>
@@ -30996,18 +31386,18 @@
               <a:t>Branch</a:t>
             </a:r>
             <a:r>
-              <a:rPr lang="en-US" sz="1400" dirty="0"/>
+              <a:rPr lang="en-US" sz="1200" dirty="0"/>
               <a:t>: </a:t>
             </a:r>
             <a:r>
-              <a:rPr lang="en-US" sz="1400" dirty="0" err="1"/>
+              <a:rPr lang="en-US" sz="1200" dirty="0" err="1"/>
               <a:t>Btech</a:t>
             </a:r>
             <a:r>
-              <a:rPr lang="en-US" sz="1400" dirty="0"/>
+              <a:rPr lang="en-US" sz="1200" dirty="0"/>
               <a:t>,   Stream: CSE,   Year: II </a:t>
             </a:r>
-            <a:endParaRPr lang="en-US" sz="1400" dirty="0">
+            <a:endParaRPr lang="en-US" sz="1200" dirty="0">
               <a:solidFill>
                 <a:schemeClr val="tx1"/>
               </a:solidFill>
@@ -31022,7 +31412,7 @@
               <a:buSzPts val="1200"/>
             </a:pPr>
             <a:r>
-              <a:rPr lang="en-US" sz="1400" b="1" dirty="0">
+              <a:rPr lang="en-US" sz="1200" b="1" dirty="0">
                 <a:solidFill>
                   <a:srgbClr val="804160"/>
                 </a:solidFill>
@@ -31030,16 +31420,25 @@
               <a:t>Team Mentor 1 Name: </a:t>
             </a:r>
             <a:r>
-              <a:rPr lang="en-US" sz="1400" b="1" dirty="0">
+              <a:rPr lang="en-US" sz="1200" b="1" dirty="0" err="1">
                 <a:solidFill>
                   <a:schemeClr val="tx1"/>
                 </a:solidFill>
                 <a:latin typeface="Arial"/>
               </a:rPr>
-              <a:t>Aatish </a:t>
+              <a:t>Dr.Aatish</a:t>
             </a:r>
             <a:r>
-              <a:rPr lang="en-US" sz="1400" b="1" dirty="0" err="1">
+              <a:rPr lang="en-US" sz="1200" b="1" dirty="0">
+                <a:solidFill>
+                  <a:schemeClr val="tx1"/>
+                </a:solidFill>
+                <a:latin typeface="Arial"/>
+              </a:rPr>
+              <a:t> </a:t>
+            </a:r>
+            <a:r>
+              <a:rPr lang="en-US" sz="1200" b="1" dirty="0" err="1">
                 <a:solidFill>
                   <a:schemeClr val="tx1"/>
                 </a:solidFill>
@@ -31047,7 +31446,7 @@
               </a:rPr>
               <a:t>Daryapurkar</a:t>
             </a:r>
-            <a:endParaRPr lang="en-US" sz="1400" dirty="0">
+            <a:endParaRPr lang="en-US" sz="1200" dirty="0">
               <a:solidFill>
                 <a:schemeClr val="tx1"/>
               </a:solidFill>
@@ -31059,9 +31458,45 @@
               <a:buSzPts val="1200"/>
             </a:pPr>
             <a:r>
-              <a:rPr lang="en-US" sz="1400" dirty="0"/>
-              <a:t>Category: Academic,  Expertise:   ,Domain Experience (in years):    </a:t>
+              <a:rPr lang="en-US" sz="1200" dirty="0"/>
+              <a:t>Category: Academic,  Expertise: Nano Science and Nanotechnology  ,Domain Experience (in years):    </a:t>
             </a:r>
+          </a:p>
+          <a:p>
+            <a:pPr marL="0" indent="0">
+              <a:buClr>
+                <a:srgbClr val="804160"/>
+              </a:buClr>
+              <a:buSzPts val="1200"/>
+            </a:pPr>
+            <a:r>
+              <a:rPr lang="en-US" sz="1200" b="1" dirty="0">
+                <a:solidFill>
+                  <a:srgbClr val="804160"/>
+                </a:solidFill>
+              </a:rPr>
+              <a:t>Team Mentor 2 Name: </a:t>
+            </a:r>
+            <a:endParaRPr lang="en-US" sz="1200" dirty="0">
+              <a:solidFill>
+                <a:schemeClr val="tx1"/>
+              </a:solidFill>
+              <a:latin typeface="Arial"/>
+            </a:endParaRPr>
+          </a:p>
+          <a:p>
+            <a:pPr marL="0" indent="0">
+              <a:buSzPts val="1200"/>
+            </a:pPr>
+            <a:r>
+              <a:rPr lang="en-US" sz="1200" dirty="0"/>
+              <a:t>Category: Academic,  Expertise:  ,Domain Experience (in years):    </a:t>
+            </a:r>
+          </a:p>
+          <a:p>
+            <a:pPr marL="0" indent="0">
+              <a:buSzPts val="1200"/>
+            </a:pPr>
             <a:endParaRPr sz="1400" dirty="0"/>
           </a:p>
         </p:txBody>

--- a/DevRishi-SIH2023-College.pptx
+++ b/DevRishi-SIH2023-College.pptx
@@ -5,35 +5,34 @@
     <p:sldMasterId id="2147483648" r:id="rId1"/>
   </p:sldMasterIdLst>
   <p:notesMasterIdLst>
-    <p:notesMasterId r:id="rId7"/>
+    <p:notesMasterId r:id="rId6"/>
   </p:notesMasterIdLst>
   <p:sldIdLst>
     <p:sldId id="256" r:id="rId2"/>
     <p:sldId id="257" r:id="rId3"/>
     <p:sldId id="258" r:id="rId4"/>
     <p:sldId id="259" r:id="rId5"/>
-    <p:sldId id="260" r:id="rId6"/>
   </p:sldIdLst>
   <p:sldSz cx="12192000" cy="6858000"/>
   <p:notesSz cx="6858000" cy="9144000"/>
   <p:embeddedFontLst>
     <p:embeddedFont>
       <p:font typeface="Calibri" panose="020F0502020204030204" pitchFamily="34" charset="0"/>
-      <p:regular r:id="rId8"/>
-      <p:bold r:id="rId9"/>
-      <p:italic r:id="rId10"/>
-      <p:boldItalic r:id="rId11"/>
+      <p:regular r:id="rId7"/>
+      <p:bold r:id="rId8"/>
+      <p:italic r:id="rId9"/>
+      <p:boldItalic r:id="rId10"/>
     </p:embeddedFont>
     <p:embeddedFont>
       <p:font typeface="Franklin Gothic" panose="020B0604020202020204" charset="0"/>
-      <p:bold r:id="rId12"/>
+      <p:bold r:id="rId11"/>
     </p:embeddedFont>
     <p:embeddedFont>
       <p:font typeface="Libre Franklin" pitchFamily="2" charset="0"/>
-      <p:regular r:id="rId13"/>
-      <p:bold r:id="rId14"/>
-      <p:italic r:id="rId15"/>
-      <p:boldItalic r:id="rId16"/>
+      <p:regular r:id="rId12"/>
+      <p:bold r:id="rId13"/>
+      <p:italic r:id="rId14"/>
+      <p:boldItalic r:id="rId15"/>
     </p:embeddedFont>
   </p:embeddedFontLst>
   <p:defaultTextStyle>
@@ -270,21 +269,10 @@
       <p15:sldGuideLst xmlns:p15="http://schemas.microsoft.com/office/powerpoint/2012/main"/>
     </p:ext>
     <p:ext uri="GoogleSlidesCustomDataVersion2">
-      <go:slidesCustomData xmlns:go="http://customooxmlschemas.google.com/" xmlns:ahyp="http://schemas.microsoft.com/office/drawing/2018/hyperlinkcolor" xmlns:p15="http://schemas.microsoft.com/office/powerpoint/2012/main" xmlns:p14="http://schemas.microsoft.com/office/powerpoint/2010/main" xmlns:com="http://schemas.openxmlformats.org/drawingml/2006/compatibility" xmlns:pvml="urn:schemas-microsoft-com:office:powerpoint" xmlns:v="urn:schemas-microsoft-com:vml" xmlns:o="urn:schemas-microsoft-com:office:office" xmlns:dgm="http://schemas.openxmlformats.org/drawingml/2006/diagram" xmlns:c="http://schemas.openxmlformats.org/drawingml/2006/chart" xmlns:mv="urn:schemas-microsoft-com:mac:vml" xmlns:mc="http://schemas.openxmlformats.org/markup-compatibility/2006" xmlns="" r:id="rId17" roundtripDataSignature="AMtx7mhxf9KwqLKs7hsyriYMk8T6gMsPlw=="/>
+      <go:slidesCustomData xmlns="" xmlns:mc="http://schemas.openxmlformats.org/markup-compatibility/2006" xmlns:mv="urn:schemas-microsoft-com:mac:vml" xmlns:c="http://schemas.openxmlformats.org/drawingml/2006/chart" xmlns:dgm="http://schemas.openxmlformats.org/drawingml/2006/diagram" xmlns:o="urn:schemas-microsoft-com:office:office" xmlns:v="urn:schemas-microsoft-com:vml" xmlns:pvml="urn:schemas-microsoft-com:office:powerpoint" xmlns:com="http://schemas.openxmlformats.org/drawingml/2006/compatibility" xmlns:p14="http://schemas.microsoft.com/office/powerpoint/2010/main" xmlns:p15="http://schemas.microsoft.com/office/powerpoint/2012/main" xmlns:ahyp="http://schemas.microsoft.com/office/drawing/2018/hyperlinkcolor" xmlns:go="http://customooxmlschemas.google.com/" r:id="rId17" roundtripDataSignature="AMtx7mhxf9KwqLKs7hsyriYMk8T6gMsPlw=="/>
     </p:ext>
   </p:extLst>
 </p:presentation>
-</file>
-
-<file path=ppt/revisionInfo.xml><?xml version="1.0" encoding="utf-8"?>
-<p1510:revInfo xmlns:a="http://schemas.openxmlformats.org/drawingml/2006/main" xmlns:r="http://schemas.openxmlformats.org/officeDocument/2006/relationships" xmlns:p1510="http://schemas.microsoft.com/office/powerpoint/2015/10/main">
-  <p1510:revLst>
-    <p1510:client id="{37599191-8A2D-4AFF-9239-A401891487F5}" v="581" dt="2023-09-10T21:05:29.613"/>
-    <p1510:client id="{488B20D2-70A6-4120-88EA-F2AE82955B99}" v="1584" dt="2023-09-10T20:33:09.927"/>
-    <p1510:client id="{50ECC3DE-9BCA-47F2-B2EB-DB28E82E2ABA}" v="54" dt="2023-09-10T20:50:49.949"/>
-    <p1510:client id="{7B89AAA4-21EA-454A-BA43-06B67D83B7B7}" v="77" dt="2023-09-10T20:12:11.211"/>
-  </p1510:revLst>
-</p1510:revInfo>
 </file>
 
 <file path=ppt/notesMasters/notesMaster1.xml><?xml version="1.0" encoding="utf-8"?>
@@ -2172,128 +2160,6 @@
       <p:sp>
         <p:nvSpPr>
           <p:cNvPr id="235" name="Google Shape;235;p4:notes"/>
-          <p:cNvSpPr>
-            <a:spLocks noGrp="1" noRot="1" noChangeAspect="1"/>
-          </p:cNvSpPr>
-          <p:nvPr>
-            <p:ph type="sldImg" idx="2"/>
-          </p:nvPr>
-        </p:nvSpPr>
-        <p:spPr>
-          <a:xfrm>
-            <a:off x="685800" y="1143000"/>
-            <a:ext cx="5486400" cy="3086100"/>
-          </a:xfrm>
-          <a:custGeom>
-            <a:avLst/>
-            <a:gdLst/>
-            <a:ahLst/>
-            <a:cxnLst/>
-            <a:rect l="l" t="t" r="r" b="b"/>
-            <a:pathLst>
-              <a:path w="120000" h="120000" extrusionOk="0">
-                <a:moveTo>
-                  <a:pt x="0" y="0"/>
-                </a:moveTo>
-                <a:lnTo>
-                  <a:pt x="120000" y="0"/>
-                </a:lnTo>
-                <a:lnTo>
-                  <a:pt x="120000" y="120000"/>
-                </a:lnTo>
-                <a:lnTo>
-                  <a:pt x="0" y="120000"/>
-                </a:lnTo>
-                <a:close/>
-              </a:path>
-            </a:pathLst>
-          </a:custGeom>
-          <a:noFill/>
-          <a:ln w="12700" cap="flat" cmpd="sng">
-            <a:solidFill>
-              <a:srgbClr val="000000"/>
-            </a:solidFill>
-            <a:prstDash val="solid"/>
-            <a:round/>
-            <a:headEnd type="none" w="sm" len="sm"/>
-            <a:tailEnd type="none" w="sm" len="sm"/>
-          </a:ln>
-        </p:spPr>
-      </p:sp>
-    </p:spTree>
-  </p:cSld>
-  <p:clrMapOvr>
-    <a:masterClrMapping/>
-  </p:clrMapOvr>
-</p:notes>
-</file>
-
-<file path=ppt/notesSlides/notesSlide5.xml><?xml version="1.0" encoding="utf-8"?>
-<p:notes xmlns:a="http://schemas.openxmlformats.org/drawingml/2006/main" xmlns:r="http://schemas.openxmlformats.org/officeDocument/2006/relationships" xmlns:p="http://schemas.openxmlformats.org/presentationml/2006/main" showMasterSp="0" showMasterPhAnim="0">
-  <p:cSld>
-    <p:spTree>
-      <p:nvGrpSpPr>
-        <p:cNvPr id="1" name="Shape 239"/>
-        <p:cNvGrpSpPr/>
-        <p:nvPr/>
-      </p:nvGrpSpPr>
-      <p:grpSpPr>
-        <a:xfrm>
-          <a:off x="0" y="0"/>
-          <a:ext cx="0" cy="0"/>
-          <a:chOff x="0" y="0"/>
-          <a:chExt cx="0" cy="0"/>
-        </a:xfrm>
-      </p:grpSpPr>
-      <p:sp>
-        <p:nvSpPr>
-          <p:cNvPr id="240" name="Google Shape;240;p5:notes"/>
-          <p:cNvSpPr txBox="1">
-            <a:spLocks noGrp="1"/>
-          </p:cNvSpPr>
-          <p:nvPr>
-            <p:ph type="body" idx="1"/>
-          </p:nvPr>
-        </p:nvSpPr>
-        <p:spPr>
-          <a:xfrm>
-            <a:off x="685800" y="4400550"/>
-            <a:ext cx="5486400" cy="3600450"/>
-          </a:xfrm>
-          <a:prstGeom prst="rect">
-            <a:avLst/>
-          </a:prstGeom>
-          <a:noFill/>
-          <a:ln>
-            <a:noFill/>
-          </a:ln>
-        </p:spPr>
-        <p:txBody>
-          <a:bodyPr spcFirstLastPara="1" wrap="square" lIns="91425" tIns="45700" rIns="91425" bIns="45700" anchor="t" anchorCtr="0">
-            <a:noAutofit/>
-          </a:bodyPr>
-          <a:lstStyle/>
-          <a:p>
-            <a:pPr marL="0" lvl="0" indent="0" algn="l" rtl="0">
-              <a:lnSpc>
-                <a:spcPct val="100000"/>
-              </a:lnSpc>
-              <a:spcBef>
-                <a:spcPts val="0"/>
-              </a:spcBef>
-              <a:spcAft>
-                <a:spcPts val="0"/>
-              </a:spcAft>
-              <a:buSzPts val="1400"/>
-              <a:buNone/>
-            </a:pPr>
-            <a:endParaRPr/>
-          </a:p>
-        </p:txBody>
-      </p:sp>
-      <p:sp>
-        <p:nvSpPr>
-          <p:cNvPr id="241" name="Google Shape;241;p5:notes"/>
           <p:cNvSpPr>
             <a:spLocks noGrp="1" noRot="1" noChangeAspect="1"/>
           </p:cNvSpPr>
@@ -27631,7 +27497,7 @@
         <p:spPr>
           <a:xfrm>
             <a:off x="5250254" y="148172"/>
-            <a:ext cx="6461759" cy="1151688"/>
+            <a:ext cx="6461759" cy="1051978"/>
           </a:xfrm>
           <a:prstGeom prst="rect">
             <a:avLst/>
@@ -27665,10 +27531,10 @@
               <a:buNone/>
             </a:pPr>
             <a:r>
-              <a:rPr lang="en-US" sz="3600" b="1"/>
+              <a:rPr lang="en-US" sz="3600" b="1" dirty="0"/>
               <a:t>Basic Details of the Team and Problem Statement</a:t>
             </a:r>
-            <a:endParaRPr/>
+            <a:endParaRPr dirty="0"/>
           </a:p>
         </p:txBody>
       </p:sp>
@@ -27684,8 +27550,8 @@
         </p:nvSpPr>
         <p:spPr>
           <a:xfrm>
-            <a:off x="5557050" y="1299860"/>
-            <a:ext cx="6045695" cy="5224765"/>
+            <a:off x="5000626" y="1299861"/>
+            <a:ext cx="6602120" cy="4853290"/>
           </a:xfrm>
           <a:prstGeom prst="rect">
             <a:avLst/>
@@ -27726,25 +27592,6 @@
               </a:rPr>
               <a:t>Ministry/Organization Name/Student Innovation: </a:t>
             </a:r>
-            <a:endParaRPr sz="1600" dirty="0"/>
-          </a:p>
-          <a:p>
-            <a:pPr marL="0" lvl="0" indent="0" algn="l" rtl="0">
-              <a:lnSpc>
-                <a:spcPct val="90000"/>
-              </a:lnSpc>
-              <a:spcBef>
-                <a:spcPts val="1000"/>
-              </a:spcBef>
-              <a:spcAft>
-                <a:spcPts val="0"/>
-              </a:spcAft>
-              <a:buClr>
-                <a:schemeClr val="lt2"/>
-              </a:buClr>
-              <a:buSzPts val="1800"/>
-              <a:buNone/>
-            </a:pPr>
             <a:r>
               <a:rPr lang="en-IN" sz="1600" dirty="0">
                 <a:solidFill>
@@ -27764,7 +27611,7 @@
                 <a:spcPct val="90000"/>
               </a:lnSpc>
               <a:spcBef>
-                <a:spcPts val="1000"/>
+                <a:spcPts val="0"/>
               </a:spcBef>
               <a:spcAft>
                 <a:spcPts val="0"/>
@@ -27852,9 +27699,6 @@
               </a:rPr>
               <a:t>A software that suggests drugs and formulations for a disease/pharmacological property based on the Ayurvedic classical books/Repositories.</a:t>
             </a:r>
-          </a:p>
-          <a:p>
-            <a:pPr marL="0" indent="0"/>
             <a:endParaRPr lang="en-US" sz="1600" dirty="0">
               <a:latin typeface="+mj-lt"/>
               <a:ea typeface="Franklin Gothic"/>
@@ -27886,7 +27730,7 @@
               <a:t> </a:t>
             </a:r>
             <a:r>
-              <a:rPr lang="en-US" sz="1600" dirty="0">
+              <a:rPr lang="en-US" sz="1600" dirty="0" err="1">
                 <a:solidFill>
                   <a:schemeClr val="tx1"/>
                 </a:solidFill>
@@ -27897,6 +27741,15 @@
               </a:rPr>
               <a:t>DevRishi</a:t>
             </a:r>
+            <a:endParaRPr lang="en-US" sz="1600" dirty="0">
+              <a:solidFill>
+                <a:schemeClr val="tx1"/>
+              </a:solidFill>
+              <a:latin typeface="+mj-lt"/>
+              <a:ea typeface="Franklin Gothic"/>
+              <a:cs typeface="Franklin Gothic"/>
+              <a:sym typeface="Franklin Gothic"/>
+            </a:endParaRPr>
           </a:p>
           <a:p>
             <a:pPr marL="0" indent="0"/>
@@ -27987,6 +27840,18 @@
           </a:p>
           <a:p>
             <a:pPr marL="0" indent="0"/>
+            <a:endParaRPr lang="en-US" sz="1600" dirty="0">
+              <a:solidFill>
+                <a:schemeClr val="tx1"/>
+              </a:solidFill>
+              <a:latin typeface="+mj-lt"/>
+              <a:ea typeface="Franklin Gothic"/>
+              <a:cs typeface="Franklin Gothic"/>
+              <a:sym typeface="Franklin Gothic"/>
+            </a:endParaRPr>
+          </a:p>
+          <a:p>
+            <a:pPr marL="0" indent="0"/>
             <a:r>
               <a:rPr lang="en-US" sz="1600" dirty="0">
                 <a:latin typeface="Franklin Gothic"/>
@@ -27995,6 +27860,46 @@
                 <a:sym typeface="Franklin Gothic"/>
               </a:rPr>
               <a:t>Theme Name:</a:t>
+            </a:r>
+            <a:r>
+              <a:rPr lang="en-IN" sz="1600" b="0" i="0" dirty="0">
+                <a:solidFill>
+                  <a:srgbClr val="212529"/>
+                </a:solidFill>
+                <a:effectLst/>
+                <a:latin typeface="+mj-lt"/>
+              </a:rPr>
+              <a:t>MedTech / </a:t>
+            </a:r>
+            <a:r>
+              <a:rPr lang="en-IN" sz="1600" b="0" i="0" dirty="0" err="1">
+                <a:solidFill>
+                  <a:srgbClr val="212529"/>
+                </a:solidFill>
+                <a:effectLst/>
+                <a:latin typeface="+mj-lt"/>
+              </a:rPr>
+              <a:t>BioTech</a:t>
+            </a:r>
+            <a:r>
+              <a:rPr lang="en-IN" sz="1600" b="0" i="0" dirty="0">
+                <a:solidFill>
+                  <a:srgbClr val="212529"/>
+                </a:solidFill>
+                <a:effectLst/>
+                <a:latin typeface="+mj-lt"/>
+              </a:rPr>
+              <a:t> / </a:t>
+            </a:r>
+            <a:r>
+              <a:rPr lang="en-IN" sz="1600" b="0" i="0" dirty="0" err="1">
+                <a:solidFill>
+                  <a:srgbClr val="212529"/>
+                </a:solidFill>
+                <a:effectLst/>
+                <a:latin typeface="+mj-lt"/>
+              </a:rPr>
+              <a:t>HealthTech</a:t>
             </a:r>
             <a:endParaRPr lang="en-US" sz="1600" dirty="0">
               <a:solidFill>
@@ -28056,6 +27961,277 @@
           </a:ln>
         </p:spPr>
       </p:pic>
+      <p:sp>
+        <p:nvSpPr>
+          <p:cNvPr id="2" name="Google Shape;219;p2">
+            <a:extLst>
+              <a:ext uri="{FF2B5EF4-FFF2-40B4-BE49-F238E27FC236}">
+                <a16:creationId xmlns:a16="http://schemas.microsoft.com/office/drawing/2014/main" id="{62A5C51F-6751-B239-1153-AFD2496E8621}"/>
+              </a:ext>
+            </a:extLst>
+          </p:cNvPr>
+          <p:cNvSpPr txBox="1">
+            <a:spLocks/>
+          </p:cNvSpPr>
+          <p:nvPr/>
+        </p:nvSpPr>
+        <p:spPr>
+          <a:xfrm rot="10800000" flipH="1" flipV="1">
+            <a:off x="139722" y="6619297"/>
+            <a:ext cx="161924" cy="165768"/>
+          </a:xfrm>
+          <a:prstGeom prst="rect">
+            <a:avLst/>
+          </a:prstGeom>
+          <a:noFill/>
+          <a:ln>
+            <a:noFill/>
+          </a:ln>
+        </p:spPr>
+        <p:txBody>
+          <a:bodyPr spcFirstLastPara="1" wrap="square" lIns="0" tIns="0" rIns="0" bIns="0" anchor="t" anchorCtr="0">
+            <a:noAutofit/>
+          </a:bodyPr>
+          <a:lstStyle>
+            <a:defPPr marR="0" lvl="0" algn="l" rtl="0">
+              <a:lnSpc>
+                <a:spcPct val="100000"/>
+              </a:lnSpc>
+              <a:spcBef>
+                <a:spcPts val="0"/>
+              </a:spcBef>
+              <a:spcAft>
+                <a:spcPts val="0"/>
+              </a:spcAft>
+            </a:defPPr>
+            <a:lvl1pPr marR="0" lvl="0" algn="l" rtl="0">
+              <a:lnSpc>
+                <a:spcPct val="100000"/>
+              </a:lnSpc>
+              <a:spcBef>
+                <a:spcPts val="0"/>
+              </a:spcBef>
+              <a:spcAft>
+                <a:spcPts val="0"/>
+              </a:spcAft>
+              <a:buClr>
+                <a:srgbClr val="000000"/>
+              </a:buClr>
+              <a:buFont typeface="Arial"/>
+              <a:defRPr sz="1400" b="0" i="0" u="none" strike="noStrike" cap="none">
+                <a:solidFill>
+                  <a:srgbClr val="000000"/>
+                </a:solidFill>
+                <a:latin typeface="Arial"/>
+                <a:ea typeface="Arial"/>
+                <a:cs typeface="Arial"/>
+                <a:sym typeface="Arial"/>
+              </a:defRPr>
+            </a:lvl1pPr>
+            <a:lvl2pPr marR="0" lvl="1" algn="l" rtl="0">
+              <a:lnSpc>
+                <a:spcPct val="100000"/>
+              </a:lnSpc>
+              <a:spcBef>
+                <a:spcPts val="0"/>
+              </a:spcBef>
+              <a:spcAft>
+                <a:spcPts val="0"/>
+              </a:spcAft>
+              <a:buClr>
+                <a:srgbClr val="000000"/>
+              </a:buClr>
+              <a:buFont typeface="Arial"/>
+              <a:defRPr sz="1400" b="0" i="0" u="none" strike="noStrike" cap="none">
+                <a:solidFill>
+                  <a:srgbClr val="000000"/>
+                </a:solidFill>
+                <a:latin typeface="Arial"/>
+                <a:ea typeface="Arial"/>
+                <a:cs typeface="Arial"/>
+                <a:sym typeface="Arial"/>
+              </a:defRPr>
+            </a:lvl2pPr>
+            <a:lvl3pPr marR="0" lvl="2" algn="l" rtl="0">
+              <a:lnSpc>
+                <a:spcPct val="100000"/>
+              </a:lnSpc>
+              <a:spcBef>
+                <a:spcPts val="0"/>
+              </a:spcBef>
+              <a:spcAft>
+                <a:spcPts val="0"/>
+              </a:spcAft>
+              <a:buClr>
+                <a:srgbClr val="000000"/>
+              </a:buClr>
+              <a:buFont typeface="Arial"/>
+              <a:defRPr sz="1400" b="0" i="0" u="none" strike="noStrike" cap="none">
+                <a:solidFill>
+                  <a:srgbClr val="000000"/>
+                </a:solidFill>
+                <a:latin typeface="Arial"/>
+                <a:ea typeface="Arial"/>
+                <a:cs typeface="Arial"/>
+                <a:sym typeface="Arial"/>
+              </a:defRPr>
+            </a:lvl3pPr>
+            <a:lvl4pPr marR="0" lvl="3" algn="l" rtl="0">
+              <a:lnSpc>
+                <a:spcPct val="100000"/>
+              </a:lnSpc>
+              <a:spcBef>
+                <a:spcPts val="0"/>
+              </a:spcBef>
+              <a:spcAft>
+                <a:spcPts val="0"/>
+              </a:spcAft>
+              <a:buClr>
+                <a:srgbClr val="000000"/>
+              </a:buClr>
+              <a:buFont typeface="Arial"/>
+              <a:defRPr sz="1400" b="0" i="0" u="none" strike="noStrike" cap="none">
+                <a:solidFill>
+                  <a:srgbClr val="000000"/>
+                </a:solidFill>
+                <a:latin typeface="Arial"/>
+                <a:ea typeface="Arial"/>
+                <a:cs typeface="Arial"/>
+                <a:sym typeface="Arial"/>
+              </a:defRPr>
+            </a:lvl4pPr>
+            <a:lvl5pPr marR="0" lvl="4" algn="l" rtl="0">
+              <a:lnSpc>
+                <a:spcPct val="100000"/>
+              </a:lnSpc>
+              <a:spcBef>
+                <a:spcPts val="0"/>
+              </a:spcBef>
+              <a:spcAft>
+                <a:spcPts val="0"/>
+              </a:spcAft>
+              <a:buClr>
+                <a:srgbClr val="000000"/>
+              </a:buClr>
+              <a:buFont typeface="Arial"/>
+              <a:defRPr sz="1400" b="0" i="0" u="none" strike="noStrike" cap="none">
+                <a:solidFill>
+                  <a:srgbClr val="000000"/>
+                </a:solidFill>
+                <a:latin typeface="Arial"/>
+                <a:ea typeface="Arial"/>
+                <a:cs typeface="Arial"/>
+                <a:sym typeface="Arial"/>
+              </a:defRPr>
+            </a:lvl5pPr>
+            <a:lvl6pPr marR="0" lvl="5" algn="l" rtl="0">
+              <a:lnSpc>
+                <a:spcPct val="100000"/>
+              </a:lnSpc>
+              <a:spcBef>
+                <a:spcPts val="0"/>
+              </a:spcBef>
+              <a:spcAft>
+                <a:spcPts val="0"/>
+              </a:spcAft>
+              <a:buClr>
+                <a:srgbClr val="000000"/>
+              </a:buClr>
+              <a:buFont typeface="Arial"/>
+              <a:defRPr sz="1400" b="0" i="0" u="none" strike="noStrike" cap="none">
+                <a:solidFill>
+                  <a:srgbClr val="000000"/>
+                </a:solidFill>
+                <a:latin typeface="Arial"/>
+                <a:ea typeface="Arial"/>
+                <a:cs typeface="Arial"/>
+                <a:sym typeface="Arial"/>
+              </a:defRPr>
+            </a:lvl6pPr>
+            <a:lvl7pPr marR="0" lvl="6" algn="l" rtl="0">
+              <a:lnSpc>
+                <a:spcPct val="100000"/>
+              </a:lnSpc>
+              <a:spcBef>
+                <a:spcPts val="0"/>
+              </a:spcBef>
+              <a:spcAft>
+                <a:spcPts val="0"/>
+              </a:spcAft>
+              <a:buClr>
+                <a:srgbClr val="000000"/>
+              </a:buClr>
+              <a:buFont typeface="Arial"/>
+              <a:defRPr sz="1400" b="0" i="0" u="none" strike="noStrike" cap="none">
+                <a:solidFill>
+                  <a:srgbClr val="000000"/>
+                </a:solidFill>
+                <a:latin typeface="Arial"/>
+                <a:ea typeface="Arial"/>
+                <a:cs typeface="Arial"/>
+                <a:sym typeface="Arial"/>
+              </a:defRPr>
+            </a:lvl7pPr>
+            <a:lvl8pPr marR="0" lvl="7" algn="l" rtl="0">
+              <a:lnSpc>
+                <a:spcPct val="100000"/>
+              </a:lnSpc>
+              <a:spcBef>
+                <a:spcPts val="0"/>
+              </a:spcBef>
+              <a:spcAft>
+                <a:spcPts val="0"/>
+              </a:spcAft>
+              <a:buClr>
+                <a:srgbClr val="000000"/>
+              </a:buClr>
+              <a:buFont typeface="Arial"/>
+              <a:defRPr sz="1400" b="0" i="0" u="none" strike="noStrike" cap="none">
+                <a:solidFill>
+                  <a:srgbClr val="000000"/>
+                </a:solidFill>
+                <a:latin typeface="Arial"/>
+                <a:ea typeface="Arial"/>
+                <a:cs typeface="Arial"/>
+                <a:sym typeface="Arial"/>
+              </a:defRPr>
+            </a:lvl8pPr>
+            <a:lvl9pPr marR="0" lvl="8" algn="l" rtl="0">
+              <a:lnSpc>
+                <a:spcPct val="100000"/>
+              </a:lnSpc>
+              <a:spcBef>
+                <a:spcPts val="0"/>
+              </a:spcBef>
+              <a:spcAft>
+                <a:spcPts val="0"/>
+              </a:spcAft>
+              <a:buClr>
+                <a:srgbClr val="000000"/>
+              </a:buClr>
+              <a:buFont typeface="Arial"/>
+              <a:defRPr sz="1400" b="0" i="0" u="none" strike="noStrike" cap="none">
+                <a:solidFill>
+                  <a:srgbClr val="000000"/>
+                </a:solidFill>
+                <a:latin typeface="Arial"/>
+                <a:ea typeface="Arial"/>
+                <a:cs typeface="Arial"/>
+                <a:sym typeface="Arial"/>
+              </a:defRPr>
+            </a:lvl9pPr>
+          </a:lstStyle>
+          <a:p>
+            <a:pPr>
+              <a:buSzPts val="1100"/>
+            </a:pPr>
+            <a:r>
+              <a:rPr lang="en-IN" dirty="0"/>
+              <a:t>1</a:t>
+            </a:r>
+          </a:p>
+        </p:txBody>
+      </p:sp>
     </p:spTree>
   </p:cSld>
   <p:clrMapOvr>
@@ -28128,7 +28304,7 @@
               <a:buNone/>
             </a:pPr>
             <a:r>
-              <a:rPr lang="en-US" sz="3600"/>
+              <a:rPr lang="en-US" sz="3600" dirty="0"/>
               <a:t>Idea/Approach Details</a:t>
             </a:r>
           </a:p>
@@ -28146,8 +28322,8 @@
         </p:nvSpPr>
         <p:spPr>
           <a:xfrm>
-            <a:off x="379095" y="2000250"/>
-            <a:ext cx="6372669" cy="4745389"/>
+            <a:off x="379095" y="2044460"/>
+            <a:ext cx="6375341" cy="4740605"/>
           </a:xfrm>
           <a:prstGeom prst="rect">
             <a:avLst/>
@@ -28406,42 +28582,6 @@
                   <a:schemeClr val="tx1"/>
                 </a:solidFill>
                 <a:latin typeface="+mj-lt"/>
-              </a:rPr>
-              <a:t>After Sushruta suggests the drug to the user, it will also give the necessary drug details to the user like price, nearby shop via </a:t>
-            </a:r>
-            <a:r>
-              <a:rPr lang="en-US" sz="1300" b="1" dirty="0">
-                <a:solidFill>
-                  <a:schemeClr val="tx1"/>
-                </a:solidFill>
-                <a:latin typeface="+mj-lt"/>
-              </a:rPr>
-              <a:t>GPS system</a:t>
-            </a:r>
-            <a:r>
-              <a:rPr lang="en-US" sz="1300" dirty="0">
-                <a:solidFill>
-                  <a:schemeClr val="tx1"/>
-                </a:solidFill>
-                <a:latin typeface="+mj-lt"/>
-              </a:rPr>
-              <a:t>.</a:t>
-            </a:r>
-          </a:p>
-          <a:p>
-            <a:pPr marL="285750" indent="-285750">
-              <a:spcBef>
-                <a:spcPts val="0"/>
-              </a:spcBef>
-              <a:buFont typeface="Wingdings"/>
-              <a:buChar char="Ø"/>
-            </a:pPr>
-            <a:r>
-              <a:rPr lang="en-US" sz="1300" dirty="0">
-                <a:solidFill>
-                  <a:schemeClr val="tx1"/>
-                </a:solidFill>
-                <a:latin typeface="+mj-lt"/>
                 <a:ea typeface="Franklin Gothic"/>
                 <a:cs typeface="Franklin Gothic"/>
               </a:rPr>
@@ -28503,24 +28643,6 @@
                 </a:solidFill>
                 <a:latin typeface="+mj-lt"/>
               </a:rPr>
-              <a:t>in with </a:t>
-            </a:r>
-            <a:r>
-              <a:rPr lang="en-US" sz="1300" b="1" dirty="0">
-                <a:solidFill>
-                  <a:schemeClr val="tx1"/>
-                </a:solidFill>
-                <a:latin typeface="+mj-lt"/>
-              </a:rPr>
-              <a:t>Multilingual Support </a:t>
-            </a:r>
-            <a:r>
-              <a:rPr lang="en-US" sz="1300" dirty="0">
-                <a:solidFill>
-                  <a:schemeClr val="tx1"/>
-                </a:solidFill>
-                <a:latin typeface="+mj-lt"/>
-              </a:rPr>
               <a:t>by which people from rural could also get to know about the Ayurvedic cure about their medicine. </a:t>
             </a:r>
           </a:p>
@@ -28585,7 +28707,51 @@
                 <a:ea typeface="Franklin Gothic"/>
                 <a:cs typeface="Franklin Gothic"/>
               </a:rPr>
-              <a:t>. This website will contain the information about each medicines in Ayurveda till date divided into its sub sections.</a:t>
+              <a:t>. This website will contain the information about each medicines in Ayurveda till date </a:t>
+            </a:r>
+            <a:r>
+              <a:rPr lang="en-US" sz="1300" b="1" dirty="0">
+                <a:solidFill>
+                  <a:schemeClr val="tx1"/>
+                </a:solidFill>
+                <a:latin typeface="+mj-lt"/>
+                <a:ea typeface="Franklin Gothic"/>
+                <a:cs typeface="Franklin Gothic"/>
+              </a:rPr>
+              <a:t>divided</a:t>
+            </a:r>
+            <a:r>
+              <a:rPr lang="en-US" sz="1300" dirty="0">
+                <a:solidFill>
+                  <a:schemeClr val="tx1"/>
+                </a:solidFill>
+                <a:latin typeface="+mj-lt"/>
+                <a:ea typeface="Franklin Gothic"/>
+                <a:cs typeface="Franklin Gothic"/>
+              </a:rPr>
+              <a:t> into its </a:t>
+            </a:r>
+            <a:r>
+              <a:rPr lang="en-US" sz="1300" b="1" dirty="0">
+                <a:solidFill>
+                  <a:schemeClr val="tx1"/>
+                </a:solidFill>
+                <a:latin typeface="+mj-lt"/>
+                <a:ea typeface="Franklin Gothic"/>
+                <a:cs typeface="Franklin Gothic"/>
+              </a:rPr>
+              <a:t>sub sections</a:t>
+            </a:r>
+            <a:r>
+              <a:rPr lang="en-US" sz="1300" dirty="0">
+                <a:solidFill>
+                  <a:schemeClr val="tx1"/>
+                </a:solidFill>
+                <a:latin typeface="+mj-lt"/>
+                <a:ea typeface="Franklin Gothic"/>
+                <a:cs typeface="Franklin Gothic"/>
+              </a:rPr>
+              <a:t>.</a:t>
             </a:r>
           </a:p>
           <a:p>
@@ -28711,8 +28877,137 @@
                 </a:solidFill>
                 <a:latin typeface="+mj-lt"/>
               </a:rPr>
-              <a:t>Later, patients can use AR and VR to interact with Ayurvedic practitioners alongside the chatbot for valuable feedback.</a:t>
+              <a:t>Later, patients can use </a:t>
             </a:r>
+            <a:r>
+              <a:rPr lang="en-US" sz="1300" b="1" dirty="0">
+                <a:solidFill>
+                  <a:schemeClr val="tx1"/>
+                </a:solidFill>
+                <a:latin typeface="+mj-lt"/>
+              </a:rPr>
+              <a:t>Augmented Reality(AR)</a:t>
+            </a:r>
+            <a:r>
+              <a:rPr lang="en-US" sz="1300" dirty="0">
+                <a:solidFill>
+                  <a:schemeClr val="tx1"/>
+                </a:solidFill>
+                <a:latin typeface="+mj-lt"/>
+              </a:rPr>
+              <a:t> and </a:t>
+            </a:r>
+            <a:r>
+              <a:rPr lang="en-US" sz="1300" b="1" dirty="0">
+                <a:solidFill>
+                  <a:schemeClr val="tx1"/>
+                </a:solidFill>
+                <a:latin typeface="+mj-lt"/>
+              </a:rPr>
+              <a:t>Virtual Reality(VR) </a:t>
+            </a:r>
+            <a:r>
+              <a:rPr lang="en-US" sz="1300" dirty="0">
+                <a:solidFill>
+                  <a:schemeClr val="tx1"/>
+                </a:solidFill>
+                <a:latin typeface="+mj-lt"/>
+              </a:rPr>
+              <a:t>to interact with Ayurvedic practitioners alongside the chatbot for valuable feedback.</a:t>
+            </a:r>
+          </a:p>
+          <a:p>
+            <a:pPr marL="285750" indent="-285750">
+              <a:spcBef>
+                <a:spcPts val="0"/>
+              </a:spcBef>
+              <a:buFont typeface="Wingdings"/>
+              <a:buChar char="Ø"/>
+            </a:pPr>
+            <a:r>
+              <a:rPr lang="en-US" sz="1300" dirty="0">
+                <a:latin typeface="+mj-lt"/>
+              </a:rPr>
+              <a:t>The </a:t>
+            </a:r>
+            <a:r>
+              <a:rPr lang="en-US" sz="1300" dirty="0">
+                <a:solidFill>
+                  <a:schemeClr val="dk1"/>
+                </a:solidFill>
+                <a:latin typeface="+mj-lt"/>
+              </a:rPr>
+              <a:t>website will </a:t>
+            </a:r>
+            <a:r>
+              <a:rPr lang="en-US" sz="1300" b="1" dirty="0">
+                <a:solidFill>
+                  <a:schemeClr val="dk1"/>
+                </a:solidFill>
+                <a:latin typeface="+mj-lt"/>
+              </a:rPr>
+              <a:t>not only </a:t>
+            </a:r>
+            <a:r>
+              <a:rPr lang="en-US" sz="1300" dirty="0">
+                <a:solidFill>
+                  <a:schemeClr val="dk1"/>
+                </a:solidFill>
+                <a:latin typeface="+mj-lt"/>
+              </a:rPr>
+              <a:t>act as a platform for gaining knowledge but also a platform for all </a:t>
+            </a:r>
+            <a:r>
+              <a:rPr lang="en-US" sz="1300" b="1" dirty="0">
+                <a:solidFill>
+                  <a:schemeClr val="dk1"/>
+                </a:solidFill>
+                <a:latin typeface="+mj-lt"/>
+              </a:rPr>
+              <a:t>like minded individuals </a:t>
+            </a:r>
+            <a:r>
+              <a:rPr lang="en-US" sz="1300" dirty="0">
+                <a:solidFill>
+                  <a:schemeClr val="dk1"/>
+                </a:solidFill>
+                <a:latin typeface="+mj-lt"/>
+              </a:rPr>
+              <a:t>to </a:t>
+            </a:r>
+            <a:r>
+              <a:rPr lang="en-US" sz="1300" b="1" dirty="0">
+                <a:solidFill>
+                  <a:schemeClr val="dk1"/>
+                </a:solidFill>
+                <a:latin typeface="+mj-lt"/>
+              </a:rPr>
+              <a:t>interact</a:t>
+            </a:r>
+            <a:r>
+              <a:rPr lang="en-US" sz="1300" dirty="0">
+                <a:solidFill>
+                  <a:schemeClr val="dk1"/>
+                </a:solidFill>
+                <a:latin typeface="+mj-lt"/>
+              </a:rPr>
+              <a:t> with each other through </a:t>
+            </a:r>
+            <a:r>
+              <a:rPr lang="en-US" sz="1300" b="1" dirty="0">
+                <a:solidFill>
+                  <a:schemeClr val="dk1"/>
+                </a:solidFill>
+                <a:latin typeface="+mj-lt"/>
+              </a:rPr>
+              <a:t>Discussion Forums.</a:t>
+            </a:r>
+            <a:endParaRPr lang="en-US" sz="1300" b="1" dirty="0">
+              <a:solidFill>
+                <a:schemeClr val="tx1"/>
+              </a:solidFill>
+              <a:latin typeface="+mj-lt"/>
+            </a:endParaRPr>
           </a:p>
           <a:p>
             <a:pPr marL="285750" indent="-285750">
@@ -28819,8 +29114,8 @@
           </p:nvPr>
         </p:nvSpPr>
         <p:spPr>
-          <a:xfrm flipH="1" flipV="1">
-            <a:off x="129984" y="6579871"/>
+          <a:xfrm rot="10800000" flipH="1" flipV="1">
+            <a:off x="139722" y="6619297"/>
             <a:ext cx="161924" cy="165768"/>
           </a:xfrm>
           <a:prstGeom prst="rect">
@@ -28850,6 +29145,10 @@
               <a:buSzPts val="1100"/>
               <a:buNone/>
             </a:pPr>
+            <a:r>
+              <a:rPr lang="en-IN" dirty="0"/>
+              <a:t>2</a:t>
+            </a:r>
             <a:endParaRPr dirty="0"/>
           </a:p>
         </p:txBody>
@@ -28897,8 +29196,8 @@
         </p:nvSpPr>
         <p:spPr>
           <a:xfrm>
-            <a:off x="7000875" y="3820783"/>
-            <a:ext cx="4949701" cy="2759088"/>
+            <a:off x="6754436" y="3973402"/>
+            <a:ext cx="5365677" cy="2811662"/>
           </a:xfrm>
           <a:prstGeom prst="rect">
             <a:avLst/>
@@ -28938,7 +29237,7 @@
               <a:buNone/>
             </a:pPr>
             <a:r>
-              <a:rPr lang="en-US" sz="1800" b="0" i="0" u="none" strike="noStrike" cap="none">
+              <a:rPr lang="en-US" sz="1800" b="0" i="0" u="none" strike="noStrike" cap="none" dirty="0">
                 <a:solidFill>
                   <a:schemeClr val="lt2"/>
                 </a:solidFill>
@@ -28947,10 +29246,10 @@
                 <a:cs typeface="Franklin Gothic"/>
                 <a:sym typeface="Franklin Gothic"/>
               </a:rPr>
-              <a:t>Describe your Technology stack here</a:t>
+              <a:t> Describe your Technology stack here</a:t>
             </a:r>
             <a:r>
-              <a:rPr lang="en-US" sz="1600" b="0" i="0" u="none" strike="noStrike" cap="none">
+              <a:rPr lang="en-US" sz="1600" b="0" i="0" u="none" strike="noStrike" cap="none" dirty="0">
                 <a:solidFill>
                   <a:schemeClr val="dk1"/>
                 </a:solidFill>
@@ -28961,7 +29260,7 @@
               </a:rPr>
               <a:t>:</a:t>
             </a:r>
-            <a:endParaRPr lang="en-IN" sz="1400" b="0" i="0" u="none" strike="noStrike" cap="none">
+            <a:endParaRPr lang="en-IN" sz="1400" b="0" i="0" u="none" strike="noStrike" cap="none" dirty="0">
               <a:latin typeface="Arial"/>
               <a:ea typeface="Arial"/>
               <a:cs typeface="Arial"/>
@@ -28978,7 +29277,7 @@
               </a:buClr>
               <a:buSzPts val="1600"/>
             </a:pPr>
-            <a:endParaRPr lang="en-IN" sz="1600" b="0" i="0" u="none" strike="noStrike" cap="none">
+            <a:endParaRPr lang="en-IN" sz="1600" b="0" i="0" u="none" strike="noStrike" cap="none" dirty="0">
               <a:solidFill>
                 <a:schemeClr val="dk1"/>
               </a:solidFill>
@@ -29003,7 +29302,7 @@
               <a:buFont typeface="Arial"/>
               <a:buNone/>
             </a:pPr>
-            <a:endParaRPr lang="en-IN" sz="1600" b="0" i="0" u="none" strike="noStrike" cap="none">
+            <a:endParaRPr lang="en-IN" sz="1600" b="0" i="0" u="none" strike="noStrike" cap="none" dirty="0">
               <a:solidFill>
                 <a:schemeClr val="dk1"/>
               </a:solidFill>
@@ -29053,17 +29352,17 @@
                 </a:solidFill>
                 <a:latin typeface="+mj-lt"/>
               </a:rPr>
-              <a:t>We are looking for a solution by creating a web system that suggests drugs and formulations for a disease based on the Ayurvedic classical books. It will help the common people, practitioners and students to access the Ayurvedic knowledge of herbs, minerals and formulations from its 150 diverse texts. Prototype will work as follows:</a:t>
+              <a:t>We are looking for a solution by creating a web and app system that suggests drugs and formulations for a disease based on the Ayurvedic classical books. It will help the common people, practitioners and students to access the Ayurvedic knowledge of herbs, minerals and formulations from its 150 diverse texts. Prototype will work as follows:</a:t>
             </a:r>
           </a:p>
         </p:txBody>
       </p:sp>
       <p:pic>
         <p:nvPicPr>
-          <p:cNvPr id="5" name="Picture 4" descr="A blue and white logo&#10;&#10;Description automatically generated">
+          <p:cNvPr id="8" name="Picture 7" descr="Node.js SVG Vector Logos - Vector Logo Zone">
             <a:extLst>
               <a:ext uri="{FF2B5EF4-FFF2-40B4-BE49-F238E27FC236}">
-                <a16:creationId xmlns:a16="http://schemas.microsoft.com/office/drawing/2014/main" id="{18B9D172-CFD0-A943-236A-A1B1A2603930}"/>
+                <a16:creationId xmlns:a16="http://schemas.microsoft.com/office/drawing/2014/main" id="{7C6D38F8-1D63-A579-3C8E-63183E676E33}"/>
               </a:ext>
             </a:extLst>
           </p:cNvPr>
@@ -29080,97 +29379,7 @@
         </p:blipFill>
         <p:spPr>
           <a:xfrm>
-            <a:off x="7116366" y="4178274"/>
-            <a:ext cx="699784" cy="518404"/>
-          </a:xfrm>
-          <a:prstGeom prst="rect">
-            <a:avLst/>
-          </a:prstGeom>
-        </p:spPr>
-      </p:pic>
-      <p:pic>
-        <p:nvPicPr>
-          <p:cNvPr id="6" name="Picture 5" descr="A logo with a black and orange shield&#10;&#10;Description automatically generated">
-            <a:extLst>
-              <a:ext uri="{FF2B5EF4-FFF2-40B4-BE49-F238E27FC236}">
-                <a16:creationId xmlns:a16="http://schemas.microsoft.com/office/drawing/2014/main" id="{AE54E887-CF3E-E656-98CA-9E546A485401}"/>
-              </a:ext>
-            </a:extLst>
-          </p:cNvPr>
-          <p:cNvPicPr>
-            <a:picLocks noChangeAspect="1"/>
-          </p:cNvPicPr>
-          <p:nvPr/>
-        </p:nvPicPr>
-        <p:blipFill>
-          <a:blip r:embed="rId5"/>
-          <a:stretch>
-            <a:fillRect/>
-          </a:stretch>
-        </p:blipFill>
-        <p:spPr>
-          <a:xfrm>
-            <a:off x="8916696" y="4124527"/>
-            <a:ext cx="563557" cy="572151"/>
-          </a:xfrm>
-          <a:prstGeom prst="rect">
-            <a:avLst/>
-          </a:prstGeom>
-        </p:spPr>
-      </p:pic>
-      <p:pic>
-        <p:nvPicPr>
-          <p:cNvPr id="7" name="Picture 6" descr="File:CSS3 logo.svg - Wikimedia Commons">
-            <a:extLst>
-              <a:ext uri="{FF2B5EF4-FFF2-40B4-BE49-F238E27FC236}">
-                <a16:creationId xmlns:a16="http://schemas.microsoft.com/office/drawing/2014/main" id="{98083952-DACD-6EAA-E7EE-1B14E6D803A6}"/>
-              </a:ext>
-            </a:extLst>
-          </p:cNvPr>
-          <p:cNvPicPr>
-            <a:picLocks noChangeAspect="1"/>
-          </p:cNvPicPr>
-          <p:nvPr/>
-        </p:nvPicPr>
-        <p:blipFill>
-          <a:blip r:embed="rId6"/>
-          <a:stretch>
-            <a:fillRect/>
-          </a:stretch>
-        </p:blipFill>
-        <p:spPr>
-          <a:xfrm>
-            <a:off x="9638813" y="4132551"/>
-            <a:ext cx="578797" cy="578798"/>
-          </a:xfrm>
-          <a:prstGeom prst="rect">
-            <a:avLst/>
-          </a:prstGeom>
-        </p:spPr>
-      </p:pic>
-      <p:pic>
-        <p:nvPicPr>
-          <p:cNvPr id="8" name="Picture 7" descr="Node.js SVG Vector Logos - Vector Logo Zone">
-            <a:extLst>
-              <a:ext uri="{FF2B5EF4-FFF2-40B4-BE49-F238E27FC236}">
-                <a16:creationId xmlns:a16="http://schemas.microsoft.com/office/drawing/2014/main" id="{7C6D38F8-1D63-A579-3C8E-63183E676E33}"/>
-              </a:ext>
-            </a:extLst>
-          </p:cNvPr>
-          <p:cNvPicPr>
-            <a:picLocks noChangeAspect="1"/>
-          </p:cNvPicPr>
-          <p:nvPr/>
-        </p:nvPicPr>
-        <p:blipFill>
-          <a:blip r:embed="rId7"/>
-          <a:stretch>
-            <a:fillRect/>
-          </a:stretch>
-        </p:blipFill>
-        <p:spPr>
-          <a:xfrm>
-            <a:off x="7197678" y="4738911"/>
+            <a:off x="6898832" y="4965332"/>
             <a:ext cx="959796" cy="552856"/>
           </a:xfrm>
           <a:prstGeom prst="rect">
@@ -29193,75 +29402,15 @@
           <p:nvPr/>
         </p:nvPicPr>
         <p:blipFill>
-          <a:blip r:embed="rId8"/>
+          <a:blip r:embed="rId5"/>
           <a:stretch>
             <a:fillRect/>
           </a:stretch>
         </p:blipFill>
         <p:spPr>
           <a:xfrm>
-            <a:off x="8117911" y="4572071"/>
+            <a:off x="7999847" y="4667462"/>
             <a:ext cx="773147" cy="773148"/>
-          </a:xfrm>
-          <a:prstGeom prst="rect">
-            <a:avLst/>
-          </a:prstGeom>
-        </p:spPr>
-      </p:pic>
-      <p:pic>
-        <p:nvPicPr>
-          <p:cNvPr id="10" name="Picture 9" descr="File:Python-logo-notext.svg - Wikipedia">
-            <a:extLst>
-              <a:ext uri="{FF2B5EF4-FFF2-40B4-BE49-F238E27FC236}">
-                <a16:creationId xmlns:a16="http://schemas.microsoft.com/office/drawing/2014/main" id="{FFF5865E-3267-6AB6-103F-8ACF89F4A814}"/>
-              </a:ext>
-            </a:extLst>
-          </p:cNvPr>
-          <p:cNvPicPr>
-            <a:picLocks noChangeAspect="1"/>
-          </p:cNvPicPr>
-          <p:nvPr/>
-        </p:nvPicPr>
-        <p:blipFill>
-          <a:blip r:embed="rId9"/>
-          <a:stretch>
-            <a:fillRect/>
-          </a:stretch>
-        </p:blipFill>
-        <p:spPr>
-          <a:xfrm>
-            <a:off x="8981897" y="4773148"/>
-            <a:ext cx="546776" cy="608993"/>
-          </a:xfrm>
-          <a:prstGeom prst="rect">
-            <a:avLst/>
-          </a:prstGeom>
-        </p:spPr>
-      </p:pic>
-      <p:pic>
-        <p:nvPicPr>
-          <p:cNvPr id="12" name="Picture 11" descr="File:React-icon.svg - Wikipedia">
-            <a:extLst>
-              <a:ext uri="{FF2B5EF4-FFF2-40B4-BE49-F238E27FC236}">
-                <a16:creationId xmlns:a16="http://schemas.microsoft.com/office/drawing/2014/main" id="{ED5FFD7F-BA1D-36E8-E047-4D278F07F739}"/>
-              </a:ext>
-            </a:extLst>
-          </p:cNvPr>
-          <p:cNvPicPr>
-            <a:picLocks noChangeAspect="1"/>
-          </p:cNvPicPr>
-          <p:nvPr/>
-        </p:nvPicPr>
-        <p:blipFill>
-          <a:blip r:embed="rId10"/>
-          <a:stretch>
-            <a:fillRect/>
-          </a:stretch>
-        </p:blipFill>
-        <p:spPr>
-          <a:xfrm>
-            <a:off x="9661509" y="4755373"/>
-            <a:ext cx="667967" cy="577668"/>
           </a:xfrm>
           <a:prstGeom prst="rect">
             <a:avLst/>
@@ -29283,105 +29432,15 @@
           <p:nvPr/>
         </p:nvPicPr>
         <p:blipFill>
-          <a:blip r:embed="rId11"/>
+          <a:blip r:embed="rId6"/>
           <a:stretch>
             <a:fillRect/>
           </a:stretch>
         </p:blipFill>
         <p:spPr>
           <a:xfrm>
-            <a:off x="10549146" y="4783181"/>
+            <a:off x="10476769" y="4971975"/>
             <a:ext cx="586903" cy="522052"/>
-          </a:xfrm>
-          <a:prstGeom prst="rect">
-            <a:avLst/>
-          </a:prstGeom>
-        </p:spPr>
-      </p:pic>
-      <p:pic>
-        <p:nvPicPr>
-          <p:cNvPr id="14" name="Picture 13" descr="What is Bootstrap?">
-            <a:extLst>
-              <a:ext uri="{FF2B5EF4-FFF2-40B4-BE49-F238E27FC236}">
-                <a16:creationId xmlns:a16="http://schemas.microsoft.com/office/drawing/2014/main" id="{D4237179-8FEF-BDE1-B739-CEDB5D883625}"/>
-              </a:ext>
-            </a:extLst>
-          </p:cNvPr>
-          <p:cNvPicPr>
-            <a:picLocks noChangeAspect="1"/>
-          </p:cNvPicPr>
-          <p:nvPr/>
-        </p:nvPicPr>
-        <p:blipFill>
-          <a:blip r:embed="rId12"/>
-          <a:stretch>
-            <a:fillRect/>
-          </a:stretch>
-        </p:blipFill>
-        <p:spPr>
-          <a:xfrm>
-            <a:off x="7227033" y="5308821"/>
-            <a:ext cx="578594" cy="562382"/>
-          </a:xfrm>
-          <a:prstGeom prst="rect">
-            <a:avLst/>
-          </a:prstGeom>
-        </p:spPr>
-      </p:pic>
-      <p:pic>
-        <p:nvPicPr>
-          <p:cNvPr id="15" name="Picture 14" descr="File:WordPress blue logo.svg - Wikipedia">
-            <a:extLst>
-              <a:ext uri="{FF2B5EF4-FFF2-40B4-BE49-F238E27FC236}">
-                <a16:creationId xmlns:a16="http://schemas.microsoft.com/office/drawing/2014/main" id="{035BA047-F49D-DE70-DB5B-FDDCBD4AAA95}"/>
-              </a:ext>
-            </a:extLst>
-          </p:cNvPr>
-          <p:cNvPicPr>
-            <a:picLocks noChangeAspect="1"/>
-          </p:cNvPicPr>
-          <p:nvPr/>
-        </p:nvPicPr>
-        <p:blipFill>
-          <a:blip r:embed="rId13"/>
-          <a:stretch>
-            <a:fillRect/>
-          </a:stretch>
-        </p:blipFill>
-        <p:spPr>
-          <a:xfrm>
-            <a:off x="8202615" y="5314536"/>
-            <a:ext cx="544427" cy="544427"/>
-          </a:xfrm>
-          <a:prstGeom prst="rect">
-            <a:avLst/>
-          </a:prstGeom>
-        </p:spPr>
-      </p:pic>
-      <p:pic>
-        <p:nvPicPr>
-          <p:cNvPr id="16" name="Picture 15" descr="Android Logo and symbol, meaning, history, PNG, brand">
-            <a:extLst>
-              <a:ext uri="{FF2B5EF4-FFF2-40B4-BE49-F238E27FC236}">
-                <a16:creationId xmlns:a16="http://schemas.microsoft.com/office/drawing/2014/main" id="{A18E99B7-9FA0-11AD-3199-99057B34C321}"/>
-              </a:ext>
-            </a:extLst>
-          </p:cNvPr>
-          <p:cNvPicPr>
-            <a:picLocks noChangeAspect="1"/>
-          </p:cNvPicPr>
-          <p:nvPr/>
-        </p:nvPicPr>
-        <p:blipFill>
-          <a:blip r:embed="rId14"/>
-          <a:stretch>
-            <a:fillRect/>
-          </a:stretch>
-        </p:blipFill>
-        <p:spPr>
-          <a:xfrm>
-            <a:off x="8870939" y="5411701"/>
-            <a:ext cx="733832" cy="536237"/>
           </a:xfrm>
           <a:prstGeom prst="rect">
             <a:avLst/>
@@ -29403,15 +29462,15 @@
           <p:nvPr/>
         </p:nvPicPr>
         <p:blipFill>
-          <a:blip r:embed="rId15"/>
+          <a:blip r:embed="rId7"/>
           <a:stretch>
             <a:fillRect/>
           </a:stretch>
         </p:blipFill>
         <p:spPr>
           <a:xfrm>
-            <a:off x="10322928" y="4097054"/>
-            <a:ext cx="967901" cy="525417"/>
+            <a:off x="10279737" y="4288283"/>
+            <a:ext cx="892456" cy="548050"/>
           </a:xfrm>
           <a:prstGeom prst="rect">
             <a:avLst/>
@@ -29433,45 +29492,15 @@
           <p:nvPr/>
         </p:nvPicPr>
         <p:blipFill>
-          <a:blip r:embed="rId16"/>
+          <a:blip r:embed="rId8"/>
           <a:stretch>
             <a:fillRect/>
           </a:stretch>
         </p:blipFill>
         <p:spPr>
           <a:xfrm>
-            <a:off x="9638813" y="5450208"/>
+            <a:off x="9596088" y="5675168"/>
             <a:ext cx="1470498" cy="390804"/>
-          </a:xfrm>
-          <a:prstGeom prst="rect">
-            <a:avLst/>
-          </a:prstGeom>
-        </p:spPr>
-      </p:pic>
-      <p:pic>
-        <p:nvPicPr>
-          <p:cNvPr id="11" name="Picture 10">
-            <a:extLst>
-              <a:ext uri="{FF2B5EF4-FFF2-40B4-BE49-F238E27FC236}">
-                <a16:creationId xmlns:a16="http://schemas.microsoft.com/office/drawing/2014/main" id="{3B2EE3AE-6799-7DA2-992C-AB2DD410973B}"/>
-              </a:ext>
-            </a:extLst>
-          </p:cNvPr>
-          <p:cNvPicPr>
-            <a:picLocks noChangeAspect="1"/>
-          </p:cNvPicPr>
-          <p:nvPr/>
-        </p:nvPicPr>
-        <p:blipFill>
-          <a:blip r:embed="rId17"/>
-          <a:stretch>
-            <a:fillRect/>
-          </a:stretch>
-        </p:blipFill>
-        <p:spPr>
-          <a:xfrm>
-            <a:off x="6838951" y="401955"/>
-            <a:ext cx="5279458" cy="3327113"/>
           </a:xfrm>
           <a:prstGeom prst="rect">
             <a:avLst/>
@@ -29493,45 +29522,15 @@
           <p:nvPr/>
         </p:nvPicPr>
         <p:blipFill>
-          <a:blip r:embed="rId18"/>
+          <a:blip r:embed="rId9"/>
           <a:stretch>
             <a:fillRect/>
           </a:stretch>
         </p:blipFill>
         <p:spPr>
           <a:xfrm>
-            <a:off x="11182201" y="4788393"/>
-            <a:ext cx="792480" cy="542925"/>
-          </a:xfrm>
-          <a:prstGeom prst="rect">
-            <a:avLst/>
-          </a:prstGeom>
-        </p:spPr>
-      </p:pic>
-      <p:pic>
-        <p:nvPicPr>
-          <p:cNvPr id="19" name="Picture 18" descr="A logo of a compass&#10;&#10;Description automatically generated">
-            <a:extLst>
-              <a:ext uri="{FF2B5EF4-FFF2-40B4-BE49-F238E27FC236}">
-                <a16:creationId xmlns:a16="http://schemas.microsoft.com/office/drawing/2014/main" id="{1BC731DA-C5FA-0348-90B5-5694CD026819}"/>
-              </a:ext>
-            </a:extLst>
-          </p:cNvPr>
-          <p:cNvPicPr>
-            <a:picLocks noChangeAspect="1"/>
-          </p:cNvPicPr>
-          <p:nvPr/>
-        </p:nvPicPr>
-        <p:blipFill>
-          <a:blip r:embed="rId19"/>
-          <a:stretch>
-            <a:fillRect/>
-          </a:stretch>
-        </p:blipFill>
-        <p:spPr>
-          <a:xfrm>
-            <a:off x="11280458" y="4155758"/>
-            <a:ext cx="565785" cy="596265"/>
+            <a:off x="11058002" y="4971131"/>
+            <a:ext cx="913192" cy="641003"/>
           </a:xfrm>
           <a:prstGeom prst="rect">
             <a:avLst/>
@@ -29553,14 +29552,14 @@
           <p:nvPr/>
         </p:nvPicPr>
         <p:blipFill>
-          <a:blip r:embed="rId20"/>
+          <a:blip r:embed="rId10"/>
           <a:stretch>
             <a:fillRect/>
           </a:stretch>
         </p:blipFill>
         <p:spPr>
           <a:xfrm>
-            <a:off x="11217885" y="5480970"/>
+            <a:off x="11170203" y="5849534"/>
             <a:ext cx="643890" cy="683895"/>
           </a:xfrm>
           <a:prstGeom prst="rect">
@@ -29583,14 +29582,14 @@
           <p:nvPr/>
         </p:nvPicPr>
         <p:blipFill>
-          <a:blip r:embed="rId21"/>
+          <a:blip r:embed="rId11"/>
           <a:stretch>
             <a:fillRect/>
           </a:stretch>
         </p:blipFill>
         <p:spPr>
           <a:xfrm>
-            <a:off x="7269326" y="6078093"/>
+            <a:off x="6974643" y="6241345"/>
             <a:ext cx="678180" cy="377952"/>
           </a:xfrm>
           <a:prstGeom prst="rect">
@@ -29613,14 +29612,14 @@
           <p:nvPr/>
         </p:nvPicPr>
         <p:blipFill>
-          <a:blip r:embed="rId22"/>
+          <a:blip r:embed="rId12"/>
           <a:stretch>
             <a:fillRect/>
           </a:stretch>
         </p:blipFill>
         <p:spPr>
           <a:xfrm>
-            <a:off x="8289648" y="6118190"/>
+            <a:off x="8008266" y="6246654"/>
             <a:ext cx="1287780" cy="291429"/>
           </a:xfrm>
           <a:prstGeom prst="rect">
@@ -29643,6 +29642,306 @@
           <p:nvPr/>
         </p:nvPicPr>
         <p:blipFill>
+          <a:blip r:embed="rId13"/>
+          <a:stretch>
+            <a:fillRect/>
+          </a:stretch>
+        </p:blipFill>
+        <p:spPr>
+          <a:xfrm>
+            <a:off x="9526980" y="6079732"/>
+            <a:ext cx="1379220" cy="617220"/>
+          </a:xfrm>
+          <a:prstGeom prst="rect">
+            <a:avLst/>
+          </a:prstGeom>
+        </p:spPr>
+      </p:pic>
+      <p:pic>
+        <p:nvPicPr>
+          <p:cNvPr id="24" name="Picture 23" descr="A logo with text below&#10;&#10;Description automatically generated">
+            <a:extLst>
+              <a:ext uri="{FF2B5EF4-FFF2-40B4-BE49-F238E27FC236}">
+                <a16:creationId xmlns:a16="http://schemas.microsoft.com/office/drawing/2014/main" id="{2FEAEC3B-2DB6-CC38-4B96-B75E4785E8C2}"/>
+              </a:ext>
+            </a:extLst>
+          </p:cNvPr>
+          <p:cNvPicPr>
+            <a:picLocks noChangeAspect="1"/>
+          </p:cNvPicPr>
+          <p:nvPr/>
+        </p:nvPicPr>
+        <p:blipFill>
+          <a:blip r:embed="rId14"/>
+          <a:stretch>
+            <a:fillRect/>
+          </a:stretch>
+        </p:blipFill>
+        <p:spPr>
+          <a:xfrm>
+            <a:off x="6860644" y="4313538"/>
+            <a:ext cx="792179" cy="686556"/>
+          </a:xfrm>
+          <a:prstGeom prst="rect">
+            <a:avLst/>
+          </a:prstGeom>
+        </p:spPr>
+      </p:pic>
+      <p:pic>
+        <p:nvPicPr>
+          <p:cNvPr id="25" name="Picture 24" descr="A blue and white logo&#10;&#10;Description automatically generated">
+            <a:extLst>
+              <a:ext uri="{FF2B5EF4-FFF2-40B4-BE49-F238E27FC236}">
+                <a16:creationId xmlns:a16="http://schemas.microsoft.com/office/drawing/2014/main" id="{2CF5CE51-D969-E2B1-C6D6-8743C69EFCD6}"/>
+              </a:ext>
+            </a:extLst>
+          </p:cNvPr>
+          <p:cNvPicPr>
+            <a:picLocks noChangeAspect="1"/>
+          </p:cNvPicPr>
+          <p:nvPr/>
+        </p:nvPicPr>
+        <p:blipFill>
+          <a:blip r:embed="rId15"/>
+          <a:stretch>
+            <a:fillRect/>
+          </a:stretch>
+        </p:blipFill>
+        <p:spPr>
+          <a:xfrm>
+            <a:off x="9526980" y="4281111"/>
+            <a:ext cx="712773" cy="559147"/>
+          </a:xfrm>
+          <a:prstGeom prst="rect">
+            <a:avLst/>
+          </a:prstGeom>
+        </p:spPr>
+      </p:pic>
+      <p:pic>
+        <p:nvPicPr>
+          <p:cNvPr id="26" name="Picture 25">
+            <a:extLst>
+              <a:ext uri="{FF2B5EF4-FFF2-40B4-BE49-F238E27FC236}">
+                <a16:creationId xmlns:a16="http://schemas.microsoft.com/office/drawing/2014/main" id="{7BE96B3E-8B54-A5AD-9D38-82662CF2D623}"/>
+              </a:ext>
+            </a:extLst>
+          </p:cNvPr>
+          <p:cNvPicPr>
+            <a:picLocks noChangeAspect="1"/>
+          </p:cNvPicPr>
+          <p:nvPr/>
+        </p:nvPicPr>
+        <p:blipFill>
+          <a:blip r:embed="rId16"/>
+          <a:stretch>
+            <a:fillRect/>
+          </a:stretch>
+        </p:blipFill>
+        <p:spPr>
+          <a:xfrm>
+            <a:off x="8909647" y="4265974"/>
+            <a:ext cx="581875" cy="581875"/>
+          </a:xfrm>
+          <a:prstGeom prst="rect">
+            <a:avLst/>
+          </a:prstGeom>
+        </p:spPr>
+      </p:pic>
+      <p:pic>
+        <p:nvPicPr>
+          <p:cNvPr id="27" name="Picture 26" descr="A logo of a python&#10;&#10;Description automatically generated">
+            <a:extLst>
+              <a:ext uri="{FF2B5EF4-FFF2-40B4-BE49-F238E27FC236}">
+                <a16:creationId xmlns:a16="http://schemas.microsoft.com/office/drawing/2014/main" id="{9676D2D7-CCD6-89D5-B5B6-6D58EE71FE54}"/>
+              </a:ext>
+            </a:extLst>
+          </p:cNvPr>
+          <p:cNvPicPr>
+            <a:picLocks noChangeAspect="1"/>
+          </p:cNvPicPr>
+          <p:nvPr/>
+        </p:nvPicPr>
+        <p:blipFill>
+          <a:blip r:embed="rId17"/>
+          <a:stretch>
+            <a:fillRect/>
+          </a:stretch>
+        </p:blipFill>
+        <p:spPr>
+          <a:xfrm>
+            <a:off x="8862070" y="4908110"/>
+            <a:ext cx="684575" cy="655622"/>
+          </a:xfrm>
+          <a:prstGeom prst="rect">
+            <a:avLst/>
+          </a:prstGeom>
+        </p:spPr>
+      </p:pic>
+      <p:pic>
+        <p:nvPicPr>
+          <p:cNvPr id="28" name="Picture 27" descr="A blue and white logo&#10;&#10;Description automatically generated">
+            <a:extLst>
+              <a:ext uri="{FF2B5EF4-FFF2-40B4-BE49-F238E27FC236}">
+                <a16:creationId xmlns:a16="http://schemas.microsoft.com/office/drawing/2014/main" id="{1C27B507-6B74-A9FF-35EE-CD2200971F4A}"/>
+              </a:ext>
+            </a:extLst>
+          </p:cNvPr>
+          <p:cNvPicPr>
+            <a:picLocks noChangeAspect="1"/>
+          </p:cNvPicPr>
+          <p:nvPr/>
+        </p:nvPicPr>
+        <p:blipFill>
+          <a:blip r:embed="rId18"/>
+          <a:stretch>
+            <a:fillRect/>
+          </a:stretch>
+        </p:blipFill>
+        <p:spPr>
+          <a:xfrm>
+            <a:off x="9552913" y="4928479"/>
+            <a:ext cx="686840" cy="635253"/>
+          </a:xfrm>
+          <a:prstGeom prst="rect">
+            <a:avLst/>
+          </a:prstGeom>
+        </p:spPr>
+      </p:pic>
+      <p:pic>
+        <p:nvPicPr>
+          <p:cNvPr id="29" name="Picture 28" descr="A purple square with white text&#10;&#10;Description automatically generated">
+            <a:extLst>
+              <a:ext uri="{FF2B5EF4-FFF2-40B4-BE49-F238E27FC236}">
+                <a16:creationId xmlns:a16="http://schemas.microsoft.com/office/drawing/2014/main" id="{8964EBB5-8528-1351-474E-1464B90084CA}"/>
+              </a:ext>
+            </a:extLst>
+          </p:cNvPr>
+          <p:cNvPicPr>
+            <a:picLocks noChangeAspect="1"/>
+          </p:cNvPicPr>
+          <p:nvPr/>
+        </p:nvPicPr>
+        <p:blipFill>
+          <a:blip r:embed="rId19"/>
+          <a:stretch>
+            <a:fillRect/>
+          </a:stretch>
+        </p:blipFill>
+        <p:spPr>
+          <a:xfrm>
+            <a:off x="6912652" y="5515189"/>
+            <a:ext cx="707208" cy="621578"/>
+          </a:xfrm>
+          <a:prstGeom prst="rect">
+            <a:avLst/>
+          </a:prstGeom>
+        </p:spPr>
+      </p:pic>
+      <p:pic>
+        <p:nvPicPr>
+          <p:cNvPr id="30" name="Picture 29" descr="A logo of a wordpress company&#10;&#10;Description automatically generated">
+            <a:extLst>
+              <a:ext uri="{FF2B5EF4-FFF2-40B4-BE49-F238E27FC236}">
+                <a16:creationId xmlns:a16="http://schemas.microsoft.com/office/drawing/2014/main" id="{B66DB359-141C-3C83-E320-D2775347E8C4}"/>
+              </a:ext>
+            </a:extLst>
+          </p:cNvPr>
+          <p:cNvPicPr>
+            <a:picLocks noChangeAspect="1"/>
+          </p:cNvPicPr>
+          <p:nvPr/>
+        </p:nvPicPr>
+        <p:blipFill>
+          <a:blip r:embed="rId20"/>
+          <a:stretch>
+            <a:fillRect/>
+          </a:stretch>
+        </p:blipFill>
+        <p:spPr>
+          <a:xfrm>
+            <a:off x="7885633" y="5548857"/>
+            <a:ext cx="872151" cy="495044"/>
+          </a:xfrm>
+          <a:prstGeom prst="rect">
+            <a:avLst/>
+          </a:prstGeom>
+        </p:spPr>
+      </p:pic>
+      <p:pic>
+        <p:nvPicPr>
+          <p:cNvPr id="31" name="Picture 30" descr="A green and black logo&#10;&#10;Description automatically generated">
+            <a:extLst>
+              <a:ext uri="{FF2B5EF4-FFF2-40B4-BE49-F238E27FC236}">
+                <a16:creationId xmlns:a16="http://schemas.microsoft.com/office/drawing/2014/main" id="{D651BC64-0018-9EE3-E8CE-EFA8AC2E00E1}"/>
+              </a:ext>
+            </a:extLst>
+          </p:cNvPr>
+          <p:cNvPicPr>
+            <a:picLocks noChangeAspect="1"/>
+          </p:cNvPicPr>
+          <p:nvPr/>
+        </p:nvPicPr>
+        <p:blipFill>
+          <a:blip r:embed="rId21"/>
+          <a:stretch>
+            <a:fillRect/>
+          </a:stretch>
+        </p:blipFill>
+        <p:spPr>
+          <a:xfrm>
+            <a:off x="8843726" y="5557319"/>
+            <a:ext cx="683540" cy="503978"/>
+          </a:xfrm>
+          <a:prstGeom prst="rect">
+            <a:avLst/>
+          </a:prstGeom>
+        </p:spPr>
+      </p:pic>
+      <p:pic>
+        <p:nvPicPr>
+          <p:cNvPr id="32" name="Picture 31" descr="A logo of a company&#10;&#10;Description automatically generated">
+            <a:extLst>
+              <a:ext uri="{FF2B5EF4-FFF2-40B4-BE49-F238E27FC236}">
+                <a16:creationId xmlns:a16="http://schemas.microsoft.com/office/drawing/2014/main" id="{7C5CB0A1-6466-8F4D-C333-6FCFDE92F61D}"/>
+              </a:ext>
+            </a:extLst>
+          </p:cNvPr>
+          <p:cNvPicPr>
+            <a:picLocks noChangeAspect="1"/>
+          </p:cNvPicPr>
+          <p:nvPr/>
+        </p:nvPicPr>
+        <p:blipFill>
+          <a:blip r:embed="rId22"/>
+          <a:stretch>
+            <a:fillRect/>
+          </a:stretch>
+        </p:blipFill>
+        <p:spPr>
+          <a:xfrm>
+            <a:off x="11207484" y="4134698"/>
+            <a:ext cx="754361" cy="655811"/>
+          </a:xfrm>
+          <a:prstGeom prst="rect">
+            <a:avLst/>
+          </a:prstGeom>
+        </p:spPr>
+      </p:pic>
+      <p:pic>
+        <p:nvPicPr>
+          <p:cNvPr id="40" name="Picture 39">
+            <a:extLst>
+              <a:ext uri="{FF2B5EF4-FFF2-40B4-BE49-F238E27FC236}">
+                <a16:creationId xmlns:a16="http://schemas.microsoft.com/office/drawing/2014/main" id="{0D7596AB-F83F-1E7A-8EA9-D6C640084A1F}"/>
+              </a:ext>
+            </a:extLst>
+          </p:cNvPr>
+          <p:cNvPicPr>
+            <a:picLocks noChangeAspect="1"/>
+          </p:cNvPicPr>
+          <p:nvPr/>
+        </p:nvPicPr>
+        <p:blipFill>
           <a:blip r:embed="rId23"/>
           <a:stretch>
             <a:fillRect/>
@@ -29650,8 +29949,8 @@
         </p:blipFill>
         <p:spPr>
           <a:xfrm>
-            <a:off x="9756829" y="5945215"/>
-            <a:ext cx="1379220" cy="617220"/>
+            <a:off x="6822427" y="238702"/>
+            <a:ext cx="5365676" cy="3658595"/>
           </a:xfrm>
           <a:prstGeom prst="rect">
             <a:avLst/>
@@ -29695,7 +29994,7 @@
         </p:nvSpPr>
         <p:spPr>
           <a:xfrm>
-            <a:off x="952499" y="1096346"/>
+            <a:off x="401233" y="949707"/>
             <a:ext cx="5780809" cy="610863"/>
           </a:xfrm>
           <a:prstGeom prst="rect">
@@ -29749,7 +30048,7 @@
         </p:nvSpPr>
         <p:spPr>
           <a:xfrm>
-            <a:off x="872288" y="2085975"/>
+            <a:off x="786024" y="1999711"/>
             <a:ext cx="4838700" cy="315915"/>
           </a:xfrm>
           <a:prstGeom prst="rect">
@@ -29802,8 +30101,8 @@
         </p:nvSpPr>
         <p:spPr>
           <a:xfrm>
-            <a:off x="872288" y="2403792"/>
-            <a:ext cx="4838701" cy="4368483"/>
+            <a:off x="401232" y="2401890"/>
+            <a:ext cx="5882619" cy="4328786"/>
           </a:xfrm>
           <a:prstGeom prst="rect">
             <a:avLst/>
@@ -29866,13 +30165,348 @@
                 </a:solidFill>
                 <a:latin typeface="+mj-lt"/>
               </a:rPr>
-              <a:t>Ayurvedic knowledge</a:t>
+              <a:t>Ayurvedic knowledge. </a:t>
             </a:r>
             <a:r>
               <a:rPr lang="en-US" sz="1300" dirty="0">
+                <a:latin typeface="+mj-lt"/>
+              </a:rPr>
+              <a:t>It will also </a:t>
+            </a:r>
+            <a:r>
+              <a:rPr lang="en-US" sz="1300" dirty="0">
+                <a:solidFill>
+                  <a:schemeClr val="dk1"/>
+                </a:solidFill>
+                <a:latin typeface="+mj-lt"/>
+                <a:sym typeface="Libre Franklin"/>
+              </a:rPr>
+              <a:t>offer specific suggestions for Ayurvedic recipes to enhance your </a:t>
+            </a:r>
+            <a:r>
+              <a:rPr lang="en-US" sz="1300" b="1" dirty="0">
+                <a:solidFill>
+                  <a:schemeClr val="dk1"/>
+                </a:solidFill>
+                <a:latin typeface="+mj-lt"/>
+                <a:sym typeface="Libre Franklin"/>
+              </a:rPr>
+              <a:t>balanced diet </a:t>
+            </a:r>
+            <a:r>
+              <a:rPr lang="en-US" sz="1300" dirty="0">
+                <a:solidFill>
+                  <a:schemeClr val="dk1"/>
+                </a:solidFill>
+                <a:latin typeface="+mj-lt"/>
+                <a:sym typeface="Libre Franklin"/>
+              </a:rPr>
+              <a:t>and well-being but also    provides recommendations for </a:t>
+            </a:r>
+            <a:r>
+              <a:rPr lang="en-US" sz="1300" b="1" dirty="0">
+                <a:solidFill>
+                  <a:schemeClr val="dk1"/>
+                </a:solidFill>
+                <a:latin typeface="+mj-lt"/>
+                <a:sym typeface="Libre Franklin"/>
+              </a:rPr>
+              <a:t>specific ailments</a:t>
+            </a:r>
+            <a:r>
+              <a:rPr lang="en-US" sz="1300" dirty="0">
+                <a:solidFill>
+                  <a:schemeClr val="dk1"/>
+                </a:solidFill>
+                <a:latin typeface="+mj-lt"/>
+                <a:sym typeface="Libre Franklin"/>
+              </a:rPr>
+              <a:t>.</a:t>
+            </a:r>
+            <a:endParaRPr lang="en-US" sz="1300" dirty="0">
+              <a:solidFill>
+                <a:schemeClr val="tx1"/>
+              </a:solidFill>
+              <a:latin typeface="+mj-lt"/>
+            </a:endParaRPr>
+          </a:p>
+          <a:p>
+            <a:pPr marL="285750" indent="-285750">
+              <a:spcBef>
+                <a:spcPts val="0"/>
+              </a:spcBef>
+              <a:buFont typeface="Noto Sans Symbols"/>
+              <a:buChar char="⮚"/>
+            </a:pPr>
+            <a:r>
+              <a:rPr lang="en-US" sz="1300" b="1" dirty="0" err="1">
                 <a:solidFill>
                   <a:schemeClr val="tx1"/>
                 </a:solidFill>
+                <a:latin typeface="+mj-lt"/>
+              </a:rPr>
+              <a:t>DevRishi</a:t>
+            </a:r>
+            <a:r>
+              <a:rPr lang="en-US" sz="1300" dirty="0">
+                <a:solidFill>
+                  <a:schemeClr val="tx1"/>
+                </a:solidFill>
+                <a:latin typeface="+mj-lt"/>
+              </a:rPr>
+              <a:t> prescribe </a:t>
+            </a:r>
+            <a:r>
+              <a:rPr lang="en-US" sz="1300" b="1" dirty="0">
+                <a:solidFill>
+                  <a:schemeClr val="tx1"/>
+                </a:solidFill>
+                <a:latin typeface="+mj-lt"/>
+              </a:rPr>
+              <a:t>medicines</a:t>
+            </a:r>
+            <a:r>
+              <a:rPr lang="en-US" sz="1300" dirty="0">
+                <a:solidFill>
+                  <a:schemeClr val="tx1"/>
+                </a:solidFill>
+                <a:latin typeface="+mj-lt"/>
+              </a:rPr>
+              <a:t> and its </a:t>
+            </a:r>
+            <a:r>
+              <a:rPr lang="en-US" sz="1300" b="1" dirty="0">
+                <a:solidFill>
+                  <a:schemeClr val="tx1"/>
+                </a:solidFill>
+                <a:latin typeface="+mj-lt"/>
+              </a:rPr>
+              <a:t>formulations</a:t>
+            </a:r>
+            <a:r>
+              <a:rPr lang="en-US" sz="1300" dirty="0">
+                <a:solidFill>
+                  <a:schemeClr val="tx1"/>
+                </a:solidFill>
+                <a:latin typeface="+mj-lt"/>
+              </a:rPr>
+              <a:t> backed by reliable Ayurvedic data, guided by AI and trained datasets. This ensures prescriptions are based on trusted Ayurvedic knowledge.</a:t>
+            </a:r>
+          </a:p>
+          <a:p>
+            <a:pPr marL="285750" indent="-285750">
+              <a:spcBef>
+                <a:spcPts val="0"/>
+              </a:spcBef>
+              <a:buFont typeface="Noto Sans Symbols"/>
+              <a:buChar char="⮚"/>
+            </a:pPr>
+            <a:r>
+              <a:rPr lang="en-US" sz="1300" dirty="0">
+                <a:solidFill>
+                  <a:schemeClr val="dk1"/>
+                </a:solidFill>
+                <a:latin typeface="+mj-lt"/>
+              </a:rPr>
+              <a:t>Easily </a:t>
+            </a:r>
+            <a:r>
+              <a:rPr lang="en-US" sz="1300" b="1" dirty="0">
+                <a:solidFill>
+                  <a:schemeClr val="dk1"/>
+                </a:solidFill>
+                <a:latin typeface="+mj-lt"/>
+              </a:rPr>
+              <a:t>create an account</a:t>
+            </a:r>
+            <a:r>
+              <a:rPr lang="en-US" sz="1300" dirty="0">
+                <a:solidFill>
+                  <a:schemeClr val="dk1"/>
+                </a:solidFill>
+                <a:latin typeface="+mj-lt"/>
+              </a:rPr>
+              <a:t>, enabling them to seamlessly </a:t>
+            </a:r>
+            <a:r>
+              <a:rPr lang="en-US" sz="1300" b="1" dirty="0">
+                <a:solidFill>
+                  <a:schemeClr val="dk1"/>
+                </a:solidFill>
+                <a:latin typeface="+mj-lt"/>
+              </a:rPr>
+              <a:t>resume</a:t>
+            </a:r>
+            <a:r>
+              <a:rPr lang="en-US" sz="1300" dirty="0">
+                <a:solidFill>
+                  <a:schemeClr val="dk1"/>
+                </a:solidFill>
+                <a:latin typeface="+mj-lt"/>
+              </a:rPr>
+              <a:t> their </a:t>
+            </a:r>
+            <a:r>
+              <a:rPr lang="en-US" sz="1300" b="1" dirty="0">
+                <a:solidFill>
+                  <a:schemeClr val="dk1"/>
+                </a:solidFill>
+                <a:latin typeface="+mj-lt"/>
+              </a:rPr>
+              <a:t>studies</a:t>
+            </a:r>
+            <a:r>
+              <a:rPr lang="en-US" sz="1300" dirty="0">
+                <a:solidFill>
+                  <a:schemeClr val="dk1"/>
+                </a:solidFill>
+                <a:latin typeface="+mj-lt"/>
+              </a:rPr>
+              <a:t> from where they left off. All their valuable data is securely saved under their account name.</a:t>
+            </a:r>
+          </a:p>
+          <a:p>
+            <a:pPr marL="285750" indent="-285750">
+              <a:spcBef>
+                <a:spcPts val="0"/>
+              </a:spcBef>
+              <a:buFont typeface="Noto Sans Symbols"/>
+              <a:buChar char="⮚"/>
+            </a:pPr>
+            <a:r>
+              <a:rPr lang="en-US" sz="1300" dirty="0">
+                <a:solidFill>
+                  <a:schemeClr val="dk1"/>
+                </a:solidFill>
+                <a:latin typeface="+mj-lt"/>
+              </a:rPr>
+              <a:t>A </a:t>
+            </a:r>
+            <a:r>
+              <a:rPr lang="en-US" sz="1300" b="1" dirty="0">
+                <a:solidFill>
+                  <a:schemeClr val="dk1"/>
+                </a:solidFill>
+                <a:latin typeface="+mj-lt"/>
+              </a:rPr>
+              <a:t>dedicated page</a:t>
+            </a:r>
+            <a:r>
+              <a:rPr lang="en-US" sz="1300" dirty="0">
+                <a:solidFill>
+                  <a:schemeClr val="dk1"/>
+                </a:solidFill>
+                <a:latin typeface="+mj-lt"/>
+              </a:rPr>
+              <a:t> for </a:t>
+            </a:r>
+            <a:r>
+              <a:rPr lang="en-US" sz="1300" b="1" dirty="0">
+                <a:solidFill>
+                  <a:schemeClr val="dk1"/>
+                </a:solidFill>
+                <a:latin typeface="+mj-lt"/>
+              </a:rPr>
+              <a:t>practitioners</a:t>
+            </a:r>
+            <a:r>
+              <a:rPr lang="en-US" sz="1300" dirty="0">
+                <a:solidFill>
+                  <a:schemeClr val="dk1"/>
+                </a:solidFill>
+                <a:latin typeface="+mj-lt"/>
+              </a:rPr>
+              <a:t> and </a:t>
+            </a:r>
+            <a:r>
+              <a:rPr lang="en-US" sz="1300" b="1" dirty="0">
+                <a:solidFill>
+                  <a:schemeClr val="dk1"/>
+                </a:solidFill>
+                <a:latin typeface="+mj-lt"/>
+              </a:rPr>
+              <a:t>students</a:t>
+            </a:r>
+            <a:r>
+              <a:rPr lang="en-US" sz="1300" dirty="0">
+                <a:solidFill>
+                  <a:schemeClr val="dk1"/>
+                </a:solidFill>
+                <a:latin typeface="+mj-lt"/>
+              </a:rPr>
+              <a:t> to generously share their knowledge, contributing to the </a:t>
+            </a:r>
+            <a:r>
+              <a:rPr lang="en-US" sz="1300" b="1" dirty="0">
+                <a:solidFill>
+                  <a:schemeClr val="dk1"/>
+                </a:solidFill>
+                <a:latin typeface="+mj-lt"/>
+              </a:rPr>
+              <a:t>collective knowledge</a:t>
+            </a:r>
+            <a:r>
+              <a:rPr lang="en-US" sz="1300" dirty="0">
+                <a:solidFill>
+                  <a:schemeClr val="dk1"/>
+                </a:solidFill>
+                <a:latin typeface="+mj-lt"/>
+              </a:rPr>
+              <a:t> that enriches our website and also increase the database.</a:t>
+            </a:r>
+            <a:endParaRPr lang="en-US" sz="1300" dirty="0">
+              <a:solidFill>
+                <a:schemeClr val="tx1"/>
+              </a:solidFill>
+              <a:latin typeface="+mj-lt"/>
+            </a:endParaRPr>
+          </a:p>
+          <a:p>
+            <a:pPr marL="285750" indent="-285750">
+              <a:spcBef>
+                <a:spcPts val="0"/>
+              </a:spcBef>
+              <a:buFont typeface="Noto Sans Symbols"/>
+              <a:buChar char="⮚"/>
+            </a:pPr>
+            <a:r>
+              <a:rPr lang="en-US" sz="1300" dirty="0">
+                <a:latin typeface="+mj-lt"/>
+              </a:rPr>
+              <a:t>Access vast repository of </a:t>
+            </a:r>
+            <a:r>
+              <a:rPr lang="en-US" sz="1300" b="1" dirty="0">
+                <a:latin typeface="+mj-lt"/>
+              </a:rPr>
+              <a:t>Ayurvedic literature</a:t>
+            </a:r>
+            <a:r>
+              <a:rPr lang="en-US" sz="1300" dirty="0">
+                <a:latin typeface="+mj-lt"/>
+              </a:rPr>
+              <a:t>, </a:t>
+            </a:r>
+            <a:r>
+              <a:rPr lang="en-US" sz="1300" b="1" dirty="0">
+                <a:latin typeface="+mj-lt"/>
+              </a:rPr>
+              <a:t>Research papers</a:t>
+            </a:r>
+            <a:r>
+              <a:rPr lang="en-US" sz="1300" dirty="0">
+                <a:latin typeface="+mj-lt"/>
+              </a:rPr>
+              <a:t>, and </a:t>
+            </a:r>
+            <a:r>
+              <a:rPr lang="en-US" sz="1300" b="1" dirty="0">
+                <a:latin typeface="+mj-lt"/>
+              </a:rPr>
+              <a:t>Educational materials</a:t>
+            </a:r>
+            <a:r>
+              <a:rPr lang="en-US" sz="1300" dirty="0">
                 <a:latin typeface="+mj-lt"/>
               </a:rPr>
               <a:t>.</a:t>
@@ -29888,48 +30522,21 @@
             </a:pPr>
             <a:r>
               <a:rPr lang="en-US" sz="1300" dirty="0">
-                <a:solidFill>
-                  <a:schemeClr val="tx1"/>
-                </a:solidFill>
                 <a:latin typeface="+mj-lt"/>
               </a:rPr>
-              <a:t>DevRishi prescribe </a:t>
+              <a:t>This web app will provide essential information about Ayurvedic medicines, </a:t>
             </a:r>
             <a:r>
               <a:rPr lang="en-US" sz="1300" b="1" dirty="0">
-                <a:solidFill>
-                  <a:schemeClr val="tx1"/>
-                </a:solidFill>
                 <a:latin typeface="+mj-lt"/>
               </a:rPr>
-              <a:t>medicines</a:t>
+              <a:t>categorizing</a:t>
             </a:r>
             <a:r>
               <a:rPr lang="en-US" sz="1300" dirty="0">
-                <a:solidFill>
-                  <a:schemeClr val="tx1"/>
-                </a:solidFill>
                 <a:latin typeface="+mj-lt"/>
               </a:rPr>
-              <a:t> and its </a:t>
-            </a:r>
-            <a:r>
-              <a:rPr lang="en-US" sz="1300" b="1" dirty="0">
-                <a:solidFill>
-                  <a:schemeClr val="tx1"/>
-                </a:solidFill>
-                <a:latin typeface="+mj-lt"/>
-              </a:rPr>
-              <a:t>formulations</a:t>
-            </a:r>
-            <a:r>
-              <a:rPr lang="en-US" sz="1300" dirty="0">
-                <a:solidFill>
-                  <a:schemeClr val="tx1"/>
-                </a:solidFill>
-                <a:latin typeface="+mj-lt"/>
-              </a:rPr>
-              <a:t> backed by reliable Ayurvedic data, guided by AI. This ensures prescriptions are based on trusted Ayurvedic knowledge.</a:t>
+              <a:t> them into specific sections for the convenience of students and practitioners.</a:t>
             </a:r>
           </a:p>
           <a:p>
@@ -29942,48 +30549,75 @@
             </a:pPr>
             <a:r>
               <a:rPr lang="en-US" sz="1300" dirty="0">
-                <a:solidFill>
-                  <a:schemeClr val="tx1"/>
-                </a:solidFill>
                 <a:latin typeface="+mj-lt"/>
               </a:rPr>
-              <a:t>To build an Ayurveda web-app for </a:t>
+              <a:t>Website will be integrated with a  user-friendly </a:t>
             </a:r>
             <a:r>
               <a:rPr lang="en-US" sz="1300" b="1" dirty="0">
-                <a:solidFill>
-                  <a:schemeClr val="tx1"/>
-                </a:solidFill>
                 <a:latin typeface="+mj-lt"/>
               </a:rPr>
-              <a:t>students</a:t>
+              <a:t>search bar</a:t>
             </a:r>
             <a:r>
               <a:rPr lang="en-US" sz="1300" dirty="0">
-                <a:solidFill>
-                  <a:schemeClr val="tx1"/>
-                </a:solidFill>
                 <a:latin typeface="+mj-lt"/>
               </a:rPr>
-              <a:t> and </a:t>
+              <a:t>, designed to enhance your </a:t>
             </a:r>
             <a:r>
               <a:rPr lang="en-US" sz="1300" b="1" dirty="0">
-                <a:solidFill>
-                  <a:schemeClr val="tx1"/>
-                </a:solidFill>
                 <a:latin typeface="+mj-lt"/>
               </a:rPr>
-              <a:t>practitioners</a:t>
+              <a:t>travel experience </a:t>
             </a:r>
             <a:r>
               <a:rPr lang="en-US" sz="1300" dirty="0">
-                <a:solidFill>
-                  <a:schemeClr val="tx1"/>
-                </a:solidFill>
                 <a:latin typeface="+mj-lt"/>
               </a:rPr>
-              <a:t>, use </a:t>
+              <a:t>on our website</a:t>
+            </a:r>
+            <a:r>
+              <a:rPr lang="en-US" sz="1300" dirty="0">
+                <a:latin typeface="Franklin Gothic"/>
+              </a:rPr>
+              <a:t>.</a:t>
+            </a:r>
+          </a:p>
+          <a:p>
+            <a:pPr marL="285750" indent="-285750">
+              <a:spcBef>
+                <a:spcPts val="0"/>
+              </a:spcBef>
+              <a:buFont typeface="Noto Sans Symbols"/>
+              <a:buChar char="⮚"/>
+            </a:pPr>
+            <a:r>
+              <a:rPr lang="en-US" sz="1300" dirty="0">
+                <a:solidFill>
+                  <a:schemeClr val="tx1"/>
+                </a:solidFill>
+                <a:latin typeface="+mj-lt"/>
+              </a:rPr>
+              <a:t>After </a:t>
+            </a:r>
+            <a:r>
+              <a:rPr lang="en-US" sz="1300" dirty="0" err="1">
+                <a:solidFill>
+                  <a:schemeClr val="tx1"/>
+                </a:solidFill>
+                <a:latin typeface="+mj-lt"/>
+              </a:rPr>
+              <a:t>Sushruta</a:t>
+            </a:r>
+            <a:r>
+              <a:rPr lang="en-US" sz="1300" dirty="0">
+                <a:solidFill>
+                  <a:schemeClr val="tx1"/>
+                </a:solidFill>
+                <a:latin typeface="+mj-lt"/>
+              </a:rPr>
+              <a:t> suggests the drug to the user, it will also give the necessary drug details to the user like price, nearby shop via </a:t>
             </a:r>
             <a:r>
               <a:rPr lang="en-US" sz="1300" b="1" dirty="0">
@@ -29992,61 +30626,7 @@
                 </a:solidFill>
                 <a:latin typeface="+mj-lt"/>
               </a:rPr>
-              <a:t>Node.js </a:t>
-            </a:r>
-            <a:r>
-              <a:rPr lang="en-US" sz="1300" dirty="0">
-                <a:solidFill>
-                  <a:schemeClr val="tx1"/>
-                </a:solidFill>
-                <a:latin typeface="+mj-lt"/>
-              </a:rPr>
-              <a:t>for development, </a:t>
-            </a:r>
-            <a:r>
-              <a:rPr lang="en-US" sz="1300" b="1" dirty="0">
-                <a:solidFill>
-                  <a:schemeClr val="tx1"/>
-                </a:solidFill>
-                <a:latin typeface="+mj-lt"/>
-              </a:rPr>
-              <a:t>MySQL</a:t>
-            </a:r>
-            <a:r>
-              <a:rPr lang="en-US" sz="1300" dirty="0">
-                <a:solidFill>
-                  <a:schemeClr val="tx1"/>
-                </a:solidFill>
-                <a:latin typeface="+mj-lt"/>
-              </a:rPr>
-              <a:t> for data storage, and OAuth for user authentication, </a:t>
-            </a:r>
-            <a:r>
-              <a:rPr lang="en-US" sz="1300" b="1" dirty="0">
-                <a:solidFill>
-                  <a:schemeClr val="tx1"/>
-                </a:solidFill>
-                <a:latin typeface="+mj-lt"/>
-              </a:rPr>
-              <a:t>WebSocket</a:t>
-            </a:r>
-            <a:r>
-              <a:rPr lang="en-US" sz="1300" dirty="0">
-                <a:solidFill>
-                  <a:schemeClr val="tx1"/>
-                </a:solidFill>
-                <a:latin typeface="+mj-lt"/>
-              </a:rPr>
-              <a:t> for real-time communication, monitor performance and user activity, and make content delivery faster with </a:t>
-            </a:r>
-            <a:r>
-              <a:rPr lang="en-US" sz="1300" b="1" dirty="0">
-                <a:solidFill>
-                  <a:schemeClr val="tx1"/>
-                </a:solidFill>
-                <a:latin typeface="+mj-lt"/>
-              </a:rPr>
-              <a:t>CDNs</a:t>
+              <a:t>GPS system</a:t>
             </a:r>
             <a:r>
               <a:rPr lang="en-US" sz="1300" dirty="0">
@@ -30066,114 +30646,12 @@
               <a:buFont typeface="Noto Sans Symbols"/>
               <a:buChar char="⮚"/>
             </a:pPr>
-            <a:r>
-              <a:rPr lang="en-US" sz="1300" dirty="0">
-                <a:solidFill>
-                  <a:schemeClr val="tx1"/>
-                </a:solidFill>
-                <a:latin typeface="+mj-lt"/>
-              </a:rPr>
-              <a:t>Implement security best practices to protect user data, including </a:t>
-            </a:r>
-            <a:r>
-              <a:rPr lang="en-US" sz="1300" b="1" dirty="0">
-                <a:solidFill>
-                  <a:schemeClr val="tx1"/>
-                </a:solidFill>
-                <a:latin typeface="+mj-lt"/>
-              </a:rPr>
-              <a:t>encryption</a:t>
-            </a:r>
-            <a:r>
-              <a:rPr lang="en-US" sz="1300" dirty="0">
-                <a:solidFill>
-                  <a:schemeClr val="tx1"/>
-                </a:solidFill>
-                <a:latin typeface="+mj-lt"/>
-              </a:rPr>
-              <a:t>, </a:t>
-            </a:r>
-            <a:r>
-              <a:rPr lang="en-US" sz="1300" b="1" dirty="0">
-                <a:solidFill>
-                  <a:schemeClr val="tx1"/>
-                </a:solidFill>
-                <a:latin typeface="+mj-lt"/>
-              </a:rPr>
-              <a:t>data validation</a:t>
-            </a:r>
-            <a:r>
-              <a:rPr lang="en-US" sz="1300" dirty="0">
-                <a:solidFill>
-                  <a:schemeClr val="tx1"/>
-                </a:solidFill>
-                <a:latin typeface="+mj-lt"/>
-              </a:rPr>
-              <a:t>, and protection against common web application vulnerabilities like SQL injection and Cross-Site Scripting (XSS).</a:t>
-            </a:r>
-          </a:p>
-          <a:p>
-            <a:pPr marL="285750" indent="-285750">
-              <a:spcBef>
-                <a:spcPts val="0"/>
-              </a:spcBef>
-              <a:buFont typeface="Noto Sans Symbols"/>
-              <a:buChar char="⮚"/>
-            </a:pPr>
-            <a:r>
-              <a:rPr lang="en-US" sz="1300" b="1" dirty="0">
-                <a:solidFill>
-                  <a:schemeClr val="tx1"/>
-                </a:solidFill>
-                <a:latin typeface="+mj-lt"/>
-              </a:rPr>
-              <a:t>NLP</a:t>
-            </a:r>
-            <a:r>
-              <a:rPr lang="en-US" sz="1300" dirty="0">
-                <a:solidFill>
-                  <a:schemeClr val="tx1"/>
-                </a:solidFill>
-                <a:latin typeface="+mj-lt"/>
-              </a:rPr>
-              <a:t> facilitates multilingual conversations in AI chatbots by enabling them to understand and respond in various languages, breaking down language barriers for global users.</a:t>
-            </a:r>
-          </a:p>
-          <a:p>
-            <a:pPr marL="285750" indent="-285750">
-              <a:spcBef>
-                <a:spcPts val="0"/>
-              </a:spcBef>
-              <a:buFont typeface="Noto Sans Symbols"/>
-              <a:buChar char="⮚"/>
-            </a:pPr>
-            <a:r>
-              <a:rPr lang="en-US" sz="1300" dirty="0">
-                <a:solidFill>
-                  <a:schemeClr val="tx1"/>
-                </a:solidFill>
-                <a:latin typeface="+mj-lt"/>
-              </a:rPr>
-              <a:t>Through an </a:t>
-            </a:r>
-            <a:r>
-              <a:rPr lang="en-US" sz="1300" b="1" dirty="0">
-                <a:solidFill>
-                  <a:schemeClr val="tx1"/>
-                </a:solidFill>
-                <a:latin typeface="+mj-lt"/>
-              </a:rPr>
-              <a:t>Automation System </a:t>
-            </a:r>
-            <a:r>
-              <a:rPr lang="en-US" sz="1300" dirty="0">
-                <a:solidFill>
-                  <a:schemeClr val="tx1"/>
-                </a:solidFill>
-                <a:latin typeface="+mj-lt"/>
-              </a:rPr>
-              <a:t>the model tracks the user location and can give address of nearest Medical store to buy the prescribed Ayurvedic Medicines. </a:t>
-            </a:r>
+            <a:endParaRPr lang="en-US" sz="1300" dirty="0">
+              <a:solidFill>
+                <a:schemeClr val="tx1"/>
+              </a:solidFill>
+              <a:latin typeface="+mj-lt"/>
+            </a:endParaRPr>
           </a:p>
         </p:txBody>
       </p:sp>
@@ -30185,7 +30663,7 @@
         </p:nvSpPr>
         <p:spPr>
           <a:xfrm>
-            <a:off x="6202024" y="569964"/>
+            <a:off x="6182042" y="127324"/>
             <a:ext cx="5143500" cy="556547"/>
           </a:xfrm>
           <a:prstGeom prst="rect">
@@ -30251,8 +30729,8 @@
         </p:nvSpPr>
         <p:spPr>
           <a:xfrm>
-            <a:off x="6362700" y="894599"/>
-            <a:ext cx="5711108" cy="5877676"/>
+            <a:off x="6283853" y="512794"/>
+            <a:ext cx="5699848" cy="4095782"/>
           </a:xfrm>
           <a:prstGeom prst="rect">
             <a:avLst/>
@@ -30291,9 +30769,26 @@
                   <a:schemeClr val="dk1"/>
                 </a:solidFill>
                 <a:latin typeface="+mj-lt"/>
-                <a:sym typeface="Libre Franklin"/>
               </a:rPr>
-              <a:t>Our chatbot not only offers specific suggestions for Ayurvedic recipes to enhance your </a:t>
+              <a:t>By selecting their preferred language, this feature transforms the website to cater to the user's linguistic preferences based on APIs like </a:t>
+            </a:r>
+            <a:r>
+              <a:rPr lang="en-US" sz="1300" b="1" dirty="0" err="1">
+                <a:solidFill>
+                  <a:schemeClr val="dk1"/>
+                </a:solidFill>
+                <a:latin typeface="+mj-lt"/>
+              </a:rPr>
+              <a:t>DeepL</a:t>
+            </a:r>
+            <a:r>
+              <a:rPr lang="en-US" sz="1300" dirty="0">
+                <a:solidFill>
+                  <a:schemeClr val="dk1"/>
+                </a:solidFill>
+                <a:latin typeface="+mj-lt"/>
+              </a:rPr>
+              <a:t> and </a:t>
             </a:r>
             <a:r>
               <a:rPr lang="en-US" sz="1300" b="1" dirty="0">
@@ -30301,9 +30796,8 @@
                   <a:schemeClr val="dk1"/>
                 </a:solidFill>
                 <a:latin typeface="+mj-lt"/>
-                <a:sym typeface="Libre Franklin"/>
               </a:rPr>
-              <a:t>balanced diet </a:t>
+              <a:t>Google Cloud Translation</a:t>
             </a:r>
             <a:r>
               <a:rPr lang="en-US" sz="1300" dirty="0">
@@ -30311,27 +30805,358 @@
                   <a:schemeClr val="dk1"/>
                 </a:solidFill>
                 <a:latin typeface="+mj-lt"/>
-                <a:sym typeface="Libre Franklin"/>
               </a:rPr>
-              <a:t>and well-being but also provides recommendations for </a:t>
+              <a:t>.</a:t>
+            </a:r>
+          </a:p>
+          <a:p>
+            <a:pPr marL="285750" indent="-285750">
+              <a:spcBef>
+                <a:spcPts val="0"/>
+              </a:spcBef>
+              <a:buFont typeface="Noto Sans Symbols"/>
+              <a:buChar char="⮚"/>
+            </a:pPr>
+            <a:r>
+              <a:rPr lang="en-US" sz="1300" dirty="0">
+                <a:solidFill>
+                  <a:schemeClr val="tx1"/>
+                </a:solidFill>
+                <a:latin typeface="+mj-lt"/>
+              </a:rPr>
+              <a:t>Implement security best practices to protect user data, including </a:t>
             </a:r>
             <a:r>
               <a:rPr lang="en-US" sz="1300" b="1" dirty="0">
                 <a:solidFill>
-                  <a:schemeClr val="dk1"/>
+                  <a:schemeClr val="tx1"/>
                 </a:solidFill>
                 <a:latin typeface="+mj-lt"/>
-                <a:sym typeface="Libre Franklin"/>
               </a:rPr>
-              <a:t>specific ailments</a:t>
+              <a:t>encryption</a:t>
             </a:r>
             <a:r>
               <a:rPr lang="en-US" sz="1300" dirty="0">
                 <a:solidFill>
-                  <a:schemeClr val="dk1"/>
+                  <a:schemeClr val="tx1"/>
                 </a:solidFill>
                 <a:latin typeface="+mj-lt"/>
-                <a:sym typeface="Libre Franklin"/>
+              </a:rPr>
+              <a:t>, </a:t>
+            </a:r>
+            <a:r>
+              <a:rPr lang="en-US" sz="1300" b="1" dirty="0">
+                <a:solidFill>
+                  <a:schemeClr val="tx1"/>
+                </a:solidFill>
+                <a:latin typeface="+mj-lt"/>
+              </a:rPr>
+              <a:t>data validation</a:t>
+            </a:r>
+            <a:r>
+              <a:rPr lang="en-US" sz="1300" dirty="0">
+                <a:solidFill>
+                  <a:schemeClr val="tx1"/>
+                </a:solidFill>
+                <a:latin typeface="+mj-lt"/>
+              </a:rPr>
+              <a:t>, and protection against common web application vulnerabilities like SQL injection and </a:t>
+            </a:r>
+            <a:r>
+              <a:rPr lang="en-US" sz="1300" b="1" dirty="0">
+                <a:solidFill>
+                  <a:schemeClr val="tx1"/>
+                </a:solidFill>
+                <a:latin typeface="+mj-lt"/>
+              </a:rPr>
+              <a:t>Cross-Site Scripting (XSS).</a:t>
+            </a:r>
+          </a:p>
+          <a:p>
+            <a:pPr marL="285750" indent="-285750">
+              <a:spcBef>
+                <a:spcPts val="0"/>
+              </a:spcBef>
+              <a:buFont typeface="Noto Sans Symbols"/>
+              <a:buChar char="⮚"/>
+            </a:pPr>
+            <a:r>
+              <a:rPr lang="en-US" sz="1300" dirty="0">
+                <a:solidFill>
+                  <a:schemeClr val="tx1"/>
+                </a:solidFill>
+                <a:latin typeface="+mj-lt"/>
+              </a:rPr>
+              <a:t>At basic stage the chatbot depends on </a:t>
+            </a:r>
+            <a:r>
+              <a:rPr lang="en-US" sz="1300" b="1" dirty="0" err="1">
+                <a:solidFill>
+                  <a:schemeClr val="tx1"/>
+                </a:solidFill>
+                <a:latin typeface="+mj-lt"/>
+              </a:rPr>
+              <a:t>OpenAi</a:t>
+            </a:r>
+            <a:r>
+              <a:rPr lang="en-US" sz="1300" b="1" dirty="0">
+                <a:solidFill>
+                  <a:schemeClr val="tx1"/>
+                </a:solidFill>
+                <a:latin typeface="+mj-lt"/>
+              </a:rPr>
+              <a:t> API key </a:t>
+            </a:r>
+            <a:r>
+              <a:rPr lang="en-US" sz="1300" dirty="0">
+                <a:solidFill>
+                  <a:schemeClr val="tx1"/>
+                </a:solidFill>
+                <a:latin typeface="+mj-lt"/>
+              </a:rPr>
+              <a:t>to function Later with help of proper resources, dataset and faster </a:t>
+            </a:r>
+            <a:r>
+              <a:rPr lang="en-US" sz="1300" dirty="0" err="1">
+                <a:solidFill>
+                  <a:schemeClr val="tx1"/>
+                </a:solidFill>
+                <a:latin typeface="+mj-lt"/>
+              </a:rPr>
+              <a:t>cpu</a:t>
+            </a:r>
+            <a:r>
+              <a:rPr lang="en-US" sz="1300" dirty="0">
+                <a:solidFill>
+                  <a:schemeClr val="tx1"/>
+                </a:solidFill>
+                <a:latin typeface="+mj-lt"/>
+              </a:rPr>
+              <a:t> model can be trained using resources from </a:t>
+            </a:r>
+            <a:r>
+              <a:rPr lang="en-US" sz="1300" b="1" dirty="0">
+                <a:solidFill>
+                  <a:schemeClr val="tx1"/>
+                </a:solidFill>
+                <a:latin typeface="+mj-lt"/>
+              </a:rPr>
+              <a:t>Hugging Face.</a:t>
+            </a:r>
+          </a:p>
+          <a:p>
+            <a:pPr marL="285750" indent="-285750">
+              <a:spcBef>
+                <a:spcPts val="0"/>
+              </a:spcBef>
+              <a:buFont typeface="Noto Sans Symbols"/>
+              <a:buChar char="⮚"/>
+            </a:pPr>
+            <a:r>
+              <a:rPr lang="en-US" sz="1300" b="1" dirty="0">
+                <a:solidFill>
+                  <a:schemeClr val="tx1"/>
+                </a:solidFill>
+                <a:latin typeface="+mj-lt"/>
+              </a:rPr>
+              <a:t>NLP</a:t>
+            </a:r>
+            <a:r>
+              <a:rPr lang="en-US" sz="1300" dirty="0">
+                <a:solidFill>
+                  <a:schemeClr val="tx1"/>
+                </a:solidFill>
+                <a:latin typeface="+mj-lt"/>
+              </a:rPr>
+              <a:t> facilitates multilingual conversations in AI chatbots by enabling them to understand and respond in various languages, breaking down language barriers for global users.</a:t>
+            </a:r>
+          </a:p>
+          <a:p>
+            <a:pPr marL="285750" indent="-285750">
+              <a:spcBef>
+                <a:spcPts val="0"/>
+              </a:spcBef>
+              <a:buFont typeface="Noto Sans Symbols"/>
+              <a:buChar char="⮚"/>
+            </a:pPr>
+            <a:r>
+              <a:rPr lang="en-US" sz="1300" dirty="0">
+                <a:solidFill>
+                  <a:schemeClr val="tx1"/>
+                </a:solidFill>
+                <a:latin typeface="+mj-lt"/>
+              </a:rPr>
+              <a:t>Through an </a:t>
+            </a:r>
+            <a:r>
+              <a:rPr lang="en-US" sz="1300" b="1" dirty="0">
+                <a:solidFill>
+                  <a:schemeClr val="tx1"/>
+                </a:solidFill>
+                <a:latin typeface="+mj-lt"/>
+              </a:rPr>
+              <a:t>Automation System </a:t>
+            </a:r>
+            <a:r>
+              <a:rPr lang="en-US" sz="1300" dirty="0">
+                <a:solidFill>
+                  <a:schemeClr val="tx1"/>
+                </a:solidFill>
+                <a:latin typeface="+mj-lt"/>
+              </a:rPr>
+              <a:t>the model tracks the user location and can give address of nearest Medical store to buy the prescribed Ayurvedic Medicines.</a:t>
+            </a:r>
+            <a:endParaRPr lang="en-US" sz="1300" dirty="0">
+              <a:solidFill>
+                <a:schemeClr val="dk1"/>
+              </a:solidFill>
+              <a:latin typeface="+mj-lt"/>
+            </a:endParaRPr>
+          </a:p>
+          <a:p>
+            <a:pPr marL="285750" indent="-285750">
+              <a:lnSpc>
+                <a:spcPct val="90000"/>
+              </a:lnSpc>
+              <a:buClr>
+                <a:schemeClr val="dk1"/>
+              </a:buClr>
+              <a:buSzPts val="1600"/>
+              <a:buFont typeface="Noto Sans Symbols"/>
+              <a:buChar char="⮚"/>
+            </a:pPr>
+            <a:r>
+              <a:rPr lang="en-US" sz="1300" dirty="0">
+                <a:solidFill>
+                  <a:schemeClr val="tx1"/>
+                </a:solidFill>
+                <a:latin typeface="+mj-lt"/>
+              </a:rPr>
+              <a:t>To build an Ayurveda web-app for </a:t>
+            </a:r>
+            <a:r>
+              <a:rPr lang="en-US" sz="1300" b="1" dirty="0">
+                <a:solidFill>
+                  <a:schemeClr val="tx1"/>
+                </a:solidFill>
+                <a:latin typeface="+mj-lt"/>
+              </a:rPr>
+              <a:t>students</a:t>
+            </a:r>
+            <a:r>
+              <a:rPr lang="en-US" sz="1300" dirty="0">
+                <a:solidFill>
+                  <a:schemeClr val="tx1"/>
+                </a:solidFill>
+                <a:latin typeface="+mj-lt"/>
+              </a:rPr>
+              <a:t> and </a:t>
+            </a:r>
+            <a:r>
+              <a:rPr lang="en-US" sz="1300" b="1" dirty="0">
+                <a:solidFill>
+                  <a:schemeClr val="tx1"/>
+                </a:solidFill>
+                <a:latin typeface="+mj-lt"/>
+              </a:rPr>
+              <a:t>practitioners</a:t>
+            </a:r>
+            <a:r>
+              <a:rPr lang="en-US" sz="1300" dirty="0">
+                <a:solidFill>
+                  <a:schemeClr val="tx1"/>
+                </a:solidFill>
+                <a:latin typeface="+mj-lt"/>
+              </a:rPr>
+              <a:t>, use </a:t>
+            </a:r>
+            <a:r>
+              <a:rPr lang="en-US" sz="1300" b="1" dirty="0">
+                <a:solidFill>
+                  <a:schemeClr val="tx1"/>
+                </a:solidFill>
+                <a:latin typeface="+mj-lt"/>
+              </a:rPr>
+              <a:t>Node.js </a:t>
+            </a:r>
+            <a:r>
+              <a:rPr lang="en-US" sz="1300" dirty="0">
+                <a:solidFill>
+                  <a:schemeClr val="tx1"/>
+                </a:solidFill>
+                <a:latin typeface="+mj-lt"/>
+              </a:rPr>
+              <a:t>for development, </a:t>
+            </a:r>
+            <a:r>
+              <a:rPr lang="en-US" sz="1300" b="1" dirty="0">
+                <a:solidFill>
+                  <a:schemeClr val="tx1"/>
+                </a:solidFill>
+                <a:latin typeface="+mj-lt"/>
+              </a:rPr>
+              <a:t>MySQL</a:t>
+            </a:r>
+            <a:r>
+              <a:rPr lang="en-US" sz="1300" dirty="0">
+                <a:solidFill>
+                  <a:schemeClr val="tx1"/>
+                </a:solidFill>
+                <a:latin typeface="+mj-lt"/>
+              </a:rPr>
+              <a:t> for data storage, and </a:t>
+            </a:r>
+            <a:r>
+              <a:rPr lang="en-US" sz="1300" b="1" dirty="0">
+                <a:solidFill>
+                  <a:schemeClr val="tx1"/>
+                </a:solidFill>
+                <a:latin typeface="+mj-lt"/>
+              </a:rPr>
+              <a:t>OAuth</a:t>
+            </a:r>
+            <a:r>
+              <a:rPr lang="en-US" sz="1300" dirty="0">
+                <a:solidFill>
+                  <a:schemeClr val="tx1"/>
+                </a:solidFill>
+                <a:latin typeface="+mj-lt"/>
+              </a:rPr>
+              <a:t> for user authentication, </a:t>
+            </a:r>
+            <a:r>
+              <a:rPr lang="en-US" sz="1300" b="1" dirty="0">
+                <a:solidFill>
+                  <a:schemeClr val="tx1"/>
+                </a:solidFill>
+                <a:latin typeface="+mj-lt"/>
+              </a:rPr>
+              <a:t>WebSocket</a:t>
+            </a:r>
+            <a:r>
+              <a:rPr lang="en-US" sz="1300" dirty="0">
+                <a:solidFill>
+                  <a:schemeClr val="tx1"/>
+                </a:solidFill>
+                <a:latin typeface="+mj-lt"/>
+              </a:rPr>
+              <a:t> for real-time communication, monitor performance and user activity, and make content delivery faster with </a:t>
+            </a:r>
+            <a:r>
+              <a:rPr lang="en-US" sz="1300" b="1" dirty="0">
+                <a:solidFill>
+                  <a:schemeClr val="tx1"/>
+                </a:solidFill>
+                <a:latin typeface="+mj-lt"/>
+              </a:rPr>
+              <a:t>CDNs</a:t>
+            </a:r>
+            <a:r>
+              <a:rPr lang="en-US" sz="1300" dirty="0">
+                <a:solidFill>
+                  <a:schemeClr val="tx1"/>
+                </a:solidFill>
+                <a:latin typeface="+mj-lt"/>
               </a:rPr>
               <a:t>.</a:t>
             </a:r>
@@ -30354,15 +31179,28 @@
               <a:buFont typeface="Noto Sans Symbols"/>
               <a:buChar char="⮚"/>
             </a:pPr>
-            <a:r>
-              <a:rPr lang="en-US" sz="1300" dirty="0">
-                <a:solidFill>
-                  <a:schemeClr val="dk1"/>
-                </a:solidFill>
-                <a:latin typeface="+mj-lt"/>
-              </a:rPr>
-              <a:t>By selecting their preferred language, this feature transforms the website to cater to the user's linguistic preferences.</a:t>
-            </a:r>
+            <a:endParaRPr lang="en-US" sz="1300" dirty="0">
+              <a:solidFill>
+                <a:schemeClr val="dk1"/>
+              </a:solidFill>
+              <a:latin typeface="Franklin Gothic"/>
+            </a:endParaRPr>
+          </a:p>
+          <a:p>
+            <a:pPr>
+              <a:lnSpc>
+                <a:spcPct val="90000"/>
+              </a:lnSpc>
+              <a:buClr>
+                <a:schemeClr val="dk1"/>
+              </a:buClr>
+              <a:buSzPts val="1600"/>
+            </a:pPr>
+            <a:endParaRPr lang="en-US" sz="1600" dirty="0">
+              <a:solidFill>
+                <a:schemeClr val="dk1"/>
+              </a:solidFill>
+            </a:endParaRPr>
           </a:p>
           <a:p>
             <a:pPr marL="285750" indent="-285750">
@@ -30376,423 +31214,50 @@
               <a:buFont typeface="Noto Sans Symbols"/>
               <a:buChar char="⮚"/>
             </a:pPr>
-            <a:r>
-              <a:rPr lang="en-US" sz="1300" dirty="0">
-                <a:solidFill>
-                  <a:schemeClr val="dk1"/>
-                </a:solidFill>
-                <a:latin typeface="+mj-lt"/>
-              </a:rPr>
-              <a:t>A </a:t>
-            </a:r>
-            <a:r>
-              <a:rPr lang="en-US" sz="1300" b="1" dirty="0">
-                <a:solidFill>
-                  <a:schemeClr val="dk1"/>
-                </a:solidFill>
-                <a:latin typeface="+mj-lt"/>
-              </a:rPr>
-              <a:t>dedicated page</a:t>
-            </a:r>
-            <a:r>
-              <a:rPr lang="en-US" sz="1300" dirty="0">
-                <a:solidFill>
-                  <a:schemeClr val="dk1"/>
-                </a:solidFill>
-                <a:latin typeface="+mj-lt"/>
-              </a:rPr>
-              <a:t> for </a:t>
-            </a:r>
-            <a:r>
-              <a:rPr lang="en-US" sz="1300" b="1" dirty="0">
-                <a:solidFill>
-                  <a:schemeClr val="dk1"/>
-                </a:solidFill>
-                <a:latin typeface="+mj-lt"/>
-              </a:rPr>
-              <a:t>practitioners</a:t>
-            </a:r>
-            <a:r>
-              <a:rPr lang="en-US" sz="1300" dirty="0">
-                <a:solidFill>
-                  <a:schemeClr val="dk1"/>
-                </a:solidFill>
-                <a:latin typeface="+mj-lt"/>
-              </a:rPr>
-              <a:t> and </a:t>
-            </a:r>
-            <a:r>
-              <a:rPr lang="en-US" sz="1300" b="1" dirty="0">
-                <a:solidFill>
-                  <a:schemeClr val="dk1"/>
-                </a:solidFill>
-                <a:latin typeface="+mj-lt"/>
-              </a:rPr>
-              <a:t>students</a:t>
-            </a:r>
-            <a:r>
-              <a:rPr lang="en-US" sz="1300" dirty="0">
-                <a:solidFill>
-                  <a:schemeClr val="dk1"/>
-                </a:solidFill>
-                <a:latin typeface="+mj-lt"/>
-              </a:rPr>
-              <a:t> to generously share their knowledge, contributing to the </a:t>
-            </a:r>
-            <a:r>
-              <a:rPr lang="en-US" sz="1300" b="1" dirty="0">
-                <a:solidFill>
-                  <a:schemeClr val="dk1"/>
-                </a:solidFill>
-                <a:latin typeface="+mj-lt"/>
-              </a:rPr>
-              <a:t>collective knowledge</a:t>
-            </a:r>
-            <a:r>
-              <a:rPr lang="en-US" sz="1300" dirty="0">
-                <a:solidFill>
-                  <a:schemeClr val="dk1"/>
-                </a:solidFill>
-                <a:latin typeface="+mj-lt"/>
-              </a:rPr>
-              <a:t> that enriches our website and also increase the database.</a:t>
-            </a:r>
+            <a:endParaRPr lang="en-US" sz="1600" dirty="0">
+              <a:solidFill>
+                <a:schemeClr val="dk1"/>
+              </a:solidFill>
+            </a:endParaRPr>
           </a:p>
-          <a:p>
-            <a:pPr marL="285750" indent="-285750">
-              <a:lnSpc>
-                <a:spcPct val="90000"/>
-              </a:lnSpc>
-              <a:buClr>
-                <a:schemeClr val="dk1"/>
-              </a:buClr>
-              <a:buSzPts val="1600"/>
-              <a:buFont typeface="Noto Sans Symbols"/>
-              <a:buChar char="⮚"/>
-            </a:pPr>
-            <a:r>
-              <a:rPr lang="en-US" sz="1300" dirty="0">
-                <a:solidFill>
-                  <a:schemeClr val="dk1"/>
-                </a:solidFill>
-                <a:latin typeface="+mj-lt"/>
-              </a:rPr>
-              <a:t>Access a vast repository of </a:t>
-            </a:r>
-            <a:r>
-              <a:rPr lang="en-US" sz="1300" b="1" dirty="0">
-                <a:solidFill>
-                  <a:schemeClr val="dk1"/>
-                </a:solidFill>
-                <a:latin typeface="+mj-lt"/>
-              </a:rPr>
-              <a:t>Ayurvedic literature</a:t>
-            </a:r>
-            <a:r>
-              <a:rPr lang="en-US" sz="1300" dirty="0">
-                <a:solidFill>
-                  <a:schemeClr val="dk1"/>
-                </a:solidFill>
-                <a:latin typeface="+mj-lt"/>
-              </a:rPr>
-              <a:t>, </a:t>
-            </a:r>
-            <a:r>
-              <a:rPr lang="en-US" sz="1300" b="1" dirty="0">
-                <a:solidFill>
-                  <a:schemeClr val="dk1"/>
-                </a:solidFill>
-                <a:latin typeface="+mj-lt"/>
-              </a:rPr>
-              <a:t>Research papers</a:t>
-            </a:r>
-            <a:r>
-              <a:rPr lang="en-US" sz="1300" dirty="0">
-                <a:solidFill>
-                  <a:schemeClr val="dk1"/>
-                </a:solidFill>
-                <a:latin typeface="+mj-lt"/>
-              </a:rPr>
-              <a:t>, and </a:t>
-            </a:r>
-            <a:r>
-              <a:rPr lang="en-US" sz="1300" b="1" dirty="0">
-                <a:solidFill>
-                  <a:schemeClr val="dk1"/>
-                </a:solidFill>
-                <a:latin typeface="+mj-lt"/>
-              </a:rPr>
-              <a:t>Educational materials</a:t>
-            </a:r>
-            <a:r>
-              <a:rPr lang="en-US" sz="1300" dirty="0">
-                <a:solidFill>
-                  <a:schemeClr val="dk1"/>
-                </a:solidFill>
-                <a:latin typeface="+mj-lt"/>
-              </a:rPr>
-              <a:t>.</a:t>
-            </a:r>
-          </a:p>
-          <a:p>
-            <a:pPr marL="285750" indent="-285750">
-              <a:lnSpc>
-                <a:spcPct val="90000"/>
-              </a:lnSpc>
-              <a:buClr>
-                <a:schemeClr val="dk1"/>
-              </a:buClr>
-              <a:buSzPts val="1600"/>
-              <a:buFont typeface="Noto Sans Symbols"/>
-              <a:buChar char="⮚"/>
-            </a:pPr>
-            <a:r>
-              <a:rPr lang="en-US" sz="1300" dirty="0">
-                <a:solidFill>
-                  <a:schemeClr val="dk1"/>
-                </a:solidFill>
-                <a:latin typeface="+mj-lt"/>
-              </a:rPr>
-              <a:t>Our website will </a:t>
-            </a:r>
-            <a:r>
-              <a:rPr lang="en-US" sz="1300" b="1" dirty="0">
-                <a:solidFill>
-                  <a:schemeClr val="dk1"/>
-                </a:solidFill>
-                <a:latin typeface="+mj-lt"/>
-              </a:rPr>
-              <a:t>not only </a:t>
-            </a:r>
-            <a:r>
-              <a:rPr lang="en-US" sz="1300" dirty="0">
-                <a:solidFill>
-                  <a:schemeClr val="dk1"/>
-                </a:solidFill>
-                <a:latin typeface="+mj-lt"/>
-              </a:rPr>
-              <a:t>act as a platform for gaining knowledge but also a platform for all </a:t>
-            </a:r>
-            <a:r>
-              <a:rPr lang="en-US" sz="1300" b="1" dirty="0">
-                <a:solidFill>
-                  <a:schemeClr val="dk1"/>
-                </a:solidFill>
-                <a:latin typeface="+mj-lt"/>
-              </a:rPr>
-              <a:t>like minded individuals </a:t>
-            </a:r>
-            <a:r>
-              <a:rPr lang="en-US" sz="1300" dirty="0">
-                <a:solidFill>
-                  <a:schemeClr val="dk1"/>
-                </a:solidFill>
-                <a:latin typeface="+mj-lt"/>
-              </a:rPr>
-              <a:t>to </a:t>
-            </a:r>
-            <a:r>
-              <a:rPr lang="en-US" sz="1300" b="1" dirty="0">
-                <a:solidFill>
-                  <a:schemeClr val="dk1"/>
-                </a:solidFill>
-                <a:latin typeface="+mj-lt"/>
-              </a:rPr>
-              <a:t>interact</a:t>
-            </a:r>
-            <a:r>
-              <a:rPr lang="en-US" sz="1300" dirty="0">
-                <a:solidFill>
-                  <a:schemeClr val="dk1"/>
-                </a:solidFill>
-                <a:latin typeface="+mj-lt"/>
-              </a:rPr>
-              <a:t> with each other.</a:t>
-            </a:r>
-          </a:p>
-          <a:p>
-            <a:pPr marL="285750" indent="-285750">
-              <a:lnSpc>
-                <a:spcPct val="90000"/>
-              </a:lnSpc>
-              <a:buClr>
-                <a:schemeClr val="dk1"/>
-              </a:buClr>
-              <a:buSzPts val="1600"/>
-              <a:buFont typeface="Noto Sans Symbols"/>
-              <a:buChar char="⮚"/>
-            </a:pPr>
-            <a:r>
-              <a:rPr lang="en-US" sz="1300" dirty="0">
-                <a:solidFill>
-                  <a:schemeClr val="dk1"/>
-                </a:solidFill>
-                <a:latin typeface="+mj-lt"/>
-              </a:rPr>
-              <a:t>This web app will provide essential information about Ayurvedic medicines, </a:t>
-            </a:r>
-            <a:r>
-              <a:rPr lang="en-US" sz="1300" b="1" dirty="0">
-                <a:solidFill>
-                  <a:schemeClr val="dk1"/>
-                </a:solidFill>
-                <a:latin typeface="+mj-lt"/>
-              </a:rPr>
-              <a:t>categorizing</a:t>
-            </a:r>
-            <a:r>
-              <a:rPr lang="en-US" sz="1300" dirty="0">
-                <a:solidFill>
-                  <a:schemeClr val="dk1"/>
-                </a:solidFill>
-                <a:latin typeface="+mj-lt"/>
-              </a:rPr>
-              <a:t> them into specific sections for the convenience of students and practitioners.</a:t>
-            </a:r>
-          </a:p>
-          <a:p>
-            <a:pPr marL="285750" indent="-285750">
-              <a:lnSpc>
-                <a:spcPct val="90000"/>
-              </a:lnSpc>
-              <a:buClr>
-                <a:schemeClr val="dk1"/>
-              </a:buClr>
-              <a:buSzPts val="1600"/>
-              <a:buFont typeface="Noto Sans Symbols"/>
-              <a:buChar char="⮚"/>
-            </a:pPr>
-            <a:r>
-              <a:rPr lang="en-US" sz="1300" dirty="0">
-                <a:solidFill>
-                  <a:schemeClr val="dk1"/>
-                </a:solidFill>
-                <a:latin typeface="+mj-lt"/>
-              </a:rPr>
-              <a:t>Easily </a:t>
-            </a:r>
-            <a:r>
-              <a:rPr lang="en-US" sz="1300" b="1" dirty="0">
-                <a:solidFill>
-                  <a:schemeClr val="dk1"/>
-                </a:solidFill>
-                <a:latin typeface="+mj-lt"/>
-              </a:rPr>
-              <a:t>create an account</a:t>
-            </a:r>
-            <a:r>
-              <a:rPr lang="en-US" sz="1300" dirty="0">
-                <a:solidFill>
-                  <a:schemeClr val="dk1"/>
-                </a:solidFill>
-                <a:latin typeface="+mj-lt"/>
-              </a:rPr>
-              <a:t>, enabling them to seamlessly </a:t>
-            </a:r>
-            <a:r>
-              <a:rPr lang="en-US" sz="1300" b="1" dirty="0">
-                <a:solidFill>
-                  <a:schemeClr val="dk1"/>
-                </a:solidFill>
-                <a:latin typeface="+mj-lt"/>
-              </a:rPr>
-              <a:t>resume</a:t>
-            </a:r>
-            <a:r>
-              <a:rPr lang="en-US" sz="1300" dirty="0">
-                <a:solidFill>
-                  <a:schemeClr val="dk1"/>
-                </a:solidFill>
-                <a:latin typeface="+mj-lt"/>
-              </a:rPr>
-              <a:t> their </a:t>
-            </a:r>
-            <a:r>
-              <a:rPr lang="en-US" sz="1300" b="1" dirty="0">
-                <a:solidFill>
-                  <a:schemeClr val="dk1"/>
-                </a:solidFill>
-                <a:latin typeface="+mj-lt"/>
-              </a:rPr>
-              <a:t>studies</a:t>
-            </a:r>
-            <a:r>
-              <a:rPr lang="en-US" sz="1300" dirty="0">
-                <a:solidFill>
-                  <a:schemeClr val="dk1"/>
-                </a:solidFill>
-                <a:latin typeface="+mj-lt"/>
-              </a:rPr>
-              <a:t> from where they left off. All their valuable data is securely saved under their account name.</a:t>
-            </a:r>
-          </a:p>
-          <a:p>
-            <a:pPr marL="285750" indent="-285750">
-              <a:lnSpc>
-                <a:spcPct val="90000"/>
-              </a:lnSpc>
-              <a:buClr>
-                <a:schemeClr val="dk1"/>
-              </a:buClr>
-              <a:buSzPts val="1600"/>
-              <a:buFont typeface="Noto Sans Symbols"/>
-              <a:buChar char="⮚"/>
-            </a:pPr>
-            <a:r>
-              <a:rPr lang="en-US" sz="1300" dirty="0">
-                <a:solidFill>
-                  <a:schemeClr val="dk1"/>
-                </a:solidFill>
-                <a:latin typeface="+mj-lt"/>
-              </a:rPr>
-              <a:t>Website will be integrated with a  user-friendly </a:t>
-            </a:r>
-            <a:r>
-              <a:rPr lang="en-US" sz="1300" b="1" dirty="0">
-                <a:solidFill>
-                  <a:schemeClr val="dk1"/>
-                </a:solidFill>
-                <a:latin typeface="+mj-lt"/>
-              </a:rPr>
-              <a:t>search bar</a:t>
-            </a:r>
-            <a:r>
-              <a:rPr lang="en-US" sz="1300" dirty="0">
-                <a:solidFill>
-                  <a:schemeClr val="dk1"/>
-                </a:solidFill>
-                <a:latin typeface="+mj-lt"/>
-              </a:rPr>
-              <a:t>, designed to enhance your </a:t>
-            </a:r>
-            <a:r>
-              <a:rPr lang="en-US" sz="1300" b="1" dirty="0">
-                <a:solidFill>
-                  <a:schemeClr val="dk1"/>
-                </a:solidFill>
-                <a:latin typeface="+mj-lt"/>
-              </a:rPr>
-              <a:t>travel experience </a:t>
-            </a:r>
-            <a:r>
-              <a:rPr lang="en-US" sz="1300" dirty="0">
-                <a:solidFill>
-                  <a:schemeClr val="dk1"/>
-                </a:solidFill>
-                <a:latin typeface="+mj-lt"/>
-              </a:rPr>
-              <a:t>on our website</a:t>
-            </a:r>
-            <a:r>
-              <a:rPr lang="en-US" sz="1300" dirty="0">
-                <a:solidFill>
-                  <a:schemeClr val="dk1"/>
-                </a:solidFill>
-                <a:latin typeface="Franklin Gothic"/>
-              </a:rPr>
-              <a:t>.</a:t>
-            </a:r>
-          </a:p>
+        </p:txBody>
+      </p:sp>
+      <p:sp>
+        <p:nvSpPr>
+          <p:cNvPr id="3" name="Google Shape;232;p3">
+            <a:extLst>
+              <a:ext uri="{FF2B5EF4-FFF2-40B4-BE49-F238E27FC236}">
+                <a16:creationId xmlns:a16="http://schemas.microsoft.com/office/drawing/2014/main" id="{55FE0EE2-6093-E0C2-9668-AF199B694CFE}"/>
+              </a:ext>
+            </a:extLst>
+          </p:cNvPr>
+          <p:cNvSpPr txBox="1"/>
+          <p:nvPr/>
+        </p:nvSpPr>
+        <p:spPr>
+          <a:xfrm>
+            <a:off x="6283854" y="4608576"/>
+            <a:ext cx="5699847" cy="2122100"/>
+          </a:xfrm>
+          <a:prstGeom prst="rect">
+            <a:avLst/>
+          </a:prstGeom>
+          <a:noFill/>
+          <a:ln w="9525" cap="flat" cmpd="sng">
+            <a:solidFill>
+              <a:schemeClr val="dk1"/>
+            </a:solidFill>
+            <a:prstDash val="solid"/>
+            <a:round/>
+            <a:headEnd type="none" w="sm" len="sm"/>
+            <a:tailEnd type="none" w="sm" len="sm"/>
+          </a:ln>
+        </p:spPr>
+        <p:txBody>
+          <a:bodyPr spcFirstLastPara="1" wrap="square" lIns="91425" tIns="45700" rIns="91425" bIns="45700" anchor="t" anchorCtr="0">
+            <a:noAutofit/>
+          </a:bodyPr>
+          <a:lstStyle/>
           <a:p>
             <a:pPr>
               <a:lnSpc>
@@ -30941,6 +31406,62 @@
                 <a:schemeClr val="dk1"/>
               </a:solidFill>
             </a:endParaRPr>
+          </a:p>
+        </p:txBody>
+      </p:sp>
+      <p:sp>
+        <p:nvSpPr>
+          <p:cNvPr id="4" name="Google Shape;219;p2">
+            <a:extLst>
+              <a:ext uri="{FF2B5EF4-FFF2-40B4-BE49-F238E27FC236}">
+                <a16:creationId xmlns:a16="http://schemas.microsoft.com/office/drawing/2014/main" id="{4092CD17-DE94-F314-6D1A-F1071E342684}"/>
+              </a:ext>
+            </a:extLst>
+          </p:cNvPr>
+          <p:cNvSpPr txBox="1">
+            <a:spLocks noGrp="1"/>
+          </p:cNvSpPr>
+          <p:nvPr>
+            <p:ph type="sldNum" idx="12"/>
+          </p:nvPr>
+        </p:nvSpPr>
+        <p:spPr>
+          <a:xfrm rot="10800000" flipH="1" flipV="1">
+            <a:off x="148758" y="6647792"/>
+            <a:ext cx="161924" cy="165768"/>
+          </a:xfrm>
+          <a:prstGeom prst="rect">
+            <a:avLst/>
+          </a:prstGeom>
+          <a:noFill/>
+          <a:ln>
+            <a:noFill/>
+          </a:ln>
+        </p:spPr>
+        <p:txBody>
+          <a:bodyPr spcFirstLastPara="1" wrap="square" lIns="0" tIns="0" rIns="0" bIns="0" anchor="t" anchorCtr="0">
+            <a:noAutofit/>
+          </a:bodyPr>
+          <a:lstStyle/>
+          <a:p>
+            <a:pPr marL="0" lvl="0" indent="0" algn="l" rtl="0">
+              <a:lnSpc>
+                <a:spcPct val="100000"/>
+              </a:lnSpc>
+              <a:spcBef>
+                <a:spcPts val="0"/>
+              </a:spcBef>
+              <a:spcAft>
+                <a:spcPts val="0"/>
+              </a:spcAft>
+              <a:buSzPts val="1100"/>
+              <a:buNone/>
+            </a:pPr>
+            <a:r>
+              <a:rPr lang="en-IN" dirty="0"/>
+              <a:t>3</a:t>
+            </a:r>
+            <a:endParaRPr dirty="0"/>
           </a:p>
         </p:txBody>
       </p:sp>
@@ -31446,7 +31967,7 @@
               </a:rPr>
               <a:t>Daryapurkar</a:t>
             </a:r>
-            <a:endParaRPr lang="en-US" sz="1200" dirty="0">
+            <a:endParaRPr lang="en-US" sz="1200" b="1" dirty="0">
               <a:solidFill>
                 <a:schemeClr val="tx1"/>
               </a:solidFill>
@@ -31459,7 +31980,7 @@
             </a:pPr>
             <a:r>
               <a:rPr lang="en-US" sz="1200" dirty="0"/>
-              <a:t>Category: Academic,  Expertise: Nano Science and Nanotechnology  ,Domain Experience (in years):    </a:t>
+              <a:t>Category: Academic,  Expertise: Effective problem-solving strategies, Nanoscience and Nanotechnology ,Domain Experience (in years): 10</a:t>
             </a:r>
           </a:p>
           <a:p>
@@ -31476,6 +31997,33 @@
                 </a:solidFill>
               </a:rPr>
               <a:t>Team Mentor 2 Name: </a:t>
+            </a:r>
+            <a:r>
+              <a:rPr lang="en-US" sz="1200" b="1" dirty="0" err="1">
+                <a:solidFill>
+                  <a:schemeClr val="tx1"/>
+                </a:solidFill>
+                <a:latin typeface="Arial"/>
+              </a:rPr>
+              <a:t>Dr.Amol</a:t>
+            </a:r>
+            <a:r>
+              <a:rPr lang="en-US" sz="1200" b="1" dirty="0">
+                <a:solidFill>
+                  <a:schemeClr val="tx1"/>
+                </a:solidFill>
+                <a:latin typeface="Arial"/>
+              </a:rPr>
+              <a:t> </a:t>
+            </a:r>
+            <a:r>
+              <a:rPr lang="en-US" sz="1200" b="1" dirty="0" err="1">
+                <a:solidFill>
+                  <a:schemeClr val="tx1"/>
+                </a:solidFill>
+                <a:latin typeface="Arial"/>
+              </a:rPr>
+              <a:t>Bhopale</a:t>
             </a:r>
             <a:endParaRPr lang="en-US" sz="1200" dirty="0">
               <a:solidFill>
@@ -31490,7 +32038,7 @@
             </a:pPr>
             <a:r>
               <a:rPr lang="en-US" sz="1200" dirty="0"/>
-              <a:t>Category: Academic,  Expertise:  ,Domain Experience (in years):    </a:t>
+              <a:t>Category: Academic,  Expertise: NLP and Machine Learning  ,Domain Experience (in years): 12</a:t>
             </a:r>
           </a:p>
           <a:p>
@@ -31519,8 +32067,8 @@
         </p:nvSpPr>
         <p:spPr>
           <a:xfrm>
-            <a:off x="702403" y="6562725"/>
-            <a:ext cx="523240" cy="219815"/>
+            <a:off x="150313" y="6638185"/>
+            <a:ext cx="160239" cy="219815"/>
           </a:xfrm>
           <a:prstGeom prst="rect">
             <a:avLst/>
@@ -31554,410 +32102,6 @@
               <a:t>4</a:t>
             </a:fld>
             <a:endParaRPr dirty="0"/>
-          </a:p>
-        </p:txBody>
-      </p:sp>
-    </p:spTree>
-  </p:cSld>
-  <p:clrMapOvr>
-    <a:masterClrMapping/>
-  </p:clrMapOvr>
-</p:sld>
-</file>
-
-<file path=ppt/slides/slide5.xml><?xml version="1.0" encoding="utf-8"?>
-<p:sld xmlns:a="http://schemas.openxmlformats.org/drawingml/2006/main" xmlns:r="http://schemas.openxmlformats.org/officeDocument/2006/relationships" xmlns:p="http://schemas.openxmlformats.org/presentationml/2006/main">
-  <p:cSld>
-    <p:spTree>
-      <p:nvGrpSpPr>
-        <p:cNvPr id="1" name="Shape 242"/>
-        <p:cNvGrpSpPr/>
-        <p:nvPr/>
-      </p:nvGrpSpPr>
-      <p:grpSpPr>
-        <a:xfrm>
-          <a:off x="0" y="0"/>
-          <a:ext cx="0" cy="0"/>
-          <a:chOff x="0" y="0"/>
-          <a:chExt cx="0" cy="0"/>
-        </a:xfrm>
-      </p:grpSpPr>
-      <p:sp>
-        <p:nvSpPr>
-          <p:cNvPr id="243" name="Google Shape;243;p5"/>
-          <p:cNvSpPr txBox="1">
-            <a:spLocks noGrp="1"/>
-          </p:cNvSpPr>
-          <p:nvPr>
-            <p:ph type="title"/>
-          </p:nvPr>
-        </p:nvSpPr>
-        <p:spPr>
-          <a:xfrm>
-            <a:off x="964023" y="879063"/>
-            <a:ext cx="4941477" cy="610863"/>
-          </a:xfrm>
-          <a:prstGeom prst="rect">
-            <a:avLst/>
-          </a:prstGeom>
-          <a:noFill/>
-          <a:ln>
-            <a:noFill/>
-          </a:ln>
-        </p:spPr>
-        <p:txBody>
-          <a:bodyPr spcFirstLastPara="1" wrap="square" lIns="0" tIns="0" rIns="0" bIns="0" anchor="b" anchorCtr="0">
-            <a:normAutofit/>
-          </a:bodyPr>
-          <a:lstStyle/>
-          <a:p>
-            <a:pPr marL="0" lvl="0" indent="0" algn="l" rtl="0">
-              <a:lnSpc>
-                <a:spcPct val="90000"/>
-              </a:lnSpc>
-              <a:spcBef>
-                <a:spcPts val="0"/>
-              </a:spcBef>
-              <a:spcAft>
-                <a:spcPts val="0"/>
-              </a:spcAft>
-              <a:buClr>
-                <a:schemeClr val="dk1"/>
-              </a:buClr>
-              <a:buSzPts val="4400"/>
-              <a:buFont typeface="Franklin Gothic"/>
-              <a:buNone/>
-            </a:pPr>
-            <a:r>
-              <a:rPr lang="en-US"/>
-              <a:t>Important Pointers</a:t>
-            </a:r>
-            <a:endParaRPr/>
-          </a:p>
-        </p:txBody>
-      </p:sp>
-      <p:sp>
-        <p:nvSpPr>
-          <p:cNvPr id="244" name="Google Shape;244;p5"/>
-          <p:cNvSpPr txBox="1">
-            <a:spLocks noGrp="1"/>
-          </p:cNvSpPr>
-          <p:nvPr>
-            <p:ph type="body" idx="2"/>
-          </p:nvPr>
-        </p:nvSpPr>
-        <p:spPr>
-          <a:xfrm>
-            <a:off x="952500" y="2286000"/>
-            <a:ext cx="4838700" cy="315915"/>
-          </a:xfrm>
-          <a:prstGeom prst="rect">
-            <a:avLst/>
-          </a:prstGeom>
-          <a:noFill/>
-          <a:ln>
-            <a:noFill/>
-          </a:ln>
-        </p:spPr>
-        <p:txBody>
-          <a:bodyPr spcFirstLastPara="1" wrap="square" lIns="91425" tIns="45700" rIns="91425" bIns="45700" anchor="t" anchorCtr="0">
-            <a:noAutofit/>
-          </a:bodyPr>
-          <a:lstStyle/>
-          <a:p>
-            <a:pPr marL="228600" lvl="0" indent="-228600" algn="l" rtl="0">
-              <a:lnSpc>
-                <a:spcPct val="90000"/>
-              </a:lnSpc>
-              <a:spcBef>
-                <a:spcPts val="0"/>
-              </a:spcBef>
-              <a:spcAft>
-                <a:spcPts val="0"/>
-              </a:spcAft>
-              <a:buClr>
-                <a:schemeClr val="lt2"/>
-              </a:buClr>
-              <a:buSzPts val="1800"/>
-              <a:buNone/>
-            </a:pPr>
-            <a:r>
-              <a:rPr lang="en-US"/>
-              <a:t>Please ensure below pointers are met while  </a:t>
-            </a:r>
-            <a:endParaRPr/>
-          </a:p>
-        </p:txBody>
-      </p:sp>
-      <p:sp>
-        <p:nvSpPr>
-          <p:cNvPr id="245" name="Google Shape;245;p5"/>
-          <p:cNvSpPr txBox="1">
-            <a:spLocks noGrp="1"/>
-          </p:cNvSpPr>
-          <p:nvPr>
-            <p:ph type="body" idx="1"/>
-          </p:nvPr>
-        </p:nvSpPr>
-        <p:spPr>
-          <a:xfrm>
-            <a:off x="952499" y="2656903"/>
-            <a:ext cx="10572561" cy="3922968"/>
-          </a:xfrm>
-          <a:prstGeom prst="rect">
-            <a:avLst/>
-          </a:prstGeom>
-          <a:noFill/>
-          <a:ln>
-            <a:noFill/>
-          </a:ln>
-        </p:spPr>
-        <p:txBody>
-          <a:bodyPr spcFirstLastPara="1" wrap="square" lIns="91425" tIns="45700" rIns="91425" bIns="45700" anchor="t" anchorCtr="0">
-            <a:noAutofit/>
-          </a:bodyPr>
-          <a:lstStyle/>
-          <a:p>
-            <a:pPr marL="285750" lvl="0" indent="-285750" algn="l" rtl="0">
-              <a:lnSpc>
-                <a:spcPct val="90000"/>
-              </a:lnSpc>
-              <a:spcBef>
-                <a:spcPts val="0"/>
-              </a:spcBef>
-              <a:spcAft>
-                <a:spcPts val="0"/>
-              </a:spcAft>
-              <a:buClr>
-                <a:schemeClr val="dk1"/>
-              </a:buClr>
-              <a:buSzPts val="1600"/>
-              <a:buFont typeface="Noto Sans Symbols"/>
-              <a:buChar char="⮚"/>
-            </a:pPr>
-            <a:r>
-              <a:rPr lang="en-US" dirty="0"/>
-              <a:t>Kindly keep the maximum slides limit to 4 pages</a:t>
-            </a:r>
-            <a:endParaRPr dirty="0"/>
-          </a:p>
-          <a:p>
-            <a:pPr marL="285750" lvl="0" indent="-285750" algn="l" rtl="0">
-              <a:lnSpc>
-                <a:spcPct val="90000"/>
-              </a:lnSpc>
-              <a:spcBef>
-                <a:spcPts val="1000"/>
-              </a:spcBef>
-              <a:spcAft>
-                <a:spcPts val="0"/>
-              </a:spcAft>
-              <a:buClr>
-                <a:schemeClr val="dk1"/>
-              </a:buClr>
-              <a:buSzPts val="1600"/>
-              <a:buFont typeface="Noto Sans Symbols"/>
-              <a:buChar char="⮚"/>
-            </a:pPr>
-            <a:r>
-              <a:rPr lang="en-US" dirty="0"/>
-              <a:t>All the topics should be utilized for description of your idea</a:t>
-            </a:r>
-            <a:endParaRPr dirty="0"/>
-          </a:p>
-          <a:p>
-            <a:pPr marL="285750" lvl="0" indent="-285750" algn="l" rtl="0">
-              <a:lnSpc>
-                <a:spcPct val="90000"/>
-              </a:lnSpc>
-              <a:spcBef>
-                <a:spcPts val="1000"/>
-              </a:spcBef>
-              <a:spcAft>
-                <a:spcPts val="0"/>
-              </a:spcAft>
-              <a:buClr>
-                <a:schemeClr val="dk1"/>
-              </a:buClr>
-              <a:buSzPts val="1600"/>
-              <a:buFont typeface="Noto Sans Symbols"/>
-              <a:buChar char="⮚"/>
-            </a:pPr>
-            <a:r>
-              <a:rPr lang="en-US" dirty="0"/>
-              <a:t>Try to avoid paragraphs and post your idea in points</a:t>
-            </a:r>
-            <a:endParaRPr dirty="0"/>
-          </a:p>
-          <a:p>
-            <a:pPr marL="285750" lvl="0" indent="-285750" algn="l" rtl="0">
-              <a:lnSpc>
-                <a:spcPct val="90000"/>
-              </a:lnSpc>
-              <a:spcBef>
-                <a:spcPts val="1000"/>
-              </a:spcBef>
-              <a:spcAft>
-                <a:spcPts val="0"/>
-              </a:spcAft>
-              <a:buClr>
-                <a:schemeClr val="dk1"/>
-              </a:buClr>
-              <a:buSzPts val="1600"/>
-              <a:buFont typeface="Noto Sans Symbols"/>
-              <a:buChar char="⮚"/>
-            </a:pPr>
-            <a:r>
-              <a:rPr lang="en-US" dirty="0"/>
-              <a:t>Keep your explanation precisely and easy to understand</a:t>
-            </a:r>
-            <a:endParaRPr dirty="0"/>
-          </a:p>
-          <a:p>
-            <a:pPr marL="285750" lvl="0" indent="-285750" algn="l" rtl="0">
-              <a:lnSpc>
-                <a:spcPct val="90000"/>
-              </a:lnSpc>
-              <a:spcBef>
-                <a:spcPts val="1000"/>
-              </a:spcBef>
-              <a:spcAft>
-                <a:spcPts val="0"/>
-              </a:spcAft>
-              <a:buClr>
-                <a:schemeClr val="dk1"/>
-              </a:buClr>
-              <a:buSzPts val="1600"/>
-              <a:buFont typeface="Noto Sans Symbols"/>
-              <a:buChar char="⮚"/>
-            </a:pPr>
-            <a:r>
-              <a:rPr lang="en-US" dirty="0"/>
-              <a:t>Idea should be unique and novel. If it has a business potential more weightage will be given. </a:t>
-            </a:r>
-            <a:endParaRPr dirty="0"/>
-          </a:p>
-          <a:p>
-            <a:pPr marL="285750" lvl="0" indent="-285750" algn="l" rtl="0">
-              <a:lnSpc>
-                <a:spcPct val="90000"/>
-              </a:lnSpc>
-              <a:spcBef>
-                <a:spcPts val="1000"/>
-              </a:spcBef>
-              <a:spcAft>
-                <a:spcPts val="0"/>
-              </a:spcAft>
-              <a:buClr>
-                <a:schemeClr val="dk1"/>
-              </a:buClr>
-              <a:buSzPts val="1600"/>
-              <a:buFont typeface="Noto Sans Symbols"/>
-              <a:buChar char="⮚"/>
-            </a:pPr>
-            <a:r>
-              <a:rPr lang="en-US" dirty="0"/>
-              <a:t>Apart from this PPT abstract of your idea will be asked separately while submitting</a:t>
-            </a:r>
-            <a:endParaRPr dirty="0"/>
-          </a:p>
-          <a:p>
-            <a:pPr marL="285750" lvl="0" indent="-285750" algn="l" rtl="0">
-              <a:lnSpc>
-                <a:spcPct val="90000"/>
-              </a:lnSpc>
-              <a:spcBef>
-                <a:spcPts val="1000"/>
-              </a:spcBef>
-              <a:spcAft>
-                <a:spcPts val="0"/>
-              </a:spcAft>
-              <a:buClr>
-                <a:schemeClr val="dk1"/>
-              </a:buClr>
-              <a:buSzPts val="1600"/>
-              <a:buFont typeface="Noto Sans Symbols"/>
-              <a:buChar char="⮚"/>
-            </a:pPr>
-            <a:r>
-              <a:rPr lang="en-US" dirty="0"/>
-              <a:t>You need to save the file in PDF and upload the same on portal. No PPT, Word Doc or any other format will be supported</a:t>
-            </a:r>
-            <a:endParaRPr dirty="0"/>
-          </a:p>
-          <a:p>
-            <a:pPr marL="285750" lvl="0" indent="-285750" algn="l" rtl="0">
-              <a:lnSpc>
-                <a:spcPct val="90000"/>
-              </a:lnSpc>
-              <a:spcBef>
-                <a:spcPts val="1000"/>
-              </a:spcBef>
-              <a:spcAft>
-                <a:spcPts val="0"/>
-              </a:spcAft>
-              <a:buClr>
-                <a:schemeClr val="dk1"/>
-              </a:buClr>
-              <a:buSzPts val="1600"/>
-              <a:buFont typeface="Noto Sans Symbols"/>
-              <a:buChar char="⮚"/>
-            </a:pPr>
-            <a:r>
-              <a:rPr lang="en-US" dirty="0"/>
-              <a:t>You can delete this slide (Important Pointers) when you upload the details of your idea on SIH portal.</a:t>
-            </a:r>
-            <a:endParaRPr dirty="0"/>
-          </a:p>
-        </p:txBody>
-      </p:sp>
-      <p:sp>
-        <p:nvSpPr>
-          <p:cNvPr id="246" name="Google Shape;246;p5"/>
-          <p:cNvSpPr txBox="1">
-            <a:spLocks noGrp="1"/>
-          </p:cNvSpPr>
-          <p:nvPr>
-            <p:ph type="sldNum" idx="12"/>
-          </p:nvPr>
-        </p:nvSpPr>
-        <p:spPr>
-          <a:xfrm>
-            <a:off x="971550" y="6332220"/>
-            <a:ext cx="523240" cy="247651"/>
-          </a:xfrm>
-          <a:prstGeom prst="rect">
-            <a:avLst/>
-          </a:prstGeom>
-          <a:noFill/>
-          <a:ln>
-            <a:noFill/>
-          </a:ln>
-        </p:spPr>
-        <p:txBody>
-          <a:bodyPr spcFirstLastPara="1" wrap="square" lIns="0" tIns="0" rIns="0" bIns="0" anchor="t" anchorCtr="0">
-            <a:noAutofit/>
-          </a:bodyPr>
-          <a:lstStyle/>
-          <a:p>
-            <a:pPr marL="0" lvl="0" indent="0" algn="l" rtl="0">
-              <a:lnSpc>
-                <a:spcPct val="100000"/>
-              </a:lnSpc>
-              <a:spcBef>
-                <a:spcPts val="0"/>
-              </a:spcBef>
-              <a:spcAft>
-                <a:spcPts val="0"/>
-              </a:spcAft>
-              <a:buSzPts val="1100"/>
-              <a:buNone/>
-            </a:pPr>
-            <a:fld id="{00000000-1234-1234-1234-123412341234}" type="slidenum">
-              <a:rPr lang="en-US"/>
-              <a:t>5</a:t>
-            </a:fld>
-            <a:endParaRPr/>
           </a:p>
         </p:txBody>
       </p:sp>

--- a/DevRishi-SIH2023-College.pptx
+++ b/DevRishi-SIH2023-College.pptx
@@ -269,7 +269,7 @@
       <p15:sldGuideLst xmlns:p15="http://schemas.microsoft.com/office/powerpoint/2012/main"/>
     </p:ext>
     <p:ext uri="GoogleSlidesCustomDataVersion2">
-      <go:slidesCustomData xmlns="" xmlns:mc="http://schemas.openxmlformats.org/markup-compatibility/2006" xmlns:mv="urn:schemas-microsoft-com:mac:vml" xmlns:c="http://schemas.openxmlformats.org/drawingml/2006/chart" xmlns:dgm="http://schemas.openxmlformats.org/drawingml/2006/diagram" xmlns:o="urn:schemas-microsoft-com:office:office" xmlns:v="urn:schemas-microsoft-com:vml" xmlns:pvml="urn:schemas-microsoft-com:office:powerpoint" xmlns:com="http://schemas.openxmlformats.org/drawingml/2006/compatibility" xmlns:p14="http://schemas.microsoft.com/office/powerpoint/2010/main" xmlns:p15="http://schemas.microsoft.com/office/powerpoint/2012/main" xmlns:ahyp="http://schemas.microsoft.com/office/drawing/2018/hyperlinkcolor" xmlns:go="http://customooxmlschemas.google.com/" r:id="rId17" roundtripDataSignature="AMtx7mhxf9KwqLKs7hsyriYMk8T6gMsPlw=="/>
+      <go:slidesCustomData xmlns:go="http://customooxmlschemas.google.com/" xmlns:ahyp="http://schemas.microsoft.com/office/drawing/2018/hyperlinkcolor" xmlns:p15="http://schemas.microsoft.com/office/powerpoint/2012/main" xmlns:p14="http://schemas.microsoft.com/office/powerpoint/2010/main" xmlns:com="http://schemas.openxmlformats.org/drawingml/2006/compatibility" xmlns:pvml="urn:schemas-microsoft-com:office:powerpoint" xmlns:v="urn:schemas-microsoft-com:vml" xmlns:o="urn:schemas-microsoft-com:office:office" xmlns:dgm="http://schemas.openxmlformats.org/drawingml/2006/diagram" xmlns:c="http://schemas.openxmlformats.org/drawingml/2006/chart" xmlns:mv="urn:schemas-microsoft-com:mac:vml" xmlns:mc="http://schemas.openxmlformats.org/markup-compatibility/2006" xmlns="" r:id="rId17" roundtripDataSignature="AMtx7mhxf9KwqLKs7hsyriYMk8T6gMsPlw=="/>
     </p:ext>
   </p:extLst>
 </p:presentation>
@@ -27811,8 +27811,32 @@
                 <a:cs typeface="Franklin Gothic"/>
                 <a:sym typeface="Franklin Gothic"/>
               </a:rPr>
-              <a:t>Institute Code (AISHE):</a:t>
+              <a:t>Institute Code (AISHE): </a:t>
             </a:r>
+            <a:r>
+              <a:rPr lang="en-US" sz="1600" dirty="0">
+                <a:solidFill>
+                  <a:schemeClr val="tx1"/>
+                </a:solidFill>
+                <a:latin typeface="+mj-lt"/>
+                <a:ea typeface="Franklin Gothic"/>
+                <a:cs typeface="Franklin Gothic"/>
+                <a:sym typeface="Franklin Gothic"/>
+              </a:rPr>
+              <a:t>U-0841</a:t>
+            </a:r>
+          </a:p>
+          <a:p>
+            <a:pPr marL="0" indent="0"/>
+            <a:endParaRPr lang="en-US" sz="1600" dirty="0">
+              <a:solidFill>
+                <a:schemeClr val="tx1"/>
+              </a:solidFill>
+              <a:latin typeface="Franklin Gothic"/>
+              <a:ea typeface="Franklin Gothic"/>
+              <a:cs typeface="Franklin Gothic"/>
+              <a:sym typeface="Franklin Gothic"/>
+            </a:endParaRPr>
           </a:p>
           <a:p>
             <a:pPr marL="0" indent="0"/>
@@ -27837,6 +27861,18 @@
               </a:rPr>
               <a:t>Indian Institute of Information Technology, Nagpur</a:t>
             </a:r>
+          </a:p>
+          <a:p>
+            <a:pPr marL="0" indent="0"/>
+            <a:endParaRPr lang="en-US" sz="1600" dirty="0">
+              <a:solidFill>
+                <a:schemeClr val="tx1"/>
+              </a:solidFill>
+              <a:latin typeface="+mj-lt"/>
+              <a:ea typeface="Franklin Gothic"/>
+              <a:cs typeface="Franklin Gothic"/>
+              <a:sym typeface="Franklin Gothic"/>
+            </a:endParaRPr>
           </a:p>
           <a:p>
             <a:pPr marL="0" indent="0"/>
@@ -32038,7 +32074,7 @@
             </a:pPr>
             <a:r>
               <a:rPr lang="en-US" sz="1200" dirty="0"/>
-              <a:t>Category: Academic,  Expertise: NLP and Machine Learning  ,Domain Experience (in years): 12</a:t>
+              <a:t>Category: Academic,  Expertise: NLP and Machine Learning  ,Domain Experience (in years): 6</a:t>
             </a:r>
           </a:p>
           <a:p>

--- a/DevRishi-SIH2023-College.pptx
+++ b/DevRishi-SIH2023-College.pptx
@@ -27550,8 +27550,8 @@
         </p:nvSpPr>
         <p:spPr>
           <a:xfrm>
-            <a:off x="5000626" y="1299861"/>
-            <a:ext cx="6602120" cy="4853290"/>
+            <a:off x="5468293" y="1299861"/>
+            <a:ext cx="6319318" cy="5245794"/>
           </a:xfrm>
           <a:prstGeom prst="rect">
             <a:avLst/>
@@ -27699,6 +27699,9 @@
               </a:rPr>
               <a:t>A software that suggests drugs and formulations for a disease/pharmacological property based on the Ayurvedic classical books/Repositories.</a:t>
             </a:r>
+          </a:p>
+          <a:p>
+            <a:pPr marL="0" indent="0"/>
             <a:endParaRPr lang="en-US" sz="1600" dirty="0">
               <a:latin typeface="+mj-lt"/>
               <a:ea typeface="Franklin Gothic"/>
@@ -27730,7 +27733,7 @@
               <a:t> </a:t>
             </a:r>
             <a:r>
-              <a:rPr lang="en-US" sz="1600" dirty="0" err="1">
+              <a:rPr lang="en-US" sz="1600" dirty="0">
                 <a:solidFill>
                   <a:schemeClr val="tx1"/>
                 </a:solidFill>
@@ -27741,15 +27744,6 @@
               </a:rPr>
               <a:t>DevRishi</a:t>
             </a:r>
-            <a:endParaRPr lang="en-US" sz="1600" dirty="0">
-              <a:solidFill>
-                <a:schemeClr val="tx1"/>
-              </a:solidFill>
-              <a:latin typeface="+mj-lt"/>
-              <a:ea typeface="Franklin Gothic"/>
-              <a:cs typeface="Franklin Gothic"/>
-              <a:sym typeface="Franklin Gothic"/>
-            </a:endParaRPr>
           </a:p>
           <a:p>
             <a:pPr marL="0" indent="0"/>
@@ -27876,18 +27870,6 @@
           </a:p>
           <a:p>
             <a:pPr marL="0" indent="0"/>
-            <a:endParaRPr lang="en-US" sz="1600" dirty="0">
-              <a:solidFill>
-                <a:schemeClr val="tx1"/>
-              </a:solidFill>
-              <a:latin typeface="+mj-lt"/>
-              <a:ea typeface="Franklin Gothic"/>
-              <a:cs typeface="Franklin Gothic"/>
-              <a:sym typeface="Franklin Gothic"/>
-            </a:endParaRPr>
-          </a:p>
-          <a:p>
-            <a:pPr marL="0" indent="0"/>
             <a:r>
               <a:rPr lang="en-US" sz="1600" dirty="0">
                 <a:latin typeface="Franklin Gothic"/>
@@ -27895,7 +27877,7 @@
                 <a:cs typeface="Franklin Gothic"/>
                 <a:sym typeface="Franklin Gothic"/>
               </a:rPr>
-              <a:t>Theme Name:</a:t>
+              <a:t>Theme Name: </a:t>
             </a:r>
             <a:r>
               <a:rPr lang="en-IN" sz="1600" b="0" i="0" dirty="0">
@@ -28348,799 +28330,6 @@
       </p:sp>
       <p:sp>
         <p:nvSpPr>
-          <p:cNvPr id="218" name="Google Shape;218;p2"/>
-          <p:cNvSpPr txBox="1">
-            <a:spLocks noGrp="1"/>
-          </p:cNvSpPr>
-          <p:nvPr>
-            <p:ph type="body" idx="1"/>
-          </p:nvPr>
-        </p:nvSpPr>
-        <p:spPr>
-          <a:xfrm>
-            <a:off x="379095" y="2044460"/>
-            <a:ext cx="6375341" cy="4740605"/>
-          </a:xfrm>
-          <a:prstGeom prst="rect">
-            <a:avLst/>
-          </a:prstGeom>
-          <a:noFill/>
-          <a:ln w="9525" cap="flat" cmpd="sng">
-            <a:solidFill>
-              <a:schemeClr val="dk1"/>
-            </a:solidFill>
-            <a:prstDash val="solid"/>
-            <a:round/>
-            <a:headEnd type="none" w="sm" len="sm"/>
-            <a:tailEnd type="none" w="sm" len="sm"/>
-          </a:ln>
-        </p:spPr>
-        <p:txBody>
-          <a:bodyPr spcFirstLastPara="1" wrap="square" lIns="0" tIns="0" rIns="0" bIns="0" anchor="t" anchorCtr="0">
-            <a:noAutofit/>
-          </a:bodyPr>
-          <a:lstStyle/>
-          <a:p>
-            <a:pPr marL="285750" indent="-285750">
-              <a:spcBef>
-                <a:spcPts val="0"/>
-              </a:spcBef>
-              <a:buFont typeface="Wingdings"/>
-              <a:buChar char="Ø"/>
-            </a:pPr>
-            <a:r>
-              <a:rPr lang="en-US" sz="1300" dirty="0">
-                <a:solidFill>
-                  <a:schemeClr val="tx1"/>
-                </a:solidFill>
-                <a:latin typeface="+mj-lt"/>
-                <a:ea typeface="Franklin Gothic"/>
-                <a:cs typeface="Franklin Gothic"/>
-              </a:rPr>
-              <a:t>The user will use the </a:t>
-            </a:r>
-            <a:r>
-              <a:rPr lang="en-US" sz="1300" b="1" dirty="0">
-                <a:solidFill>
-                  <a:schemeClr val="tx1"/>
-                </a:solidFill>
-                <a:latin typeface="+mj-lt"/>
-                <a:ea typeface="Franklin Gothic"/>
-                <a:cs typeface="Franklin Gothic"/>
-              </a:rPr>
-              <a:t>Sushruta</a:t>
-            </a:r>
-            <a:r>
-              <a:rPr lang="en-US" sz="1300" dirty="0">
-                <a:solidFill>
-                  <a:schemeClr val="tx1"/>
-                </a:solidFill>
-                <a:latin typeface="+mj-lt"/>
-                <a:ea typeface="Franklin Gothic"/>
-                <a:cs typeface="Franklin Gothic"/>
-              </a:rPr>
-              <a:t> </a:t>
-            </a:r>
-            <a:r>
-              <a:rPr lang="en-US" sz="1300" b="1" dirty="0">
-                <a:solidFill>
-                  <a:schemeClr val="tx1"/>
-                </a:solidFill>
-                <a:latin typeface="+mj-lt"/>
-                <a:ea typeface="Franklin Gothic"/>
-                <a:cs typeface="Franklin Gothic"/>
-              </a:rPr>
-              <a:t>chat-bot</a:t>
-            </a:r>
-            <a:r>
-              <a:rPr lang="en-US" sz="1300" dirty="0">
-                <a:solidFill>
-                  <a:schemeClr val="tx1"/>
-                </a:solidFill>
-                <a:latin typeface="+mj-lt"/>
-                <a:ea typeface="Franklin Gothic"/>
-                <a:cs typeface="Franklin Gothic"/>
-              </a:rPr>
-              <a:t> to access the knowledge about Ayurveda. This chat-bot will suggest the </a:t>
-            </a:r>
-            <a:r>
-              <a:rPr lang="en-US" sz="1300" b="1" dirty="0">
-                <a:solidFill>
-                  <a:schemeClr val="tx1"/>
-                </a:solidFill>
-                <a:latin typeface="+mj-lt"/>
-                <a:ea typeface="Franklin Gothic"/>
-                <a:cs typeface="Franklin Gothic"/>
-              </a:rPr>
-              <a:t>drug</a:t>
-            </a:r>
-            <a:r>
-              <a:rPr lang="en-US" sz="1300" dirty="0">
-                <a:solidFill>
-                  <a:schemeClr val="tx1"/>
-                </a:solidFill>
-                <a:latin typeface="+mj-lt"/>
-                <a:ea typeface="Franklin Gothic"/>
-                <a:cs typeface="Franklin Gothic"/>
-              </a:rPr>
-              <a:t> and </a:t>
-            </a:r>
-            <a:r>
-              <a:rPr lang="en-US" sz="1300" b="1" dirty="0">
-                <a:solidFill>
-                  <a:schemeClr val="tx1"/>
-                </a:solidFill>
-                <a:latin typeface="+mj-lt"/>
-                <a:ea typeface="Franklin Gothic"/>
-                <a:cs typeface="Franklin Gothic"/>
-              </a:rPr>
-              <a:t>dosage</a:t>
-            </a:r>
-            <a:r>
-              <a:rPr lang="en-US" sz="1300" dirty="0">
-                <a:solidFill>
-                  <a:schemeClr val="tx1"/>
-                </a:solidFill>
-                <a:latin typeface="+mj-lt"/>
-                <a:ea typeface="Franklin Gothic"/>
-                <a:cs typeface="Franklin Gothic"/>
-              </a:rPr>
-              <a:t> and </a:t>
-            </a:r>
-            <a:r>
-              <a:rPr lang="en-US" sz="1300" b="1" dirty="0">
-                <a:solidFill>
-                  <a:schemeClr val="tx1"/>
-                </a:solidFill>
-                <a:latin typeface="+mj-lt"/>
-                <a:ea typeface="Franklin Gothic"/>
-                <a:cs typeface="Franklin Gothic"/>
-              </a:rPr>
-              <a:t>formulations</a:t>
-            </a:r>
-            <a:r>
-              <a:rPr lang="en-US" sz="1300" dirty="0">
-                <a:solidFill>
-                  <a:schemeClr val="tx1"/>
-                </a:solidFill>
-                <a:latin typeface="+mj-lt"/>
-                <a:ea typeface="Franklin Gothic"/>
-                <a:cs typeface="Franklin Gothic"/>
-              </a:rPr>
-              <a:t> using </a:t>
-            </a:r>
-            <a:r>
-              <a:rPr lang="en-US" sz="1300" b="1" dirty="0">
-                <a:solidFill>
-                  <a:schemeClr val="tx1"/>
-                </a:solidFill>
-                <a:latin typeface="+mj-lt"/>
-                <a:ea typeface="Franklin Gothic"/>
-                <a:cs typeface="Franklin Gothic"/>
-              </a:rPr>
-              <a:t>Artificial Intelligence(AI)</a:t>
-            </a:r>
-            <a:r>
-              <a:rPr lang="en-US" sz="1300" dirty="0">
-                <a:solidFill>
-                  <a:schemeClr val="tx1"/>
-                </a:solidFill>
-                <a:latin typeface="+mj-lt"/>
-                <a:ea typeface="Franklin Gothic"/>
-                <a:cs typeface="Franklin Gothic"/>
-              </a:rPr>
-              <a:t> and </a:t>
-            </a:r>
-            <a:r>
-              <a:rPr lang="en-US" sz="1300" b="1" dirty="0">
-                <a:solidFill>
-                  <a:schemeClr val="tx1"/>
-                </a:solidFill>
-                <a:latin typeface="+mj-lt"/>
-                <a:ea typeface="Franklin Gothic"/>
-                <a:cs typeface="Franklin Gothic"/>
-              </a:rPr>
-              <a:t>Machine Learning(ML) </a:t>
-            </a:r>
-            <a:r>
-              <a:rPr lang="en-US" sz="1300" dirty="0">
-                <a:solidFill>
-                  <a:schemeClr val="tx1"/>
-                </a:solidFill>
-                <a:latin typeface="+mj-lt"/>
-                <a:ea typeface="Franklin Gothic"/>
-                <a:cs typeface="Franklin Gothic"/>
-              </a:rPr>
-              <a:t>when the user mentions theirs symptoms to this chat-bot by its huge </a:t>
-            </a:r>
-            <a:r>
-              <a:rPr lang="en-US" sz="1300" b="1" dirty="0">
-                <a:solidFill>
-                  <a:schemeClr val="tx1"/>
-                </a:solidFill>
-                <a:latin typeface="+mj-lt"/>
-                <a:ea typeface="Franklin Gothic"/>
-                <a:cs typeface="Franklin Gothic"/>
-              </a:rPr>
-              <a:t>database </a:t>
-            </a:r>
-            <a:r>
-              <a:rPr lang="en-US" sz="1300" dirty="0">
-                <a:solidFill>
-                  <a:schemeClr val="tx1"/>
-                </a:solidFill>
-                <a:latin typeface="+mj-lt"/>
-                <a:ea typeface="Franklin Gothic"/>
-                <a:cs typeface="Franklin Gothic"/>
-              </a:rPr>
-              <a:t>on </a:t>
-            </a:r>
-            <a:r>
-              <a:rPr lang="en-US" sz="1300" b="1" dirty="0">
-                <a:solidFill>
-                  <a:schemeClr val="tx1"/>
-                </a:solidFill>
-                <a:latin typeface="+mj-lt"/>
-                <a:ea typeface="Franklin Gothic"/>
-                <a:cs typeface="Franklin Gothic"/>
-              </a:rPr>
-              <a:t>Ayurvedic texts</a:t>
-            </a:r>
-            <a:r>
-              <a:rPr lang="en-US" sz="1300" dirty="0">
-                <a:solidFill>
-                  <a:schemeClr val="tx1"/>
-                </a:solidFill>
-                <a:latin typeface="+mj-lt"/>
-                <a:ea typeface="Franklin Gothic"/>
-                <a:cs typeface="Franklin Gothic"/>
-              </a:rPr>
-              <a:t>. </a:t>
-            </a:r>
-            <a:endParaRPr lang="en-US" dirty="0">
-              <a:solidFill>
-                <a:schemeClr val="tx1"/>
-              </a:solidFill>
-              <a:latin typeface="+mj-lt"/>
-            </a:endParaRPr>
-          </a:p>
-          <a:p>
-            <a:pPr marL="285750" indent="-285750">
-              <a:spcBef>
-                <a:spcPts val="0"/>
-              </a:spcBef>
-              <a:buFont typeface="Wingdings"/>
-              <a:buChar char="Ø"/>
-            </a:pPr>
-            <a:r>
-              <a:rPr lang="en-US" sz="1300" dirty="0">
-                <a:solidFill>
-                  <a:schemeClr val="tx1"/>
-                </a:solidFill>
-                <a:latin typeface="+mj-lt"/>
-                <a:ea typeface="Franklin Gothic"/>
-                <a:cs typeface="Franklin Gothic"/>
-              </a:rPr>
-              <a:t>We have complete control over data by which we monitor the information that is fed into our chat-bot and to check whether this data aligns with our </a:t>
-            </a:r>
-            <a:r>
-              <a:rPr lang="en-US" sz="1300" b="1" dirty="0">
-                <a:solidFill>
-                  <a:schemeClr val="tx1"/>
-                </a:solidFill>
-                <a:latin typeface="+mj-lt"/>
-                <a:ea typeface="Franklin Gothic"/>
-                <a:cs typeface="Franklin Gothic"/>
-              </a:rPr>
-              <a:t>ethical and quality standards</a:t>
-            </a:r>
-            <a:r>
-              <a:rPr lang="en-US" sz="1300" dirty="0">
-                <a:solidFill>
-                  <a:schemeClr val="tx1"/>
-                </a:solidFill>
-                <a:latin typeface="+mj-lt"/>
-                <a:ea typeface="Franklin Gothic"/>
-                <a:cs typeface="Franklin Gothic"/>
-              </a:rPr>
-              <a:t>.</a:t>
-            </a:r>
-          </a:p>
-          <a:p>
-            <a:pPr marL="285750" indent="-285750">
-              <a:spcBef>
-                <a:spcPts val="0"/>
-              </a:spcBef>
-              <a:buFont typeface="Wingdings"/>
-              <a:buChar char="Ø"/>
-            </a:pPr>
-            <a:r>
-              <a:rPr lang="en-US" sz="1300" dirty="0">
-                <a:solidFill>
-                  <a:schemeClr val="tx1"/>
-                </a:solidFill>
-                <a:latin typeface="+mj-lt"/>
-              </a:rPr>
-              <a:t>Sushruta will also take </a:t>
-            </a:r>
-            <a:r>
-              <a:rPr lang="en-US" sz="1300" b="1" dirty="0">
-                <a:solidFill>
-                  <a:schemeClr val="tx1"/>
-                </a:solidFill>
-                <a:latin typeface="+mj-lt"/>
-              </a:rPr>
-              <a:t>speech input </a:t>
-            </a:r>
-            <a:r>
-              <a:rPr lang="en-US" sz="1300" dirty="0">
-                <a:solidFill>
-                  <a:schemeClr val="tx1"/>
-                </a:solidFill>
-                <a:latin typeface="+mj-lt"/>
-              </a:rPr>
-              <a:t>by which people from rural could also get to know about the Ayurvedic cure about their medicine. </a:t>
-            </a:r>
-          </a:p>
-          <a:p>
-            <a:pPr marL="285750" indent="-285750">
-              <a:spcBef>
-                <a:spcPts val="0"/>
-              </a:spcBef>
-              <a:buFont typeface="Wingdings"/>
-              <a:buChar char="Ø"/>
-            </a:pPr>
-            <a:r>
-              <a:rPr lang="en-US" sz="1300" dirty="0">
-                <a:solidFill>
-                  <a:schemeClr val="tx1"/>
-                </a:solidFill>
-                <a:latin typeface="+mj-lt"/>
-                <a:ea typeface="Franklin Gothic"/>
-                <a:cs typeface="Franklin Gothic"/>
-              </a:rPr>
-              <a:t>This Sushruta chat-bot will be</a:t>
-            </a:r>
-            <a:r>
-              <a:rPr lang="en-US" sz="1300" b="1" dirty="0">
-                <a:solidFill>
-                  <a:schemeClr val="tx1"/>
-                </a:solidFill>
-                <a:latin typeface="+mj-lt"/>
-                <a:ea typeface="Franklin Gothic"/>
-                <a:cs typeface="Franklin Gothic"/>
-              </a:rPr>
-              <a:t> </a:t>
-            </a:r>
-            <a:r>
-              <a:rPr lang="en-US" sz="1300" dirty="0">
-                <a:solidFill>
-                  <a:schemeClr val="tx1"/>
-                </a:solidFill>
-                <a:latin typeface="+mj-lt"/>
-                <a:ea typeface="Franklin Gothic"/>
-                <a:cs typeface="Franklin Gothic"/>
-              </a:rPr>
-              <a:t>integrated to the primary website </a:t>
-            </a:r>
-            <a:r>
-              <a:rPr lang="en-US" sz="1300" b="1" dirty="0">
-                <a:solidFill>
-                  <a:schemeClr val="tx1"/>
-                </a:solidFill>
-                <a:latin typeface="+mj-lt"/>
-                <a:ea typeface="Franklin Gothic"/>
-                <a:cs typeface="Franklin Gothic"/>
-              </a:rPr>
-              <a:t>DevRishi</a:t>
-            </a:r>
-            <a:r>
-              <a:rPr lang="en-US" sz="1300" dirty="0">
-                <a:solidFill>
-                  <a:schemeClr val="tx1"/>
-                </a:solidFill>
-                <a:latin typeface="+mj-lt"/>
-                <a:ea typeface="Franklin Gothic"/>
-                <a:cs typeface="Franklin Gothic"/>
-              </a:rPr>
-              <a:t>. This website will contain the information about each medicines in Ayurveda till date </a:t>
-            </a:r>
-            <a:r>
-              <a:rPr lang="en-US" sz="1300" b="1" dirty="0">
-                <a:solidFill>
-                  <a:schemeClr val="tx1"/>
-                </a:solidFill>
-                <a:latin typeface="+mj-lt"/>
-                <a:ea typeface="Franklin Gothic"/>
-                <a:cs typeface="Franklin Gothic"/>
-              </a:rPr>
-              <a:t>divided</a:t>
-            </a:r>
-            <a:r>
-              <a:rPr lang="en-US" sz="1300" dirty="0">
-                <a:solidFill>
-                  <a:schemeClr val="tx1"/>
-                </a:solidFill>
-                <a:latin typeface="+mj-lt"/>
-                <a:ea typeface="Franklin Gothic"/>
-                <a:cs typeface="Franklin Gothic"/>
-              </a:rPr>
-              <a:t> into its </a:t>
-            </a:r>
-            <a:r>
-              <a:rPr lang="en-US" sz="1300" b="1" dirty="0">
-                <a:solidFill>
-                  <a:schemeClr val="tx1"/>
-                </a:solidFill>
-                <a:latin typeface="+mj-lt"/>
-                <a:ea typeface="Franklin Gothic"/>
-                <a:cs typeface="Franklin Gothic"/>
-              </a:rPr>
-              <a:t>sub sections</a:t>
-            </a:r>
-            <a:r>
-              <a:rPr lang="en-US" sz="1300" dirty="0">
-                <a:solidFill>
-                  <a:schemeClr val="tx1"/>
-                </a:solidFill>
-                <a:latin typeface="+mj-lt"/>
-                <a:ea typeface="Franklin Gothic"/>
-                <a:cs typeface="Franklin Gothic"/>
-              </a:rPr>
-              <a:t>.</a:t>
-            </a:r>
-          </a:p>
-          <a:p>
-            <a:pPr marL="285750" indent="-285750">
-              <a:spcBef>
-                <a:spcPts val="0"/>
-              </a:spcBef>
-              <a:buFont typeface="Wingdings"/>
-              <a:buChar char="Ø"/>
-            </a:pPr>
-            <a:r>
-              <a:rPr lang="en-US" sz="1300" dirty="0">
-                <a:solidFill>
-                  <a:schemeClr val="tx1"/>
-                </a:solidFill>
-                <a:latin typeface="+mj-lt"/>
-              </a:rPr>
-              <a:t>This website will also contain a </a:t>
-            </a:r>
-            <a:r>
-              <a:rPr lang="en-US" sz="1300" b="1" dirty="0">
-                <a:solidFill>
-                  <a:schemeClr val="tx1"/>
-                </a:solidFill>
-                <a:latin typeface="+mj-lt"/>
-              </a:rPr>
-              <a:t>contribution page</a:t>
-            </a:r>
-            <a:r>
-              <a:rPr lang="en-US" sz="1300" dirty="0">
-                <a:solidFill>
-                  <a:schemeClr val="tx1"/>
-                </a:solidFill>
-                <a:latin typeface="+mj-lt"/>
-              </a:rPr>
-              <a:t> where the students and doctors will share information gathered by them on their specific domains on our website.</a:t>
-            </a:r>
-          </a:p>
-          <a:p>
-            <a:pPr marL="285750" indent="-285750">
-              <a:spcBef>
-                <a:spcPts val="0"/>
-              </a:spcBef>
-              <a:buFont typeface="Wingdings"/>
-              <a:buChar char="Ø"/>
-            </a:pPr>
-            <a:r>
-              <a:rPr lang="en-US" sz="1300" dirty="0">
-                <a:solidFill>
-                  <a:schemeClr val="tx1"/>
-                </a:solidFill>
-                <a:latin typeface="+mj-lt"/>
-              </a:rPr>
-              <a:t>This website will contain </a:t>
-            </a:r>
-            <a:r>
-              <a:rPr lang="en-US" sz="1300" b="1" dirty="0">
-                <a:solidFill>
-                  <a:schemeClr val="tx1"/>
-                </a:solidFill>
-                <a:latin typeface="+mj-lt"/>
-              </a:rPr>
-              <a:t>E-books and pdf links</a:t>
-            </a:r>
-            <a:r>
-              <a:rPr lang="en-US" sz="1300" dirty="0">
-                <a:solidFill>
-                  <a:schemeClr val="tx1"/>
-                </a:solidFill>
-                <a:latin typeface="+mj-lt"/>
-              </a:rPr>
-              <a:t> of some important books used by the students and also some online tutorials</a:t>
-            </a:r>
-          </a:p>
-          <a:p>
-            <a:pPr marL="285750" indent="-285750">
-              <a:spcBef>
-                <a:spcPts val="0"/>
-              </a:spcBef>
-              <a:buFont typeface="Wingdings"/>
-              <a:buChar char="Ø"/>
-            </a:pPr>
-            <a:r>
-              <a:rPr lang="en-US" sz="1300" dirty="0">
-                <a:solidFill>
-                  <a:schemeClr val="tx1"/>
-                </a:solidFill>
-                <a:latin typeface="+mj-lt"/>
-              </a:rPr>
-              <a:t>This website will also provide </a:t>
-            </a:r>
-            <a:r>
-              <a:rPr lang="en-US" sz="1300" b="1" dirty="0">
-                <a:solidFill>
-                  <a:schemeClr val="tx1"/>
-                </a:solidFill>
-                <a:latin typeface="+mj-lt"/>
-              </a:rPr>
-              <a:t>multilingual support </a:t>
-            </a:r>
-            <a:r>
-              <a:rPr lang="en-US" sz="1300" dirty="0">
-                <a:solidFill>
-                  <a:schemeClr val="tx1"/>
-                </a:solidFill>
-                <a:latin typeface="+mj-lt"/>
-              </a:rPr>
-              <a:t>to its users, this will turn the whole page to the language the user wants.</a:t>
-            </a:r>
-          </a:p>
-          <a:p>
-            <a:pPr marL="285750" indent="-285750">
-              <a:spcBef>
-                <a:spcPts val="0"/>
-              </a:spcBef>
-              <a:buFont typeface="Wingdings"/>
-              <a:buChar char="Ø"/>
-            </a:pPr>
-            <a:r>
-              <a:rPr lang="en-US" sz="1300" dirty="0">
-                <a:solidFill>
-                  <a:schemeClr val="tx1"/>
-                </a:solidFill>
-                <a:latin typeface="+mj-lt"/>
-              </a:rPr>
-              <a:t>Later, patients can use </a:t>
-            </a:r>
-            <a:r>
-              <a:rPr lang="en-US" sz="1300" b="1" dirty="0">
-                <a:solidFill>
-                  <a:schemeClr val="tx1"/>
-                </a:solidFill>
-                <a:latin typeface="+mj-lt"/>
-              </a:rPr>
-              <a:t>Augmented Reality(AR)</a:t>
-            </a:r>
-            <a:r>
-              <a:rPr lang="en-US" sz="1300" dirty="0">
-                <a:solidFill>
-                  <a:schemeClr val="tx1"/>
-                </a:solidFill>
-                <a:latin typeface="+mj-lt"/>
-              </a:rPr>
-              <a:t> and </a:t>
-            </a:r>
-            <a:r>
-              <a:rPr lang="en-US" sz="1300" b="1" dirty="0">
-                <a:solidFill>
-                  <a:schemeClr val="tx1"/>
-                </a:solidFill>
-                <a:latin typeface="+mj-lt"/>
-              </a:rPr>
-              <a:t>Virtual Reality(VR) </a:t>
-            </a:r>
-            <a:r>
-              <a:rPr lang="en-US" sz="1300" dirty="0">
-                <a:solidFill>
-                  <a:schemeClr val="tx1"/>
-                </a:solidFill>
-                <a:latin typeface="+mj-lt"/>
-              </a:rPr>
-              <a:t>to interact with Ayurvedic practitioners alongside the chatbot for valuable feedback.</a:t>
-            </a:r>
-          </a:p>
-          <a:p>
-            <a:pPr marL="285750" indent="-285750">
-              <a:spcBef>
-                <a:spcPts val="0"/>
-              </a:spcBef>
-              <a:buFont typeface="Wingdings"/>
-              <a:buChar char="Ø"/>
-            </a:pPr>
-            <a:r>
-              <a:rPr lang="en-US" sz="1300" dirty="0">
-                <a:latin typeface="+mj-lt"/>
-              </a:rPr>
-              <a:t>The </a:t>
-            </a:r>
-            <a:r>
-              <a:rPr lang="en-US" sz="1300" dirty="0">
-                <a:solidFill>
-                  <a:schemeClr val="dk1"/>
-                </a:solidFill>
-                <a:latin typeface="+mj-lt"/>
-              </a:rPr>
-              <a:t>website will </a:t>
-            </a:r>
-            <a:r>
-              <a:rPr lang="en-US" sz="1300" b="1" dirty="0">
-                <a:solidFill>
-                  <a:schemeClr val="dk1"/>
-                </a:solidFill>
-                <a:latin typeface="+mj-lt"/>
-              </a:rPr>
-              <a:t>not only </a:t>
-            </a:r>
-            <a:r>
-              <a:rPr lang="en-US" sz="1300" dirty="0">
-                <a:solidFill>
-                  <a:schemeClr val="dk1"/>
-                </a:solidFill>
-                <a:latin typeface="+mj-lt"/>
-              </a:rPr>
-              <a:t>act as a platform for gaining knowledge but also a platform for all </a:t>
-            </a:r>
-            <a:r>
-              <a:rPr lang="en-US" sz="1300" b="1" dirty="0">
-                <a:solidFill>
-                  <a:schemeClr val="dk1"/>
-                </a:solidFill>
-                <a:latin typeface="+mj-lt"/>
-              </a:rPr>
-              <a:t>like minded individuals </a:t>
-            </a:r>
-            <a:r>
-              <a:rPr lang="en-US" sz="1300" dirty="0">
-                <a:solidFill>
-                  <a:schemeClr val="dk1"/>
-                </a:solidFill>
-                <a:latin typeface="+mj-lt"/>
-              </a:rPr>
-              <a:t>to </a:t>
-            </a:r>
-            <a:r>
-              <a:rPr lang="en-US" sz="1300" b="1" dirty="0">
-                <a:solidFill>
-                  <a:schemeClr val="dk1"/>
-                </a:solidFill>
-                <a:latin typeface="+mj-lt"/>
-              </a:rPr>
-              <a:t>interact</a:t>
-            </a:r>
-            <a:r>
-              <a:rPr lang="en-US" sz="1300" dirty="0">
-                <a:solidFill>
-                  <a:schemeClr val="dk1"/>
-                </a:solidFill>
-                <a:latin typeface="+mj-lt"/>
-              </a:rPr>
-              <a:t> with each other through </a:t>
-            </a:r>
-            <a:r>
-              <a:rPr lang="en-US" sz="1300" b="1" dirty="0">
-                <a:solidFill>
-                  <a:schemeClr val="dk1"/>
-                </a:solidFill>
-                <a:latin typeface="+mj-lt"/>
-              </a:rPr>
-              <a:t>Discussion Forums.</a:t>
-            </a:r>
-            <a:endParaRPr lang="en-US" sz="1300" b="1" dirty="0">
-              <a:solidFill>
-                <a:schemeClr val="tx1"/>
-              </a:solidFill>
-              <a:latin typeface="+mj-lt"/>
-            </a:endParaRPr>
-          </a:p>
-          <a:p>
-            <a:pPr marL="285750" indent="-285750">
-              <a:spcBef>
-                <a:spcPts val="0"/>
-              </a:spcBef>
-              <a:buFont typeface="Wingdings"/>
-              <a:buChar char="Ø"/>
-            </a:pPr>
-            <a:endParaRPr lang="en-US" sz="1300" dirty="0">
-              <a:solidFill>
-                <a:schemeClr val="tx1"/>
-              </a:solidFill>
-              <a:latin typeface="+mj-lt"/>
-            </a:endParaRPr>
-          </a:p>
-          <a:p>
-            <a:pPr marL="285750" lvl="0" indent="-285750" algn="l" rtl="0">
-              <a:lnSpc>
-                <a:spcPct val="100000"/>
-              </a:lnSpc>
-              <a:spcBef>
-                <a:spcPts val="0"/>
-              </a:spcBef>
-              <a:spcAft>
-                <a:spcPts val="0"/>
-              </a:spcAft>
-              <a:buClr>
-                <a:schemeClr val="dk1"/>
-              </a:buClr>
-              <a:buFont typeface="Wingdings"/>
-              <a:buChar char="Ø"/>
-            </a:pPr>
-            <a:endParaRPr lang="en-US" sz="1300" dirty="0">
-              <a:latin typeface="+mj-lt"/>
-            </a:endParaRPr>
-          </a:p>
-          <a:p>
-            <a:pPr marL="285750" indent="-285750">
-              <a:spcBef>
-                <a:spcPts val="0"/>
-              </a:spcBef>
-              <a:buFont typeface="Wingdings"/>
-              <a:buChar char="Ø"/>
-            </a:pPr>
-            <a:endParaRPr lang="en-US" sz="1300" dirty="0">
-              <a:latin typeface="Franklin Gothic"/>
-            </a:endParaRPr>
-          </a:p>
-          <a:p>
-            <a:pPr marL="285750" indent="-285750">
-              <a:spcBef>
-                <a:spcPts val="0"/>
-              </a:spcBef>
-              <a:buFont typeface="Wingdings"/>
-              <a:buChar char="Ø"/>
-            </a:pPr>
-            <a:endParaRPr lang="en-US" sz="1300" dirty="0">
-              <a:latin typeface="Franklin Gothic"/>
-            </a:endParaRPr>
-          </a:p>
-          <a:p>
-            <a:pPr marL="285750" indent="-285750">
-              <a:buFont typeface="Noto Sans Symbols,Sans-Serif"/>
-              <a:buChar char="⮚"/>
-            </a:pPr>
-            <a:endParaRPr lang="en-US" dirty="0"/>
-          </a:p>
-          <a:p>
-            <a:pPr marL="0" indent="0">
-              <a:spcBef>
-                <a:spcPts val="0"/>
-              </a:spcBef>
-              <a:buSzPts val="1800"/>
-            </a:pPr>
-            <a:endParaRPr lang="en-US" dirty="0">
-              <a:latin typeface="Franklin Gothic"/>
-            </a:endParaRPr>
-          </a:p>
-          <a:p>
-            <a:pPr marL="285750" indent="-285750">
-              <a:buFont typeface="Noto Sans Symbols"/>
-              <a:buChar char="⮚"/>
-            </a:pPr>
-            <a:endParaRPr lang="en-US" dirty="0"/>
-          </a:p>
-          <a:p>
-            <a:pPr marL="285750" indent="-285750">
-              <a:buFont typeface="Noto Sans Symbols"/>
-              <a:buChar char="⮚"/>
-            </a:pPr>
-            <a:endParaRPr lang="en-US" dirty="0"/>
-          </a:p>
-        </p:txBody>
-      </p:sp>
-      <p:sp>
-        <p:nvSpPr>
           <p:cNvPr id="219" name="Google Shape;219;p2"/>
           <p:cNvSpPr txBox="1">
             <a:spLocks noGrp="1"/>
@@ -29232,8 +28421,8 @@
         </p:nvSpPr>
         <p:spPr>
           <a:xfrm>
-            <a:off x="6754436" y="3973402"/>
-            <a:ext cx="5365677" cy="2811662"/>
+            <a:off x="6505416" y="3973402"/>
+            <a:ext cx="5614697" cy="2811662"/>
           </a:xfrm>
           <a:prstGeom prst="rect">
             <a:avLst/>
@@ -29364,8 +28553,8 @@
         </p:nvSpPr>
         <p:spPr>
           <a:xfrm>
-            <a:off x="493395" y="720090"/>
-            <a:ext cx="6507480" cy="1169551"/>
+            <a:off x="253429" y="753982"/>
+            <a:ext cx="6332281" cy="1169551"/>
           </a:xfrm>
           <a:prstGeom prst="rect">
             <a:avLst/>
@@ -29381,6 +28570,7 @@
           </a:bodyPr>
           <a:lstStyle/>
           <a:p>
+            <a:pPr algn="just"/>
             <a:r>
               <a:rPr lang="en-US" dirty="0">
                 <a:solidFill>
@@ -29388,7 +28578,7 @@
                 </a:solidFill>
                 <a:latin typeface="+mj-lt"/>
               </a:rPr>
-              <a:t>We are looking for a solution by creating a web and app system that suggests drugs and formulations for a disease based on the Ayurvedic classical books. It will help the common people, practitioners and students to access the Ayurvedic knowledge of herbs, minerals and formulations from its 150 diverse texts. Prototype will work as follows:</a:t>
+              <a:t>We are looking for a solution by creating a web-app system that suggests  drugs and formulations for a disease based on the Ayurvedic classical books. It will help the common people, practitioners and students to access the Ayurvedic knowledge of herbs, minerals and formulations from its 150 diverse texts. Prototype will work as follows:</a:t>
             </a:r>
           </a:p>
         </p:txBody>
@@ -29415,7 +28605,7 @@
         </p:blipFill>
         <p:spPr>
           <a:xfrm>
-            <a:off x="6898832" y="4965332"/>
+            <a:off x="6633927" y="4962332"/>
             <a:ext cx="959796" cy="552856"/>
           </a:xfrm>
           <a:prstGeom prst="rect">
@@ -29445,7 +28635,7 @@
         </p:blipFill>
         <p:spPr>
           <a:xfrm>
-            <a:off x="7999847" y="4667462"/>
+            <a:off x="7954548" y="4724110"/>
             <a:ext cx="773147" cy="773148"/>
           </a:xfrm>
           <a:prstGeom prst="rect">
@@ -29565,7 +28755,7 @@
         </p:blipFill>
         <p:spPr>
           <a:xfrm>
-            <a:off x="11058002" y="4971131"/>
+            <a:off x="11170203" y="4906730"/>
             <a:ext cx="913192" cy="641003"/>
           </a:xfrm>
           <a:prstGeom prst="rect">
@@ -29595,7 +28785,7 @@
         </p:blipFill>
         <p:spPr>
           <a:xfrm>
-            <a:off x="11170203" y="5849534"/>
+            <a:off x="11304854" y="5814475"/>
             <a:ext cx="643890" cy="683895"/>
           </a:xfrm>
           <a:prstGeom prst="rect">
@@ -29625,7 +28815,7 @@
         </p:blipFill>
         <p:spPr>
           <a:xfrm>
-            <a:off x="6974643" y="6241345"/>
+            <a:off x="6728294" y="6286176"/>
             <a:ext cx="678180" cy="377952"/>
           </a:xfrm>
           <a:prstGeom prst="rect">
@@ -29655,7 +28845,7 @@
         </p:blipFill>
         <p:spPr>
           <a:xfrm>
-            <a:off x="8008266" y="6246654"/>
+            <a:off x="7900316" y="6318879"/>
             <a:ext cx="1287780" cy="291429"/>
           </a:xfrm>
           <a:prstGeom prst="rect">
@@ -29685,7 +28875,7 @@
         </p:blipFill>
         <p:spPr>
           <a:xfrm>
-            <a:off x="9526980" y="6079732"/>
+            <a:off x="9609195" y="6148055"/>
             <a:ext cx="1379220" cy="617220"/>
           </a:xfrm>
           <a:prstGeom prst="rect">
@@ -29715,7 +28905,7 @@
         </p:blipFill>
         <p:spPr>
           <a:xfrm>
-            <a:off x="6860644" y="4313538"/>
+            <a:off x="6573775" y="4288283"/>
             <a:ext cx="792179" cy="686556"/>
           </a:xfrm>
           <a:prstGeom prst="rect">
@@ -29775,7 +28965,7 @@
         </p:blipFill>
         <p:spPr>
           <a:xfrm>
-            <a:off x="8909647" y="4265974"/>
+            <a:off x="7445343" y="4322401"/>
             <a:ext cx="581875" cy="581875"/>
           </a:xfrm>
           <a:prstGeom prst="rect">
@@ -29805,7 +28995,7 @@
         </p:blipFill>
         <p:spPr>
           <a:xfrm>
-            <a:off x="8862070" y="4908110"/>
+            <a:off x="8886907" y="4536687"/>
             <a:ext cx="684575" cy="655622"/>
           </a:xfrm>
           <a:prstGeom prst="rect">
@@ -29865,7 +29055,7 @@
         </p:blipFill>
         <p:spPr>
           <a:xfrm>
-            <a:off x="6912652" y="5515189"/>
+            <a:off x="6713780" y="5543662"/>
             <a:ext cx="707208" cy="621578"/>
           </a:xfrm>
           <a:prstGeom prst="rect">
@@ -29895,7 +29085,7 @@
         </p:blipFill>
         <p:spPr>
           <a:xfrm>
-            <a:off x="7885633" y="5548857"/>
+            <a:off x="7659256" y="5544896"/>
             <a:ext cx="872151" cy="495044"/>
           </a:xfrm>
           <a:prstGeom prst="rect">
@@ -29925,8 +29115,8 @@
         </p:blipFill>
         <p:spPr>
           <a:xfrm>
-            <a:off x="8843726" y="5557319"/>
-            <a:ext cx="683540" cy="503978"/>
+            <a:off x="8646169" y="5411612"/>
+            <a:ext cx="832113" cy="613522"/>
           </a:xfrm>
           <a:prstGeom prst="rect">
             <a:avLst/>
@@ -29955,8 +29145,8 @@
         </p:blipFill>
         <p:spPr>
           <a:xfrm>
-            <a:off x="11207484" y="4134698"/>
-            <a:ext cx="754361" cy="655811"/>
+            <a:off x="11134939" y="4043702"/>
+            <a:ext cx="989894" cy="860574"/>
           </a:xfrm>
           <a:prstGeom prst="rect">
             <a:avLst/>
@@ -29985,14 +29175,803 @@
         </p:blipFill>
         <p:spPr>
           <a:xfrm>
-            <a:off x="6822427" y="238702"/>
-            <a:ext cx="5365676" cy="3658595"/>
+            <a:off x="6505416" y="72936"/>
+            <a:ext cx="5682688" cy="3880621"/>
           </a:xfrm>
           <a:prstGeom prst="rect">
             <a:avLst/>
           </a:prstGeom>
         </p:spPr>
       </p:pic>
+      <p:sp>
+        <p:nvSpPr>
+          <p:cNvPr id="11" name="Google Shape;229;p3">
+            <a:extLst>
+              <a:ext uri="{FF2B5EF4-FFF2-40B4-BE49-F238E27FC236}">
+                <a16:creationId xmlns:a16="http://schemas.microsoft.com/office/drawing/2014/main" id="{B8EB5B20-1C13-CA9E-136D-DD06C44723C2}"/>
+              </a:ext>
+            </a:extLst>
+          </p:cNvPr>
+          <p:cNvSpPr txBox="1">
+            <a:spLocks noGrp="1"/>
+          </p:cNvSpPr>
+          <p:nvPr>
+            <p:ph type="body" idx="1"/>
+          </p:nvPr>
+        </p:nvSpPr>
+        <p:spPr>
+          <a:xfrm>
+            <a:off x="301646" y="2037029"/>
+            <a:ext cx="6203770" cy="4748035"/>
+          </a:xfrm>
+          <a:prstGeom prst="rect">
+            <a:avLst/>
+          </a:prstGeom>
+          <a:noFill/>
+          <a:ln w="9525" cap="flat" cmpd="sng">
+            <a:solidFill>
+              <a:schemeClr val="dk1"/>
+            </a:solidFill>
+            <a:prstDash val="solid"/>
+            <a:round/>
+            <a:headEnd type="none" w="sm" len="sm"/>
+            <a:tailEnd type="none" w="sm" len="sm"/>
+          </a:ln>
+        </p:spPr>
+        <p:txBody>
+          <a:bodyPr spcFirstLastPara="1" wrap="square" lIns="91425" tIns="45700" rIns="91425" bIns="45700" anchor="t" anchorCtr="0">
+            <a:noAutofit/>
+          </a:bodyPr>
+          <a:lstStyle/>
+          <a:p>
+            <a:pPr marL="285750" indent="-285750" algn="just">
+              <a:spcBef>
+                <a:spcPts val="0"/>
+              </a:spcBef>
+              <a:buFont typeface="Wingdings"/>
+              <a:buChar char="Ø"/>
+            </a:pPr>
+            <a:r>
+              <a:rPr lang="en-US" sz="1400" dirty="0">
+                <a:solidFill>
+                  <a:schemeClr val="tx1"/>
+                </a:solidFill>
+                <a:latin typeface="+mj-lt"/>
+                <a:ea typeface="Franklin Gothic"/>
+                <a:cs typeface="Franklin Gothic"/>
+              </a:rPr>
+              <a:t>Users can access Ayurvedic knowledge via </a:t>
+            </a:r>
+            <a:r>
+              <a:rPr lang="en-US" sz="1400" b="1" dirty="0">
+                <a:solidFill>
+                  <a:schemeClr val="tx1"/>
+                </a:solidFill>
+                <a:latin typeface="+mj-lt"/>
+                <a:ea typeface="Franklin Gothic"/>
+                <a:cs typeface="Franklin Gothic"/>
+              </a:rPr>
+              <a:t>Sushruta</a:t>
+            </a:r>
+            <a:r>
+              <a:rPr lang="en-US" sz="1400" dirty="0">
+                <a:solidFill>
+                  <a:schemeClr val="tx1"/>
+                </a:solidFill>
+                <a:latin typeface="+mj-lt"/>
+                <a:ea typeface="Franklin Gothic"/>
+                <a:cs typeface="Franklin Gothic"/>
+              </a:rPr>
+              <a:t> </a:t>
+            </a:r>
+            <a:r>
+              <a:rPr lang="en-US" sz="1400" b="1" dirty="0">
+                <a:solidFill>
+                  <a:schemeClr val="tx1"/>
+                </a:solidFill>
+                <a:latin typeface="+mj-lt"/>
+                <a:ea typeface="Franklin Gothic"/>
+                <a:cs typeface="Franklin Gothic"/>
+              </a:rPr>
+              <a:t>chat-bot</a:t>
+            </a:r>
+            <a:r>
+              <a:rPr lang="en-US" sz="1400" dirty="0">
+                <a:solidFill>
+                  <a:schemeClr val="tx1"/>
+                </a:solidFill>
+                <a:latin typeface="+mj-lt"/>
+                <a:ea typeface="Franklin Gothic"/>
+                <a:cs typeface="Franklin Gothic"/>
+              </a:rPr>
+              <a:t>, which suggests </a:t>
+            </a:r>
+            <a:r>
+              <a:rPr lang="en-US" sz="1400" b="1" dirty="0">
+                <a:solidFill>
+                  <a:schemeClr val="tx1"/>
+                </a:solidFill>
+                <a:latin typeface="+mj-lt"/>
+                <a:ea typeface="Franklin Gothic"/>
+                <a:cs typeface="Franklin Gothic"/>
+              </a:rPr>
+              <a:t>AI/ML</a:t>
+            </a:r>
+            <a:r>
+              <a:rPr lang="en-US" sz="1400" dirty="0">
+                <a:solidFill>
+                  <a:schemeClr val="tx1"/>
+                </a:solidFill>
+                <a:latin typeface="+mj-lt"/>
+                <a:ea typeface="Franklin Gothic"/>
+                <a:cs typeface="Franklin Gothic"/>
+              </a:rPr>
+              <a:t>-driven </a:t>
+            </a:r>
+            <a:r>
+              <a:rPr lang="en-US" sz="1400" b="1" dirty="0">
+                <a:solidFill>
+                  <a:schemeClr val="tx1"/>
+                </a:solidFill>
+                <a:latin typeface="+mj-lt"/>
+                <a:ea typeface="Franklin Gothic"/>
+                <a:cs typeface="Franklin Gothic"/>
+              </a:rPr>
+              <a:t>drug recommendations </a:t>
+            </a:r>
+            <a:r>
+              <a:rPr lang="en-US" sz="1400" dirty="0">
+                <a:solidFill>
+                  <a:schemeClr val="tx1"/>
+                </a:solidFill>
+                <a:latin typeface="+mj-lt"/>
+                <a:ea typeface="Franklin Gothic"/>
+                <a:cs typeface="Franklin Gothic"/>
+              </a:rPr>
+              <a:t>and its f</a:t>
+            </a:r>
+            <a:r>
+              <a:rPr lang="en-US" sz="1400" b="1" dirty="0">
+                <a:solidFill>
+                  <a:schemeClr val="tx1"/>
+                </a:solidFill>
+                <a:latin typeface="+mj-lt"/>
+                <a:ea typeface="Franklin Gothic"/>
+                <a:cs typeface="Franklin Gothic"/>
+              </a:rPr>
+              <a:t>ormulations</a:t>
+            </a:r>
+            <a:r>
+              <a:rPr lang="en-US" sz="1400" dirty="0">
+                <a:solidFill>
+                  <a:schemeClr val="tx1"/>
+                </a:solidFill>
+                <a:latin typeface="+mj-lt"/>
+                <a:ea typeface="Franklin Gothic"/>
+                <a:cs typeface="Franklin Gothic"/>
+              </a:rPr>
+              <a:t> based on symptoms using a vast </a:t>
+            </a:r>
+            <a:r>
+              <a:rPr lang="en-US" sz="1400" b="1" dirty="0">
+                <a:solidFill>
+                  <a:schemeClr val="tx1"/>
+                </a:solidFill>
+                <a:latin typeface="+mj-lt"/>
+                <a:ea typeface="Franklin Gothic"/>
+                <a:cs typeface="Franklin Gothic"/>
+              </a:rPr>
+              <a:t>Ayurvedic database</a:t>
+            </a:r>
+            <a:r>
+              <a:rPr lang="en-US" sz="1400" dirty="0">
+                <a:solidFill>
+                  <a:schemeClr val="tx1"/>
+                </a:solidFill>
+                <a:latin typeface="+mj-lt"/>
+                <a:ea typeface="Franklin Gothic"/>
+                <a:cs typeface="Franklin Gothic"/>
+              </a:rPr>
+              <a:t>.</a:t>
+            </a:r>
+          </a:p>
+          <a:p>
+            <a:pPr marL="285750" indent="-285750" algn="just">
+              <a:spcBef>
+                <a:spcPts val="0"/>
+              </a:spcBef>
+              <a:buFont typeface="Wingdings"/>
+              <a:buChar char="Ø"/>
+            </a:pPr>
+            <a:endParaRPr lang="en-US" sz="1400" dirty="0">
+              <a:solidFill>
+                <a:schemeClr val="tx1"/>
+              </a:solidFill>
+              <a:latin typeface="+mj-lt"/>
+              <a:ea typeface="Franklin Gothic"/>
+              <a:cs typeface="Franklin Gothic"/>
+            </a:endParaRPr>
+          </a:p>
+          <a:p>
+            <a:pPr marL="285750" indent="-285750" algn="just">
+              <a:spcBef>
+                <a:spcPts val="0"/>
+              </a:spcBef>
+              <a:buFont typeface="Wingdings"/>
+              <a:buChar char="Ø"/>
+            </a:pPr>
+            <a:r>
+              <a:rPr lang="en-US" sz="1400" dirty="0">
+                <a:solidFill>
+                  <a:schemeClr val="tx1"/>
+                </a:solidFill>
+                <a:latin typeface="+mj-lt"/>
+                <a:ea typeface="Franklin Gothic"/>
+                <a:cs typeface="Franklin Gothic"/>
+              </a:rPr>
+              <a:t>Can maintain complete </a:t>
+            </a:r>
+            <a:r>
+              <a:rPr lang="en-US" sz="1400" b="1" dirty="0">
+                <a:solidFill>
+                  <a:schemeClr val="tx1"/>
+                </a:solidFill>
+                <a:latin typeface="+mj-lt"/>
+                <a:ea typeface="Franklin Gothic"/>
+                <a:cs typeface="Franklin Gothic"/>
+              </a:rPr>
+              <a:t>data control</a:t>
+            </a:r>
+            <a:r>
+              <a:rPr lang="en-US" sz="1400" dirty="0">
+                <a:solidFill>
+                  <a:schemeClr val="tx1"/>
+                </a:solidFill>
+                <a:latin typeface="+mj-lt"/>
+                <a:ea typeface="Franklin Gothic"/>
+                <a:cs typeface="Franklin Gothic"/>
+              </a:rPr>
+              <a:t>, ensuring </a:t>
+            </a:r>
+            <a:r>
+              <a:rPr lang="en-US" sz="1400" b="1" dirty="0">
+                <a:solidFill>
+                  <a:schemeClr val="tx1"/>
+                </a:solidFill>
+                <a:latin typeface="+mj-lt"/>
+                <a:ea typeface="Franklin Gothic"/>
+                <a:cs typeface="Franklin Gothic"/>
+              </a:rPr>
+              <a:t>ethical</a:t>
+            </a:r>
+            <a:r>
+              <a:rPr lang="en-US" sz="1400" dirty="0">
+                <a:solidFill>
+                  <a:schemeClr val="tx1"/>
+                </a:solidFill>
+                <a:latin typeface="+mj-lt"/>
+                <a:ea typeface="Franklin Gothic"/>
+                <a:cs typeface="Franklin Gothic"/>
+              </a:rPr>
+              <a:t> and </a:t>
+            </a:r>
+            <a:r>
+              <a:rPr lang="en-US" sz="1400" b="1" dirty="0">
+                <a:solidFill>
+                  <a:schemeClr val="tx1"/>
+                </a:solidFill>
+                <a:latin typeface="+mj-lt"/>
+                <a:ea typeface="Franklin Gothic"/>
+                <a:cs typeface="Franklin Gothic"/>
+              </a:rPr>
+              <a:t>quality standards </a:t>
+            </a:r>
+            <a:r>
+              <a:rPr lang="en-US" sz="1400" dirty="0">
+                <a:solidFill>
+                  <a:schemeClr val="tx1"/>
+                </a:solidFill>
+                <a:latin typeface="+mj-lt"/>
+                <a:ea typeface="Franklin Gothic"/>
+                <a:cs typeface="Franklin Gothic"/>
+              </a:rPr>
+              <a:t>along with </a:t>
+            </a:r>
+            <a:r>
+              <a:rPr lang="en-US" sz="1400" b="1" dirty="0">
+                <a:solidFill>
+                  <a:schemeClr val="tx1"/>
+                </a:solidFill>
+                <a:latin typeface="+mj-lt"/>
+                <a:ea typeface="Franklin Gothic"/>
+                <a:cs typeface="Franklin Gothic"/>
+              </a:rPr>
+              <a:t>accuracy</a:t>
+            </a:r>
+            <a:r>
+              <a:rPr lang="en-US" sz="1400" dirty="0">
+                <a:solidFill>
+                  <a:schemeClr val="tx1"/>
+                </a:solidFill>
+                <a:latin typeface="+mj-lt"/>
+                <a:ea typeface="Franklin Gothic"/>
+                <a:cs typeface="Franklin Gothic"/>
+              </a:rPr>
+              <a:t> for chat-bot  provided information.</a:t>
+            </a:r>
+          </a:p>
+          <a:p>
+            <a:pPr marL="285750" indent="-285750" algn="just">
+              <a:spcBef>
+                <a:spcPts val="0"/>
+              </a:spcBef>
+              <a:buFont typeface="Wingdings"/>
+              <a:buChar char="Ø"/>
+            </a:pPr>
+            <a:endParaRPr lang="en-US" sz="1400" dirty="0">
+              <a:solidFill>
+                <a:schemeClr val="tx1"/>
+              </a:solidFill>
+              <a:latin typeface="+mj-lt"/>
+              <a:ea typeface="Franklin Gothic"/>
+              <a:cs typeface="Franklin Gothic"/>
+            </a:endParaRPr>
+          </a:p>
+          <a:p>
+            <a:pPr marL="285750" indent="-285750" algn="just">
+              <a:spcBef>
+                <a:spcPts val="0"/>
+              </a:spcBef>
+              <a:buFont typeface="Wingdings"/>
+              <a:buChar char="Ø"/>
+            </a:pPr>
+            <a:r>
+              <a:rPr lang="en-US" sz="1400" dirty="0">
+                <a:solidFill>
+                  <a:schemeClr val="tx1"/>
+                </a:solidFill>
+                <a:latin typeface="+mj-lt"/>
+                <a:ea typeface="Franklin Gothic"/>
+                <a:cs typeface="Franklin Gothic"/>
+              </a:rPr>
+              <a:t>The website and chatbot has </a:t>
+            </a:r>
+            <a:r>
+              <a:rPr lang="en-US" sz="1400" b="1" dirty="0">
+                <a:solidFill>
+                  <a:schemeClr val="tx1"/>
+                </a:solidFill>
+                <a:latin typeface="+mj-lt"/>
+                <a:ea typeface="Franklin Gothic"/>
+                <a:cs typeface="Franklin Gothic"/>
+              </a:rPr>
+              <a:t>multilingual support </a:t>
+            </a:r>
+            <a:r>
+              <a:rPr lang="en-US" sz="1400" dirty="0">
+                <a:solidFill>
+                  <a:schemeClr val="tx1"/>
+                </a:solidFill>
+                <a:latin typeface="+mj-lt"/>
+                <a:ea typeface="Franklin Gothic"/>
+                <a:cs typeface="Franklin Gothic"/>
+              </a:rPr>
+              <a:t>and </a:t>
+            </a:r>
+            <a:r>
+              <a:rPr lang="en-US" sz="1400" b="1" dirty="0">
+                <a:solidFill>
+                  <a:schemeClr val="tx1"/>
+                </a:solidFill>
+                <a:latin typeface="+mj-lt"/>
+                <a:ea typeface="Franklin Gothic"/>
+                <a:cs typeface="Franklin Gothic"/>
+              </a:rPr>
+              <a:t>speech input </a:t>
+            </a:r>
+            <a:r>
+              <a:rPr lang="en-US" sz="1400" dirty="0">
+                <a:solidFill>
+                  <a:schemeClr val="tx1"/>
+                </a:solidFill>
+                <a:latin typeface="+mj-lt"/>
+                <a:ea typeface="Franklin Gothic"/>
+                <a:cs typeface="Franklin Gothic"/>
+              </a:rPr>
+              <a:t>for user-preferred languages.</a:t>
+            </a:r>
+          </a:p>
+          <a:p>
+            <a:pPr marL="285750" indent="-285750" algn="just">
+              <a:spcBef>
+                <a:spcPts val="0"/>
+              </a:spcBef>
+              <a:buFont typeface="Wingdings"/>
+              <a:buChar char="Ø"/>
+            </a:pPr>
+            <a:endParaRPr lang="en-US" sz="1400" dirty="0">
+              <a:solidFill>
+                <a:schemeClr val="tx1"/>
+              </a:solidFill>
+              <a:latin typeface="+mj-lt"/>
+              <a:ea typeface="Franklin Gothic"/>
+              <a:cs typeface="Franklin Gothic"/>
+            </a:endParaRPr>
+          </a:p>
+          <a:p>
+            <a:pPr marL="285750" indent="-285750" algn="just">
+              <a:spcBef>
+                <a:spcPts val="0"/>
+              </a:spcBef>
+              <a:buFont typeface="Wingdings"/>
+              <a:buChar char="Ø"/>
+            </a:pPr>
+            <a:r>
+              <a:rPr lang="en-US" sz="1400" dirty="0">
+                <a:solidFill>
+                  <a:schemeClr val="tx1"/>
+                </a:solidFill>
+                <a:latin typeface="+mj-lt"/>
+                <a:ea typeface="Franklin Gothic"/>
+                <a:cs typeface="Franklin Gothic"/>
+              </a:rPr>
+              <a:t>Integration with the </a:t>
+            </a:r>
+            <a:r>
+              <a:rPr lang="en-US" sz="1400" b="1" dirty="0">
+                <a:solidFill>
+                  <a:schemeClr val="tx1"/>
+                </a:solidFill>
+                <a:latin typeface="+mj-lt"/>
+                <a:ea typeface="Franklin Gothic"/>
+                <a:cs typeface="Franklin Gothic"/>
+              </a:rPr>
+              <a:t>DevRishi website</a:t>
+            </a:r>
+            <a:r>
+              <a:rPr lang="en-US" sz="1400" dirty="0">
+                <a:solidFill>
+                  <a:schemeClr val="tx1"/>
+                </a:solidFill>
+                <a:latin typeface="+mj-lt"/>
+                <a:ea typeface="Franklin Gothic"/>
+                <a:cs typeface="Franklin Gothic"/>
+              </a:rPr>
+              <a:t>, offering comprehensive Ayurvedic medicine information divided into </a:t>
+            </a:r>
+            <a:r>
+              <a:rPr lang="en-US" sz="1400" b="1" dirty="0">
+                <a:solidFill>
+                  <a:schemeClr val="tx1"/>
+                </a:solidFill>
+                <a:latin typeface="+mj-lt"/>
+                <a:ea typeface="Franklin Gothic"/>
+                <a:cs typeface="Franklin Gothic"/>
+              </a:rPr>
+              <a:t>sections </a:t>
+            </a:r>
+            <a:r>
+              <a:rPr lang="en-US" sz="1400" dirty="0">
+                <a:solidFill>
+                  <a:schemeClr val="tx1"/>
+                </a:solidFill>
+                <a:latin typeface="+mj-lt"/>
+                <a:ea typeface="Franklin Gothic"/>
+                <a:cs typeface="Franklin Gothic"/>
+              </a:rPr>
+              <a:t>and </a:t>
+            </a:r>
+            <a:r>
+              <a:rPr lang="en-US" sz="1400" b="1" dirty="0">
+                <a:solidFill>
+                  <a:schemeClr val="tx1"/>
+                </a:solidFill>
+                <a:latin typeface="+mj-lt"/>
+                <a:ea typeface="Franklin Gothic"/>
+                <a:cs typeface="Franklin Gothic"/>
+              </a:rPr>
+              <a:t>sub-sections</a:t>
+            </a:r>
+            <a:r>
+              <a:rPr lang="en-US" sz="1400" dirty="0">
+                <a:solidFill>
+                  <a:schemeClr val="tx1"/>
+                </a:solidFill>
+                <a:latin typeface="+mj-lt"/>
+                <a:ea typeface="Franklin Gothic"/>
+                <a:cs typeface="Franklin Gothic"/>
+              </a:rPr>
+              <a:t>.</a:t>
+            </a:r>
+          </a:p>
+          <a:p>
+            <a:pPr marL="285750" indent="-285750" algn="just">
+              <a:spcBef>
+                <a:spcPts val="0"/>
+              </a:spcBef>
+              <a:buFont typeface="Wingdings"/>
+              <a:buChar char="Ø"/>
+            </a:pPr>
+            <a:endParaRPr lang="en-US" sz="1400" dirty="0">
+              <a:solidFill>
+                <a:schemeClr val="tx1"/>
+              </a:solidFill>
+              <a:latin typeface="+mj-lt"/>
+              <a:ea typeface="Franklin Gothic"/>
+              <a:cs typeface="Franklin Gothic"/>
+            </a:endParaRPr>
+          </a:p>
+          <a:p>
+            <a:pPr marL="285750" indent="-285750" algn="just">
+              <a:spcBef>
+                <a:spcPts val="0"/>
+              </a:spcBef>
+              <a:buFont typeface="Wingdings"/>
+              <a:buChar char="Ø"/>
+            </a:pPr>
+            <a:r>
+              <a:rPr lang="en-US" sz="1400" dirty="0">
+                <a:solidFill>
+                  <a:schemeClr val="tx1"/>
+                </a:solidFill>
+                <a:latin typeface="+mj-lt"/>
+              </a:rPr>
+              <a:t>A </a:t>
+            </a:r>
+            <a:r>
+              <a:rPr lang="en-US" sz="1400" b="1" dirty="0">
+                <a:solidFill>
+                  <a:schemeClr val="tx1"/>
+                </a:solidFill>
+                <a:latin typeface="+mj-lt"/>
+              </a:rPr>
+              <a:t>contribution page</a:t>
+            </a:r>
+            <a:r>
+              <a:rPr lang="en-US" sz="1400" dirty="0">
+                <a:solidFill>
+                  <a:schemeClr val="tx1"/>
+                </a:solidFill>
+                <a:latin typeface="+mj-lt"/>
+              </a:rPr>
+              <a:t> for students and doctors to share domain-specific knowledge. Important </a:t>
+            </a:r>
+            <a:r>
+              <a:rPr lang="en-US" sz="1400" b="1" dirty="0">
+                <a:solidFill>
+                  <a:schemeClr val="tx1"/>
+                </a:solidFill>
+                <a:latin typeface="+mj-lt"/>
+              </a:rPr>
+              <a:t>E-books</a:t>
+            </a:r>
+            <a:r>
+              <a:rPr lang="en-US" sz="1400" dirty="0">
+                <a:solidFill>
+                  <a:schemeClr val="tx1"/>
+                </a:solidFill>
+                <a:latin typeface="+mj-lt"/>
+              </a:rPr>
+              <a:t>, </a:t>
+            </a:r>
+            <a:r>
+              <a:rPr lang="en-US" sz="1400" b="1" dirty="0">
+                <a:solidFill>
+                  <a:schemeClr val="tx1"/>
+                </a:solidFill>
+                <a:latin typeface="+mj-lt"/>
+              </a:rPr>
+              <a:t>PDFs</a:t>
+            </a:r>
+            <a:r>
+              <a:rPr lang="en-US" sz="1400" dirty="0">
+                <a:solidFill>
+                  <a:schemeClr val="tx1"/>
+                </a:solidFill>
+                <a:latin typeface="+mj-lt"/>
+              </a:rPr>
+              <a:t>, and </a:t>
+            </a:r>
+            <a:r>
+              <a:rPr lang="en-US" sz="1400" b="1" dirty="0">
+                <a:solidFill>
+                  <a:schemeClr val="tx1"/>
+                </a:solidFill>
+                <a:latin typeface="+mj-lt"/>
+              </a:rPr>
+              <a:t>online tutorials </a:t>
+            </a:r>
+            <a:r>
+              <a:rPr lang="en-US" sz="1400" dirty="0">
+                <a:solidFill>
+                  <a:schemeClr val="tx1"/>
+                </a:solidFill>
+                <a:latin typeface="+mj-lt"/>
+              </a:rPr>
+              <a:t>will be made available on the website.</a:t>
+            </a:r>
+          </a:p>
+          <a:p>
+            <a:pPr marL="0" indent="0" algn="just">
+              <a:spcBef>
+                <a:spcPts val="0"/>
+              </a:spcBef>
+            </a:pPr>
+            <a:endParaRPr lang="en-US" sz="1400" dirty="0">
+              <a:solidFill>
+                <a:schemeClr val="tx1"/>
+              </a:solidFill>
+              <a:latin typeface="+mj-lt"/>
+            </a:endParaRPr>
+          </a:p>
+          <a:p>
+            <a:pPr marL="285750" indent="-285750" algn="just">
+              <a:spcBef>
+                <a:spcPts val="0"/>
+              </a:spcBef>
+              <a:buFont typeface="Wingdings"/>
+              <a:buChar char="Ø"/>
+            </a:pPr>
+            <a:r>
+              <a:rPr lang="en-US" sz="1400" dirty="0">
+                <a:solidFill>
+                  <a:schemeClr val="tx1"/>
+                </a:solidFill>
+                <a:latin typeface="+mj-lt"/>
+              </a:rPr>
+              <a:t>Future </a:t>
+            </a:r>
+            <a:r>
+              <a:rPr lang="en-US" sz="1400" b="1" dirty="0">
+                <a:solidFill>
+                  <a:schemeClr val="tx1"/>
+                </a:solidFill>
+                <a:latin typeface="+mj-lt"/>
+              </a:rPr>
+              <a:t>integration</a:t>
+            </a:r>
+            <a:r>
+              <a:rPr lang="en-US" sz="1400" dirty="0">
+                <a:solidFill>
+                  <a:schemeClr val="tx1"/>
+                </a:solidFill>
+                <a:latin typeface="+mj-lt"/>
+              </a:rPr>
+              <a:t> of </a:t>
+            </a:r>
+            <a:r>
+              <a:rPr lang="en-US" sz="1400" b="1" dirty="0">
+                <a:solidFill>
+                  <a:schemeClr val="tx1"/>
+                </a:solidFill>
+                <a:latin typeface="+mj-lt"/>
+              </a:rPr>
+              <a:t>Augmented Reality(AR) </a:t>
+            </a:r>
+            <a:r>
+              <a:rPr lang="en-US" sz="1400" dirty="0">
+                <a:solidFill>
+                  <a:schemeClr val="tx1"/>
+                </a:solidFill>
+                <a:latin typeface="+mj-lt"/>
+              </a:rPr>
+              <a:t>and </a:t>
+            </a:r>
+            <a:r>
+              <a:rPr lang="en-US" sz="1400" b="1" dirty="0">
+                <a:solidFill>
+                  <a:schemeClr val="tx1"/>
+                </a:solidFill>
+                <a:latin typeface="+mj-lt"/>
+              </a:rPr>
+              <a:t>Virtual Reality(VR) </a:t>
+            </a:r>
+            <a:r>
+              <a:rPr lang="en-US" sz="1400" dirty="0">
+                <a:solidFill>
+                  <a:schemeClr val="tx1"/>
+                </a:solidFill>
+                <a:latin typeface="+mj-lt"/>
+              </a:rPr>
+              <a:t>for interaction of Ayurvedic practitioners with Sushruta chatbot.</a:t>
+            </a:r>
+          </a:p>
+          <a:p>
+            <a:pPr marL="285750" indent="-285750" algn="just">
+              <a:spcBef>
+                <a:spcPts val="0"/>
+              </a:spcBef>
+              <a:buFont typeface="Wingdings"/>
+              <a:buChar char="Ø"/>
+            </a:pPr>
+            <a:endParaRPr lang="en-US" sz="1400" dirty="0">
+              <a:solidFill>
+                <a:schemeClr val="tx1"/>
+              </a:solidFill>
+              <a:latin typeface="+mj-lt"/>
+            </a:endParaRPr>
+          </a:p>
+          <a:p>
+            <a:pPr marL="285750" indent="-285750" algn="just">
+              <a:spcBef>
+                <a:spcPts val="0"/>
+              </a:spcBef>
+              <a:buFont typeface="Wingdings"/>
+              <a:buChar char="Ø"/>
+            </a:pPr>
+            <a:r>
+              <a:rPr lang="en-US" sz="1400" dirty="0">
+                <a:solidFill>
+                  <a:schemeClr val="tx1"/>
+                </a:solidFill>
+                <a:latin typeface="+mj-lt"/>
+              </a:rPr>
+              <a:t>Website includes </a:t>
+            </a:r>
+            <a:r>
+              <a:rPr lang="en-US" sz="1400" b="1" dirty="0">
+                <a:solidFill>
+                  <a:schemeClr val="tx1"/>
+                </a:solidFill>
+                <a:latin typeface="+mj-lt"/>
+              </a:rPr>
+              <a:t>Discussion Forums </a:t>
+            </a:r>
+            <a:r>
+              <a:rPr lang="en-US" sz="1400" dirty="0">
+                <a:solidFill>
+                  <a:schemeClr val="tx1"/>
+                </a:solidFill>
+                <a:latin typeface="+mj-lt"/>
+              </a:rPr>
+              <a:t>for </a:t>
+            </a:r>
+            <a:r>
+              <a:rPr lang="en-US" sz="1400" b="1" dirty="0">
+                <a:solidFill>
+                  <a:schemeClr val="tx1"/>
+                </a:solidFill>
+                <a:latin typeface="+mj-lt"/>
+              </a:rPr>
+              <a:t>community interaction </a:t>
+            </a:r>
+            <a:r>
+              <a:rPr lang="en-US" sz="1400" dirty="0">
+                <a:solidFill>
+                  <a:schemeClr val="tx1"/>
+                </a:solidFill>
+                <a:latin typeface="+mj-lt"/>
+              </a:rPr>
+              <a:t>of like minded individuals.</a:t>
+            </a:r>
+          </a:p>
+          <a:p>
+            <a:pPr marL="0" indent="0">
+              <a:spcBef>
+                <a:spcPts val="0"/>
+              </a:spcBef>
+            </a:pPr>
+            <a:endParaRPr lang="en-US" sz="1400" dirty="0">
+              <a:latin typeface="+mj-lt"/>
+            </a:endParaRPr>
+          </a:p>
+          <a:p>
+            <a:pPr marL="285750" indent="-285750">
+              <a:spcBef>
+                <a:spcPts val="0"/>
+              </a:spcBef>
+              <a:buFont typeface="Noto Sans Symbols"/>
+              <a:buChar char="⮚"/>
+            </a:pPr>
+            <a:endParaRPr lang="en-US" sz="1300" dirty="0">
+              <a:solidFill>
+                <a:schemeClr val="tx1"/>
+              </a:solidFill>
+              <a:latin typeface="+mj-lt"/>
+            </a:endParaRPr>
+          </a:p>
+        </p:txBody>
+      </p:sp>
     </p:spTree>
   </p:cSld>
   <p:clrMapOvr>
@@ -30030,7 +30009,7 @@
         </p:nvSpPr>
         <p:spPr>
           <a:xfrm>
-            <a:off x="401233" y="949707"/>
+            <a:off x="329533" y="547721"/>
             <a:ext cx="5780809" cy="610863"/>
           </a:xfrm>
           <a:prstGeom prst="rect">
@@ -30084,7 +30063,7 @@
         </p:nvSpPr>
         <p:spPr>
           <a:xfrm>
-            <a:off x="786024" y="1999711"/>
+            <a:off x="329533" y="1481070"/>
             <a:ext cx="4838700" cy="315915"/>
           </a:xfrm>
           <a:prstGeom prst="rect">
@@ -30137,8 +30116,8 @@
         </p:nvSpPr>
         <p:spPr>
           <a:xfrm>
-            <a:off x="401232" y="2401890"/>
-            <a:ext cx="5882619" cy="4328786"/>
+            <a:off x="310682" y="2181885"/>
+            <a:ext cx="5973169" cy="4548791"/>
           </a:xfrm>
           <a:prstGeom prst="rect">
             <a:avLst/>
@@ -30160,7 +30139,7 @@
           </a:bodyPr>
           <a:lstStyle/>
           <a:p>
-            <a:pPr marL="285750" indent="-285750">
+            <a:pPr marL="285750" indent="-285750" algn="just">
               <a:spcBef>
                 <a:spcPts val="0"/>
               </a:spcBef>
@@ -30168,98 +30147,76 @@
               <a:buChar char="⮚"/>
             </a:pPr>
             <a:r>
-              <a:rPr lang="en-US" sz="1300" dirty="0">
+              <a:rPr lang="en-US" sz="1400" dirty="0">
                 <a:solidFill>
                   <a:schemeClr val="tx1"/>
                 </a:solidFill>
                 <a:latin typeface="+mj-lt"/>
               </a:rPr>
-              <a:t>Visit DevRishi's website, ask your health questions easily, and our </a:t>
+              <a:t>Visit DevRishi's website, ask questions, and get tailored </a:t>
             </a:r>
             <a:r>
-              <a:rPr lang="en-US" sz="1300" b="1" dirty="0">
+              <a:rPr lang="en-US" sz="1400" b="1" dirty="0">
                 <a:solidFill>
                   <a:schemeClr val="tx1"/>
                 </a:solidFill>
                 <a:latin typeface="+mj-lt"/>
               </a:rPr>
-              <a:t>AI chatbot </a:t>
+              <a:t>Ayurvedic guidance</a:t>
             </a:r>
             <a:r>
-              <a:rPr lang="en-US" sz="1300" dirty="0">
+              <a:rPr lang="en-US" sz="1400" dirty="0">
                 <a:solidFill>
                   <a:schemeClr val="tx1"/>
                 </a:solidFill>
                 <a:latin typeface="+mj-lt"/>
               </a:rPr>
-              <a:t>will give you personalized Ayurvedic advice based on your needs and </a:t>
+              <a:t> from our AI chatbot. Receive </a:t>
             </a:r>
             <a:r>
-              <a:rPr lang="en-US" sz="1300" b="1" dirty="0">
+              <a:rPr lang="en-US" sz="1400" b="1" dirty="0">
                 <a:solidFill>
                   <a:schemeClr val="tx1"/>
                 </a:solidFill>
                 <a:latin typeface="+mj-lt"/>
               </a:rPr>
-              <a:t>Ayurvedic knowledge. </a:t>
+              <a:t>dietary recommendations</a:t>
             </a:r>
             <a:r>
-              <a:rPr lang="en-US" sz="1300" dirty="0">
+              <a:rPr lang="en-US" sz="1400" dirty="0">
+                <a:solidFill>
+                  <a:schemeClr val="tx1"/>
+                </a:solidFill>
                 <a:latin typeface="+mj-lt"/>
               </a:rPr>
-              <a:t>It will also </a:t>
+              <a:t> and specific remedies for various </a:t>
             </a:r>
             <a:r>
-              <a:rPr lang="en-US" sz="1300" dirty="0">
-                <a:solidFill>
-                  <a:schemeClr val="dk1"/>
+              <a:rPr lang="en-US" sz="1400" b="1" dirty="0">
+                <a:solidFill>
+                  <a:schemeClr val="tx1"/>
                 </a:solidFill>
                 <a:latin typeface="+mj-lt"/>
-                <a:sym typeface="Libre Franklin"/>
               </a:rPr>
-              <a:t>offer specific suggestions for Ayurvedic recipes to enhance your </a:t>
+              <a:t>health concerns</a:t>
             </a:r>
             <a:r>
-              <a:rPr lang="en-US" sz="1300" b="1" dirty="0">
-                <a:solidFill>
-                  <a:schemeClr val="dk1"/>
+              <a:rPr lang="en-US" sz="1400" dirty="0">
+                <a:solidFill>
+                  <a:schemeClr val="tx1"/>
                 </a:solidFill>
                 <a:latin typeface="+mj-lt"/>
-                <a:sym typeface="Libre Franklin"/>
-              </a:rPr>
-              <a:t>balanced diet </a:t>
-            </a:r>
-            <a:r>
-              <a:rPr lang="en-US" sz="1300" dirty="0">
-                <a:solidFill>
-                  <a:schemeClr val="dk1"/>
-                </a:solidFill>
-                <a:latin typeface="+mj-lt"/>
-                <a:sym typeface="Libre Franklin"/>
-              </a:rPr>
-              <a:t>and well-being but also    provides recommendations for </a:t>
-            </a:r>
-            <a:r>
-              <a:rPr lang="en-US" sz="1300" b="1" dirty="0">
-                <a:solidFill>
-                  <a:schemeClr val="dk1"/>
-                </a:solidFill>
-                <a:latin typeface="+mj-lt"/>
-                <a:sym typeface="Libre Franklin"/>
-              </a:rPr>
-              <a:t>specific ailments</a:t>
-            </a:r>
-            <a:r>
-              <a:rPr lang="en-US" sz="1300" dirty="0">
-                <a:solidFill>
-                  <a:schemeClr val="dk1"/>
-                </a:solidFill>
-                <a:latin typeface="+mj-lt"/>
-                <a:sym typeface="Libre Franklin"/>
               </a:rPr>
               <a:t>.</a:t>
             </a:r>
-            <a:endParaRPr lang="en-US" sz="1300" dirty="0">
+          </a:p>
+          <a:p>
+            <a:pPr marL="0" indent="0" algn="just">
+              <a:spcBef>
+                <a:spcPts val="0"/>
+              </a:spcBef>
+            </a:pPr>
+            <a:endParaRPr lang="en-US" sz="1400" dirty="0">
               <a:solidFill>
                 <a:schemeClr val="tx1"/>
               </a:solidFill>
@@ -30267,7 +30224,7 @@
             </a:endParaRPr>
           </a:p>
           <a:p>
-            <a:pPr marL="285750" indent="-285750">
+            <a:pPr marL="285750" indent="-285750" algn="just">
               <a:spcBef>
                 <a:spcPts val="0"/>
               </a:spcBef>
@@ -30275,222 +30232,42 @@
               <a:buChar char="⮚"/>
             </a:pPr>
             <a:r>
-              <a:rPr lang="en-US" sz="1300" b="1" dirty="0" err="1">
+              <a:rPr lang="en-US" sz="1400" dirty="0">
                 <a:solidFill>
                   <a:schemeClr val="tx1"/>
                 </a:solidFill>
                 <a:latin typeface="+mj-lt"/>
               </a:rPr>
-              <a:t>DevRishi</a:t>
+              <a:t>DevRishi provides reliable </a:t>
             </a:r>
             <a:r>
-              <a:rPr lang="en-US" sz="1300" dirty="0">
+              <a:rPr lang="en-US" sz="1400" b="1" dirty="0">
                 <a:solidFill>
                   <a:schemeClr val="tx1"/>
                 </a:solidFill>
                 <a:latin typeface="+mj-lt"/>
               </a:rPr>
-              <a:t> prescribe </a:t>
+              <a:t>ayurvedic formulations </a:t>
             </a:r>
             <a:r>
-              <a:rPr lang="en-US" sz="1300" b="1" dirty="0">
+              <a:rPr lang="en-US" sz="1400" dirty="0">
                 <a:solidFill>
                   <a:schemeClr val="tx1"/>
                 </a:solidFill>
                 <a:latin typeface="+mj-lt"/>
               </a:rPr>
-              <a:t>medicines</a:t>
-            </a:r>
-            <a:r>
-              <a:rPr lang="en-US" sz="1300" dirty="0">
-                <a:solidFill>
-                  <a:schemeClr val="tx1"/>
-                </a:solidFill>
-                <a:latin typeface="+mj-lt"/>
-              </a:rPr>
-              <a:t> and its </a:t>
-            </a:r>
-            <a:r>
-              <a:rPr lang="en-US" sz="1300" b="1" dirty="0">
-                <a:solidFill>
-                  <a:schemeClr val="tx1"/>
-                </a:solidFill>
-                <a:latin typeface="+mj-lt"/>
-              </a:rPr>
-              <a:t>formulations</a:t>
-            </a:r>
-            <a:r>
-              <a:rPr lang="en-US" sz="1300" dirty="0">
-                <a:solidFill>
-                  <a:schemeClr val="tx1"/>
-                </a:solidFill>
-                <a:latin typeface="+mj-lt"/>
-              </a:rPr>
-              <a:t> backed by reliable Ayurvedic data, guided by AI and trained datasets. This ensures prescriptions are based on trusted Ayurvedic knowledge.</a:t>
+              <a:t>based on AI and trustworthy datasets according to the person.</a:t>
             </a:r>
           </a:p>
           <a:p>
-            <a:pPr marL="285750" indent="-285750">
+            <a:pPr marL="285750" indent="-285750" algn="just">
               <a:spcBef>
                 <a:spcPts val="0"/>
               </a:spcBef>
               <a:buFont typeface="Noto Sans Symbols"/>
               <a:buChar char="⮚"/>
             </a:pPr>
-            <a:r>
-              <a:rPr lang="en-US" sz="1300" dirty="0">
-                <a:solidFill>
-                  <a:schemeClr val="dk1"/>
-                </a:solidFill>
-                <a:latin typeface="+mj-lt"/>
-              </a:rPr>
-              <a:t>Easily </a:t>
-            </a:r>
-            <a:r>
-              <a:rPr lang="en-US" sz="1300" b="1" dirty="0">
-                <a:solidFill>
-                  <a:schemeClr val="dk1"/>
-                </a:solidFill>
-                <a:latin typeface="+mj-lt"/>
-              </a:rPr>
-              <a:t>create an account</a:t>
-            </a:r>
-            <a:r>
-              <a:rPr lang="en-US" sz="1300" dirty="0">
-                <a:solidFill>
-                  <a:schemeClr val="dk1"/>
-                </a:solidFill>
-                <a:latin typeface="+mj-lt"/>
-              </a:rPr>
-              <a:t>, enabling them to seamlessly </a:t>
-            </a:r>
-            <a:r>
-              <a:rPr lang="en-US" sz="1300" b="1" dirty="0">
-                <a:solidFill>
-                  <a:schemeClr val="dk1"/>
-                </a:solidFill>
-                <a:latin typeface="+mj-lt"/>
-              </a:rPr>
-              <a:t>resume</a:t>
-            </a:r>
-            <a:r>
-              <a:rPr lang="en-US" sz="1300" dirty="0">
-                <a:solidFill>
-                  <a:schemeClr val="dk1"/>
-                </a:solidFill>
-                <a:latin typeface="+mj-lt"/>
-              </a:rPr>
-              <a:t> their </a:t>
-            </a:r>
-            <a:r>
-              <a:rPr lang="en-US" sz="1300" b="1" dirty="0">
-                <a:solidFill>
-                  <a:schemeClr val="dk1"/>
-                </a:solidFill>
-                <a:latin typeface="+mj-lt"/>
-              </a:rPr>
-              <a:t>studies</a:t>
-            </a:r>
-            <a:r>
-              <a:rPr lang="en-US" sz="1300" dirty="0">
-                <a:solidFill>
-                  <a:schemeClr val="dk1"/>
-                </a:solidFill>
-                <a:latin typeface="+mj-lt"/>
-              </a:rPr>
-              <a:t> from where they left off. All their valuable data is securely saved under their account name.</a:t>
-            </a:r>
-          </a:p>
-          <a:p>
-            <a:pPr marL="285750" indent="-285750">
-              <a:spcBef>
-                <a:spcPts val="0"/>
-              </a:spcBef>
-              <a:buFont typeface="Noto Sans Symbols"/>
-              <a:buChar char="⮚"/>
-            </a:pPr>
-            <a:r>
-              <a:rPr lang="en-US" sz="1300" dirty="0">
-                <a:solidFill>
-                  <a:schemeClr val="dk1"/>
-                </a:solidFill>
-                <a:latin typeface="+mj-lt"/>
-              </a:rPr>
-              <a:t>A </a:t>
-            </a:r>
-            <a:r>
-              <a:rPr lang="en-US" sz="1300" b="1" dirty="0">
-                <a:solidFill>
-                  <a:schemeClr val="dk1"/>
-                </a:solidFill>
-                <a:latin typeface="+mj-lt"/>
-              </a:rPr>
-              <a:t>dedicated page</a:t>
-            </a:r>
-            <a:r>
-              <a:rPr lang="en-US" sz="1300" dirty="0">
-                <a:solidFill>
-                  <a:schemeClr val="dk1"/>
-                </a:solidFill>
-                <a:latin typeface="+mj-lt"/>
-              </a:rPr>
-              <a:t> for </a:t>
-            </a:r>
-            <a:r>
-              <a:rPr lang="en-US" sz="1300" b="1" dirty="0">
-                <a:solidFill>
-                  <a:schemeClr val="dk1"/>
-                </a:solidFill>
-                <a:latin typeface="+mj-lt"/>
-              </a:rPr>
-              <a:t>practitioners</a:t>
-            </a:r>
-            <a:r>
-              <a:rPr lang="en-US" sz="1300" dirty="0">
-                <a:solidFill>
-                  <a:schemeClr val="dk1"/>
-                </a:solidFill>
-                <a:latin typeface="+mj-lt"/>
-              </a:rPr>
-              <a:t> and </a:t>
-            </a:r>
-            <a:r>
-              <a:rPr lang="en-US" sz="1300" b="1" dirty="0">
-                <a:solidFill>
-                  <a:schemeClr val="dk1"/>
-                </a:solidFill>
-                <a:latin typeface="+mj-lt"/>
-              </a:rPr>
-              <a:t>students</a:t>
-            </a:r>
-            <a:r>
-              <a:rPr lang="en-US" sz="1300" dirty="0">
-                <a:solidFill>
-                  <a:schemeClr val="dk1"/>
-                </a:solidFill>
-                <a:latin typeface="+mj-lt"/>
-              </a:rPr>
-              <a:t> to generously share their knowledge, contributing to the </a:t>
-            </a:r>
-            <a:r>
-              <a:rPr lang="en-US" sz="1300" b="1" dirty="0">
-                <a:solidFill>
-                  <a:schemeClr val="dk1"/>
-                </a:solidFill>
-                <a:latin typeface="+mj-lt"/>
-              </a:rPr>
-              <a:t>collective knowledge</a:t>
-            </a:r>
-            <a:r>
-              <a:rPr lang="en-US" sz="1300" dirty="0">
-                <a:solidFill>
-                  <a:schemeClr val="dk1"/>
-                </a:solidFill>
-                <a:latin typeface="+mj-lt"/>
-              </a:rPr>
-              <a:t> that enriches our website and also increase the database.</a:t>
-            </a:r>
-            <a:endParaRPr lang="en-US" sz="1300" dirty="0">
+            <a:endParaRPr lang="en-US" sz="1400" dirty="0">
               <a:solidFill>
                 <a:schemeClr val="tx1"/>
               </a:solidFill>
@@ -30498,7 +30275,143 @@
             </a:endParaRPr>
           </a:p>
           <a:p>
-            <a:pPr marL="285750" indent="-285750">
+            <a:pPr marL="285750" marR="0" lvl="0" indent="-285750" algn="just" defTabSz="914400" rtl="0" eaLnBrk="1" fontAlgn="auto" latinLnBrk="0" hangingPunct="1">
+              <a:lnSpc>
+                <a:spcPct val="90000"/>
+              </a:lnSpc>
+              <a:spcBef>
+                <a:spcPts val="0"/>
+              </a:spcBef>
+              <a:spcAft>
+                <a:spcPts val="0"/>
+              </a:spcAft>
+              <a:buClr>
+                <a:srgbClr val="000000"/>
+              </a:buClr>
+              <a:buSzPts val="1600"/>
+              <a:buFont typeface="Noto Sans Symbols"/>
+              <a:buChar char="⮚"/>
+              <a:tabLst/>
+              <a:defRPr/>
+            </a:pPr>
+            <a:r>
+              <a:rPr kumimoji="0" lang="en-US" sz="1400" b="0" i="0" u="none" strike="noStrike" kern="0" cap="none" spc="0" normalizeH="0" baseline="0" noProof="0" dirty="0">
+                <a:ln>
+                  <a:noFill/>
+                </a:ln>
+                <a:solidFill>
+                  <a:srgbClr val="000000"/>
+                </a:solidFill>
+                <a:effectLst/>
+                <a:uLnTx/>
+                <a:uFillTx/>
+                <a:latin typeface="Arial"/>
+                <a:cs typeface="Arial"/>
+                <a:sym typeface="Arial"/>
+              </a:rPr>
+              <a:t>Access to vast repository of </a:t>
+            </a:r>
+            <a:r>
+              <a:rPr kumimoji="0" lang="en-US" sz="1400" b="1" i="0" u="none" strike="noStrike" kern="0" cap="none" spc="0" normalizeH="0" baseline="0" noProof="0" dirty="0">
+                <a:ln>
+                  <a:noFill/>
+                </a:ln>
+                <a:solidFill>
+                  <a:srgbClr val="000000"/>
+                </a:solidFill>
+                <a:effectLst/>
+                <a:uLnTx/>
+                <a:uFillTx/>
+                <a:latin typeface="Arial"/>
+                <a:cs typeface="Arial"/>
+                <a:sym typeface="Arial"/>
+              </a:rPr>
+              <a:t>Ayurvedic literature</a:t>
+            </a:r>
+            <a:r>
+              <a:rPr kumimoji="0" lang="en-US" sz="1400" b="0" i="0" u="none" strike="noStrike" kern="0" cap="none" spc="0" normalizeH="0" baseline="0" noProof="0" dirty="0">
+                <a:ln>
+                  <a:noFill/>
+                </a:ln>
+                <a:solidFill>
+                  <a:srgbClr val="000000"/>
+                </a:solidFill>
+                <a:effectLst/>
+                <a:uLnTx/>
+                <a:uFillTx/>
+                <a:latin typeface="Arial"/>
+                <a:cs typeface="Arial"/>
+                <a:sym typeface="Arial"/>
+              </a:rPr>
+              <a:t>, </a:t>
+            </a:r>
+            <a:r>
+              <a:rPr kumimoji="0" lang="en-US" sz="1400" b="1" i="0" u="none" strike="noStrike" kern="0" cap="none" spc="0" normalizeH="0" baseline="0" noProof="0" dirty="0">
+                <a:ln>
+                  <a:noFill/>
+                </a:ln>
+                <a:solidFill>
+                  <a:srgbClr val="000000"/>
+                </a:solidFill>
+                <a:effectLst/>
+                <a:uLnTx/>
+                <a:uFillTx/>
+                <a:latin typeface="Arial"/>
+                <a:cs typeface="Arial"/>
+                <a:sym typeface="Arial"/>
+              </a:rPr>
+              <a:t>Research papers</a:t>
+            </a:r>
+            <a:r>
+              <a:rPr kumimoji="0" lang="en-US" sz="1400" b="0" i="0" u="none" strike="noStrike" kern="0" cap="none" spc="0" normalizeH="0" baseline="0" noProof="0" dirty="0">
+                <a:ln>
+                  <a:noFill/>
+                </a:ln>
+                <a:solidFill>
+                  <a:srgbClr val="000000"/>
+                </a:solidFill>
+                <a:effectLst/>
+                <a:uLnTx/>
+                <a:uFillTx/>
+                <a:latin typeface="Arial"/>
+                <a:cs typeface="Arial"/>
+                <a:sym typeface="Arial"/>
+              </a:rPr>
+              <a:t>, and </a:t>
+            </a:r>
+            <a:r>
+              <a:rPr kumimoji="0" lang="en-US" sz="1400" b="1" i="0" u="none" strike="noStrike" kern="0" cap="none" spc="0" normalizeH="0" baseline="0" noProof="0" dirty="0">
+                <a:ln>
+                  <a:noFill/>
+                </a:ln>
+                <a:solidFill>
+                  <a:srgbClr val="000000"/>
+                </a:solidFill>
+                <a:effectLst/>
+                <a:uLnTx/>
+                <a:uFillTx/>
+                <a:latin typeface="Arial"/>
+                <a:cs typeface="Arial"/>
+                <a:sym typeface="Arial"/>
+              </a:rPr>
+              <a:t>Educational materials.</a:t>
+            </a:r>
+          </a:p>
+          <a:p>
+            <a:pPr marL="0" indent="0" algn="just">
+              <a:spcBef>
+                <a:spcPts val="0"/>
+              </a:spcBef>
+            </a:pPr>
+            <a:endParaRPr lang="en-US" sz="1400" dirty="0">
+              <a:solidFill>
+                <a:schemeClr val="tx1"/>
+              </a:solidFill>
+              <a:latin typeface="+mj-lt"/>
+            </a:endParaRPr>
+          </a:p>
+          <a:p>
+            <a:pPr marL="285750" indent="-285750" algn="just">
               <a:spcBef>
                 <a:spcPts val="0"/>
               </a:spcBef>
@@ -30506,173 +30419,257 @@
               <a:buChar char="⮚"/>
             </a:pPr>
             <a:r>
-              <a:rPr lang="en-US" sz="1300" dirty="0">
+              <a:rPr lang="en-US" sz="1400" dirty="0">
+                <a:solidFill>
+                  <a:schemeClr val="tx1"/>
+                </a:solidFill>
                 <a:latin typeface="+mj-lt"/>
               </a:rPr>
-              <a:t>Access vast repository of </a:t>
+              <a:t>The chatbot offers free basics to attract users and </a:t>
             </a:r>
             <a:r>
-              <a:rPr lang="en-US" sz="1300" b="1" dirty="0">
+              <a:rPr lang="en-US" sz="1400" b="1" dirty="0">
+                <a:solidFill>
+                  <a:schemeClr val="tx1"/>
+                </a:solidFill>
                 <a:latin typeface="+mj-lt"/>
               </a:rPr>
-              <a:t>Ayurvedic literature</a:t>
+              <a:t>monetizes</a:t>
             </a:r>
             <a:r>
-              <a:rPr lang="en-US" sz="1300" dirty="0">
+              <a:rPr lang="en-US" sz="1400" dirty="0">
+                <a:solidFill>
+                  <a:schemeClr val="tx1"/>
+                </a:solidFill>
                 <a:latin typeface="+mj-lt"/>
               </a:rPr>
-              <a:t>, </a:t>
+              <a:t> premium features like personalized health plans and consultations following </a:t>
             </a:r>
             <a:r>
-              <a:rPr lang="en-US" sz="1300" b="1" dirty="0">
+              <a:rPr lang="en-US" sz="1400" b="1" dirty="0">
+                <a:solidFill>
+                  <a:schemeClr val="tx1"/>
+                </a:solidFill>
                 <a:latin typeface="+mj-lt"/>
               </a:rPr>
-              <a:t>Research papers</a:t>
+              <a:t>freemium model.</a:t>
+            </a:r>
+          </a:p>
+          <a:p>
+            <a:pPr marL="285750" indent="-285750" algn="just">
+              <a:spcBef>
+                <a:spcPts val="0"/>
+              </a:spcBef>
+              <a:buFont typeface="Noto Sans Symbols"/>
+              <a:buChar char="⮚"/>
+            </a:pPr>
+            <a:endParaRPr lang="en-US" sz="1400" b="1" dirty="0">
+              <a:solidFill>
+                <a:schemeClr val="tx1"/>
+              </a:solidFill>
+              <a:latin typeface="+mj-lt"/>
+            </a:endParaRPr>
+          </a:p>
+          <a:p>
+            <a:pPr marL="285750" indent="-285750" algn="just">
+              <a:spcBef>
+                <a:spcPts val="0"/>
+              </a:spcBef>
+              <a:buFont typeface="Noto Sans Symbols"/>
+              <a:buChar char="⮚"/>
+            </a:pPr>
+            <a:r>
+              <a:rPr lang="en-US" sz="1400" dirty="0">
+                <a:solidFill>
+                  <a:schemeClr val="tx1"/>
+                </a:solidFill>
+                <a:latin typeface="+mj-lt"/>
+              </a:rPr>
+              <a:t>By partnering with Ayurvedic product suppliers, the chatbot recommends herbal products and earns income through </a:t>
             </a:r>
             <a:r>
-              <a:rPr lang="en-US" sz="1300" dirty="0">
+              <a:rPr lang="en-US" sz="1400" b="1" dirty="0">
+                <a:solidFill>
+                  <a:schemeClr val="tx1"/>
+                </a:solidFill>
                 <a:latin typeface="+mj-lt"/>
               </a:rPr>
-              <a:t>, and </a:t>
+              <a:t>affiliate marketing</a:t>
             </a:r>
             <a:r>
-              <a:rPr lang="en-US" sz="1300" b="1" dirty="0">
-                <a:latin typeface="+mj-lt"/>
-              </a:rPr>
-              <a:t>Educational materials</a:t>
-            </a:r>
-            <a:r>
-              <a:rPr lang="en-US" sz="1300" dirty="0">
+              <a:rPr lang="en-US" sz="1400" dirty="0">
+                <a:solidFill>
+                  <a:schemeClr val="tx1"/>
+                </a:solidFill>
                 <a:latin typeface="+mj-lt"/>
               </a:rPr>
               <a:t>.</a:t>
             </a:r>
           </a:p>
           <a:p>
-            <a:pPr marL="285750" indent="-285750">
+            <a:pPr marL="285750" indent="-285750" algn="just">
               <a:spcBef>
                 <a:spcPts val="0"/>
               </a:spcBef>
               <a:buFont typeface="Noto Sans Symbols"/>
               <a:buChar char="⮚"/>
             </a:pPr>
+            <a:endParaRPr lang="en-US" sz="1400" b="1" dirty="0">
+              <a:solidFill>
+                <a:schemeClr val="tx1"/>
+              </a:solidFill>
+              <a:latin typeface="+mj-lt"/>
+            </a:endParaRPr>
+          </a:p>
+          <a:p>
+            <a:pPr marL="285750" marR="0" lvl="0" indent="-285750" algn="just" defTabSz="914400" rtl="0" eaLnBrk="1" fontAlgn="auto" latinLnBrk="0" hangingPunct="1">
+              <a:lnSpc>
+                <a:spcPct val="90000"/>
+              </a:lnSpc>
+              <a:spcBef>
+                <a:spcPts val="0"/>
+              </a:spcBef>
+              <a:spcAft>
+                <a:spcPts val="0"/>
+              </a:spcAft>
+              <a:buClr>
+                <a:srgbClr val="000000"/>
+              </a:buClr>
+              <a:buSzPts val="1600"/>
+              <a:buFont typeface="Noto Sans Symbols"/>
+              <a:buChar char="⮚"/>
+              <a:tabLst/>
+              <a:defRPr/>
+            </a:pPr>
             <a:r>
-              <a:rPr lang="en-US" sz="1300" dirty="0">
-                <a:latin typeface="+mj-lt"/>
+              <a:rPr kumimoji="0" lang="en-US" sz="1400" b="0" i="0" u="none" strike="noStrike" kern="0" cap="none" spc="0" normalizeH="0" baseline="0" noProof="0" dirty="0">
+                <a:ln>
+                  <a:noFill/>
+                </a:ln>
+                <a:solidFill>
+                  <a:srgbClr val="000000"/>
+                </a:solidFill>
+                <a:effectLst/>
+                <a:uLnTx/>
+                <a:uFillTx/>
+                <a:latin typeface="Arial"/>
+                <a:cs typeface="Arial"/>
+                <a:sym typeface="Arial"/>
               </a:rPr>
-              <a:t>This web app will provide essential information about Ayurvedic medicines, </a:t>
+              <a:t>The chatbot anonymizes and </a:t>
             </a:r>
             <a:r>
-              <a:rPr lang="en-US" sz="1300" b="1" dirty="0">
-                <a:latin typeface="+mj-lt"/>
+              <a:rPr kumimoji="0" lang="en-US" sz="1400" b="1" i="0" u="none" strike="noStrike" kern="0" cap="none" spc="0" normalizeH="0" baseline="0" noProof="0" dirty="0">
+                <a:ln>
+                  <a:noFill/>
+                </a:ln>
+                <a:solidFill>
+                  <a:srgbClr val="000000"/>
+                </a:solidFill>
+                <a:effectLst/>
+                <a:uLnTx/>
+                <a:uFillTx/>
+                <a:latin typeface="Arial"/>
+                <a:cs typeface="Arial"/>
+                <a:sym typeface="Arial"/>
               </a:rPr>
-              <a:t>categorizing</a:t>
+              <a:t>aggregates user data</a:t>
             </a:r>
             <a:r>
-              <a:rPr lang="en-US" sz="1300" dirty="0">
-                <a:latin typeface="+mj-lt"/>
+              <a:rPr kumimoji="0" lang="en-US" sz="1400" b="0" i="0" u="none" strike="noStrike" kern="0" cap="none" spc="0" normalizeH="0" baseline="0" noProof="0" dirty="0">
+                <a:ln>
+                  <a:noFill/>
+                </a:ln>
+                <a:solidFill>
+                  <a:srgbClr val="000000"/>
+                </a:solidFill>
+                <a:effectLst/>
+                <a:uLnTx/>
+                <a:uFillTx/>
+                <a:latin typeface="Arial"/>
+                <a:cs typeface="Arial"/>
+                <a:sym typeface="Arial"/>
               </a:rPr>
-              <a:t> them into specific sections for the convenience of students and practitioners.</a:t>
+              <a:t>, with consent, to identify </a:t>
+            </a:r>
+            <a:r>
+              <a:rPr kumimoji="0" lang="en-US" sz="1400" b="1" i="0" u="none" strike="noStrike" kern="0" cap="none" spc="0" normalizeH="0" baseline="0" noProof="0" dirty="0">
+                <a:ln>
+                  <a:noFill/>
+                </a:ln>
+                <a:solidFill>
+                  <a:srgbClr val="000000"/>
+                </a:solidFill>
+                <a:effectLst/>
+                <a:uLnTx/>
+                <a:uFillTx/>
+                <a:latin typeface="Arial"/>
+                <a:cs typeface="Arial"/>
+                <a:sym typeface="Arial"/>
+              </a:rPr>
+              <a:t>health trends</a:t>
+            </a:r>
+            <a:r>
+              <a:rPr kumimoji="0" lang="en-US" sz="1400" b="0" i="0" u="none" strike="noStrike" kern="0" cap="none" spc="0" normalizeH="0" baseline="0" noProof="0" dirty="0">
+                <a:ln>
+                  <a:noFill/>
+                </a:ln>
+                <a:solidFill>
+                  <a:srgbClr val="000000"/>
+                </a:solidFill>
+                <a:effectLst/>
+                <a:uLnTx/>
+                <a:uFillTx/>
+                <a:latin typeface="Arial"/>
+                <a:cs typeface="Arial"/>
+                <a:sym typeface="Arial"/>
+              </a:rPr>
+              <a:t>. This data can be </a:t>
+            </a:r>
+            <a:r>
+              <a:rPr kumimoji="0" lang="en-US" sz="1400" b="1" i="0" u="none" strike="noStrike" kern="0" cap="none" spc="0" normalizeH="0" baseline="0" noProof="0" dirty="0">
+                <a:ln>
+                  <a:noFill/>
+                </a:ln>
+                <a:solidFill>
+                  <a:srgbClr val="000000"/>
+                </a:solidFill>
+                <a:effectLst/>
+                <a:uLnTx/>
+                <a:uFillTx/>
+                <a:latin typeface="Arial"/>
+                <a:cs typeface="Arial"/>
+                <a:sym typeface="Arial"/>
+              </a:rPr>
+              <a:t>sold</a:t>
+            </a:r>
+            <a:r>
+              <a:rPr kumimoji="0" lang="en-US" sz="1400" b="0" i="0" u="none" strike="noStrike" kern="0" cap="none" spc="0" normalizeH="0" baseline="0" noProof="0" dirty="0">
+                <a:ln>
+                  <a:noFill/>
+                </a:ln>
+                <a:solidFill>
+                  <a:srgbClr val="000000"/>
+                </a:solidFill>
+                <a:effectLst/>
+                <a:uLnTx/>
+                <a:uFillTx/>
+                <a:latin typeface="Arial"/>
+                <a:cs typeface="Arial"/>
+                <a:sym typeface="Arial"/>
+              </a:rPr>
+              <a:t> to research institutions, Ayurvedic product firms, or pharmaceutical companies for natural remedy development.</a:t>
             </a:r>
           </a:p>
           <a:p>
-            <a:pPr marL="285750" indent="-285750">
-              <a:spcBef>
-                <a:spcPts val="0"/>
-              </a:spcBef>
-              <a:buFont typeface="Noto Sans Symbols"/>
-              <a:buChar char="⮚"/>
+            <a:pPr marL="0" indent="0" algn="just">
+              <a:spcBef>
+                <a:spcPts val="0"/>
+              </a:spcBef>
             </a:pPr>
-            <a:r>
-              <a:rPr lang="en-US" sz="1300" dirty="0">
-                <a:latin typeface="+mj-lt"/>
-              </a:rPr>
-              <a:t>Website will be integrated with a  user-friendly </a:t>
-            </a:r>
-            <a:r>
-              <a:rPr lang="en-US" sz="1300" b="1" dirty="0">
-                <a:latin typeface="+mj-lt"/>
-              </a:rPr>
-              <a:t>search bar</a:t>
-            </a:r>
-            <a:r>
-              <a:rPr lang="en-US" sz="1300" dirty="0">
-                <a:latin typeface="+mj-lt"/>
-              </a:rPr>
-              <a:t>, designed to enhance your </a:t>
-            </a:r>
-            <a:r>
-              <a:rPr lang="en-US" sz="1300" b="1" dirty="0">
-                <a:latin typeface="+mj-lt"/>
-              </a:rPr>
-              <a:t>travel experience </a:t>
-            </a:r>
-            <a:r>
-              <a:rPr lang="en-US" sz="1300" dirty="0">
-                <a:latin typeface="+mj-lt"/>
-              </a:rPr>
-              <a:t>on our website</a:t>
-            </a:r>
-            <a:r>
-              <a:rPr lang="en-US" sz="1300" dirty="0">
-                <a:latin typeface="Franklin Gothic"/>
-              </a:rPr>
-              <a:t>.</a:t>
-            </a:r>
-          </a:p>
-          <a:p>
-            <a:pPr marL="285750" indent="-285750">
-              <a:spcBef>
-                <a:spcPts val="0"/>
-              </a:spcBef>
-              <a:buFont typeface="Noto Sans Symbols"/>
-              <a:buChar char="⮚"/>
-            </a:pPr>
-            <a:r>
-              <a:rPr lang="en-US" sz="1300" dirty="0">
-                <a:solidFill>
-                  <a:schemeClr val="tx1"/>
-                </a:solidFill>
-                <a:latin typeface="+mj-lt"/>
-              </a:rPr>
-              <a:t>After </a:t>
-            </a:r>
-            <a:r>
-              <a:rPr lang="en-US" sz="1300" dirty="0" err="1">
-                <a:solidFill>
-                  <a:schemeClr val="tx1"/>
-                </a:solidFill>
-                <a:latin typeface="+mj-lt"/>
-              </a:rPr>
-              <a:t>Sushruta</a:t>
-            </a:r>
-            <a:r>
-              <a:rPr lang="en-US" sz="1300" dirty="0">
-                <a:solidFill>
-                  <a:schemeClr val="tx1"/>
-                </a:solidFill>
-                <a:latin typeface="+mj-lt"/>
-              </a:rPr>
-              <a:t> suggests the drug to the user, it will also give the necessary drug details to the user like price, nearby shop via </a:t>
-            </a:r>
-            <a:r>
-              <a:rPr lang="en-US" sz="1300" b="1" dirty="0">
-                <a:solidFill>
-                  <a:schemeClr val="tx1"/>
-                </a:solidFill>
-                <a:latin typeface="+mj-lt"/>
-              </a:rPr>
-              <a:t>GPS system</a:t>
-            </a:r>
-            <a:r>
-              <a:rPr lang="en-US" sz="1300" dirty="0">
-                <a:solidFill>
-                  <a:schemeClr val="tx1"/>
-                </a:solidFill>
-                <a:latin typeface="+mj-lt"/>
-              </a:rPr>
-              <a:t>.</a:t>
-            </a:r>
+            <a:endParaRPr lang="en-US" sz="1400" dirty="0">
+              <a:latin typeface="+mj-lt"/>
+            </a:endParaRPr>
           </a:p>
           <a:p>
             <a:pPr marL="285750" indent="-285750">
@@ -30699,7 +30696,7 @@
         </p:nvSpPr>
         <p:spPr>
           <a:xfrm>
-            <a:off x="6182042" y="127324"/>
+            <a:off x="6283851" y="547721"/>
             <a:ext cx="5143500" cy="556547"/>
           </a:xfrm>
           <a:prstGeom prst="rect">
@@ -30765,8 +30762,8 @@
         </p:nvSpPr>
         <p:spPr>
           <a:xfrm>
-            <a:off x="6283853" y="512794"/>
-            <a:ext cx="5699848" cy="4095782"/>
+            <a:off x="6283853" y="968720"/>
+            <a:ext cx="5699848" cy="5761955"/>
           </a:xfrm>
           <a:prstGeom prst="rect">
             <a:avLst/>
@@ -30788,7 +30785,7 @@
           </a:bodyPr>
           <a:lstStyle/>
           <a:p>
-            <a:pPr marL="285750" indent="-285750">
+            <a:pPr marL="285750" indent="-285750" algn="just">
               <a:lnSpc>
                 <a:spcPct val="90000"/>
               </a:lnSpc>
@@ -30800,45 +30797,181 @@
               <a:buChar char="⮚"/>
             </a:pPr>
             <a:r>
-              <a:rPr lang="en-US" sz="1300" dirty="0">
+              <a:rPr lang="en-US" sz="1400" dirty="0">
                 <a:solidFill>
                   <a:schemeClr val="dk1"/>
                 </a:solidFill>
                 <a:latin typeface="+mj-lt"/>
               </a:rPr>
-              <a:t>By selecting their preferred language, this feature transforms the website to cater to the user's linguistic preferences based on APIs like </a:t>
+              <a:t>Users can </a:t>
             </a:r>
             <a:r>
-              <a:rPr lang="en-US" sz="1300" b="1" dirty="0" err="1">
+              <a:rPr lang="en-US" sz="1400" b="1" dirty="0">
                 <a:solidFill>
                   <a:schemeClr val="dk1"/>
                 </a:solidFill>
                 <a:latin typeface="+mj-lt"/>
               </a:rPr>
-              <a:t>DeepL</a:t>
+              <a:t>create accounts</a:t>
             </a:r>
             <a:r>
-              <a:rPr lang="en-US" sz="1300" dirty="0">
+              <a:rPr lang="en-US" sz="1400" dirty="0">
                 <a:solidFill>
                   <a:schemeClr val="dk1"/>
                 </a:solidFill>
                 <a:latin typeface="+mj-lt"/>
               </a:rPr>
-              <a:t> and </a:t>
+              <a:t> to access personalized features. Manage their profiles, preferences, and security settings.</a:t>
+            </a:r>
+          </a:p>
+          <a:p>
+            <a:pPr marL="285750" indent="-285750" algn="just">
+              <a:lnSpc>
+                <a:spcPct val="90000"/>
+              </a:lnSpc>
+              <a:buClr>
+                <a:schemeClr val="dk1"/>
+              </a:buClr>
+              <a:buSzPts val="1600"/>
+              <a:buFont typeface="Noto Sans Symbols"/>
+              <a:buChar char="⮚"/>
+            </a:pPr>
+            <a:endParaRPr lang="en-US" b="1" dirty="0">
+              <a:solidFill>
+                <a:schemeClr val="dk1"/>
+              </a:solidFill>
+              <a:latin typeface="+mj-lt"/>
+            </a:endParaRPr>
+          </a:p>
+          <a:p>
+            <a:pPr marL="285750" indent="-285750" algn="just">
+              <a:lnSpc>
+                <a:spcPct val="90000"/>
+              </a:lnSpc>
+              <a:buClr>
+                <a:schemeClr val="dk1"/>
+              </a:buClr>
+              <a:buSzPts val="1600"/>
+              <a:buFont typeface="Noto Sans Symbols"/>
+              <a:buChar char="⮚"/>
+            </a:pPr>
+            <a:r>
+              <a:rPr lang="en-US" sz="1400" dirty="0">
+                <a:latin typeface="+mj-lt"/>
+              </a:rPr>
+              <a:t>Website </a:t>
             </a:r>
             <a:r>
-              <a:rPr lang="en-US" sz="1300" b="1" dirty="0">
-                <a:solidFill>
-                  <a:schemeClr val="dk1"/>
-                </a:solidFill>
+              <a:rPr lang="en-US" dirty="0">
                 <a:latin typeface="+mj-lt"/>
               </a:rPr>
-              <a:t>Google Cloud Translation</a:t>
+              <a:t>is </a:t>
             </a:r>
             <a:r>
-              <a:rPr lang="en-US" sz="1300" dirty="0">
-                <a:solidFill>
-                  <a:schemeClr val="dk1"/>
+              <a:rPr lang="en-US" sz="1400" dirty="0">
+                <a:latin typeface="+mj-lt"/>
+              </a:rPr>
+              <a:t>integrated with a  user-friendly </a:t>
+            </a:r>
+            <a:r>
+              <a:rPr lang="en-US" sz="1400" b="1" dirty="0">
+                <a:latin typeface="+mj-lt"/>
+              </a:rPr>
+              <a:t>search bar</a:t>
+            </a:r>
+            <a:r>
+              <a:rPr lang="en-US" sz="1400" dirty="0">
+                <a:latin typeface="+mj-lt"/>
+              </a:rPr>
+              <a:t>, designed to enhance your </a:t>
+            </a:r>
+            <a:r>
+              <a:rPr lang="en-US" sz="1400" b="1" dirty="0">
+                <a:latin typeface="+mj-lt"/>
+              </a:rPr>
+              <a:t>travel experience </a:t>
+            </a:r>
+            <a:r>
+              <a:rPr lang="en-US" sz="1400" dirty="0">
+                <a:latin typeface="+mj-lt"/>
+              </a:rPr>
+              <a:t>on our website</a:t>
+            </a:r>
+            <a:r>
+              <a:rPr lang="en-US" sz="1400" dirty="0">
+                <a:latin typeface="Franklin Gothic"/>
+              </a:rPr>
+              <a:t>.</a:t>
+            </a:r>
+          </a:p>
+          <a:p>
+            <a:pPr marL="285750" indent="-285750" algn="just">
+              <a:lnSpc>
+                <a:spcPct val="90000"/>
+              </a:lnSpc>
+              <a:buClr>
+                <a:schemeClr val="dk1"/>
+              </a:buClr>
+              <a:buSzPts val="1600"/>
+              <a:buFont typeface="Noto Sans Symbols"/>
+              <a:buChar char="⮚"/>
+            </a:pPr>
+            <a:endParaRPr lang="en-US" sz="1400" dirty="0">
+              <a:latin typeface="Franklin Gothic"/>
+            </a:endParaRPr>
+          </a:p>
+          <a:p>
+            <a:pPr marL="285750" indent="-285750" algn="just">
+              <a:lnSpc>
+                <a:spcPct val="90000"/>
+              </a:lnSpc>
+              <a:buClr>
+                <a:schemeClr val="dk1"/>
+              </a:buClr>
+              <a:buSzPts val="1600"/>
+              <a:buFont typeface="Noto Sans Symbols"/>
+              <a:buChar char="⮚"/>
+            </a:pPr>
+            <a:r>
+              <a:rPr lang="en-US" sz="1400" dirty="0">
+                <a:solidFill>
+                  <a:schemeClr val="tx1"/>
+                </a:solidFill>
+                <a:latin typeface="+mj-lt"/>
+              </a:rPr>
+              <a:t>After Sushruta suggests the drug to the user, it will also give the necessary drug details to the user like </a:t>
+            </a:r>
+            <a:r>
+              <a:rPr lang="en-US" sz="1400" b="1" dirty="0">
+                <a:solidFill>
+                  <a:schemeClr val="tx1"/>
+                </a:solidFill>
+                <a:latin typeface="+mj-lt"/>
+              </a:rPr>
+              <a:t>price</a:t>
+            </a:r>
+            <a:r>
+              <a:rPr lang="en-US" sz="1400" dirty="0">
+                <a:solidFill>
+                  <a:schemeClr val="tx1"/>
+                </a:solidFill>
+                <a:latin typeface="+mj-lt"/>
+              </a:rPr>
+              <a:t>, nearby manufacturer via </a:t>
+            </a:r>
+            <a:r>
+              <a:rPr lang="en-US" sz="1400" b="1" dirty="0">
+                <a:solidFill>
+                  <a:schemeClr val="tx1"/>
+                </a:solidFill>
+                <a:latin typeface="+mj-lt"/>
+              </a:rPr>
+              <a:t>GPS system</a:t>
+            </a:r>
+            <a:r>
+              <a:rPr lang="en-US" sz="1400" dirty="0">
+                <a:solidFill>
+                  <a:schemeClr val="tx1"/>
                 </a:solidFill>
                 <a:latin typeface="+mj-lt"/>
               </a:rPr>
@@ -30846,150 +30979,38 @@
             </a:r>
           </a:p>
           <a:p>
-            <a:pPr marL="285750" indent="-285750">
-              <a:spcBef>
-                <a:spcPts val="0"/>
-              </a:spcBef>
+            <a:pPr marL="285750" indent="-285750" algn="just">
+              <a:lnSpc>
+                <a:spcPct val="90000"/>
+              </a:lnSpc>
+              <a:buClr>
+                <a:schemeClr val="dk1"/>
+              </a:buClr>
+              <a:buSzPts val="1600"/>
+              <a:buFont typeface="Noto Sans Symbols"/>
+              <a:buChar char="⮚"/>
+            </a:pPr>
+            <a:endParaRPr lang="en-US" dirty="0">
+              <a:solidFill>
+                <a:schemeClr val="tx1"/>
+              </a:solidFill>
+              <a:latin typeface="+mj-lt"/>
+            </a:endParaRPr>
+          </a:p>
+          <a:p>
+            <a:pPr marL="285750" indent="-285750" algn="just">
+              <a:lnSpc>
+                <a:spcPct val="90000"/>
+              </a:lnSpc>
+              <a:buClr>
+                <a:schemeClr val="dk1"/>
+              </a:buClr>
+              <a:buSzPts val="1600"/>
               <a:buFont typeface="Noto Sans Symbols"/>
               <a:buChar char="⮚"/>
             </a:pPr>
             <a:r>
-              <a:rPr lang="en-US" sz="1300" dirty="0">
-                <a:solidFill>
-                  <a:schemeClr val="tx1"/>
-                </a:solidFill>
-                <a:latin typeface="+mj-lt"/>
-              </a:rPr>
-              <a:t>Implement security best practices to protect user data, including </a:t>
-            </a:r>
-            <a:r>
-              <a:rPr lang="en-US" sz="1300" b="1" dirty="0">
-                <a:solidFill>
-                  <a:schemeClr val="tx1"/>
-                </a:solidFill>
-                <a:latin typeface="+mj-lt"/>
-              </a:rPr>
-              <a:t>encryption</a:t>
-            </a:r>
-            <a:r>
-              <a:rPr lang="en-US" sz="1300" dirty="0">
-                <a:solidFill>
-                  <a:schemeClr val="tx1"/>
-                </a:solidFill>
-                <a:latin typeface="+mj-lt"/>
-              </a:rPr>
-              <a:t>, </a:t>
-            </a:r>
-            <a:r>
-              <a:rPr lang="en-US" sz="1300" b="1" dirty="0">
-                <a:solidFill>
-                  <a:schemeClr val="tx1"/>
-                </a:solidFill>
-                <a:latin typeface="+mj-lt"/>
-              </a:rPr>
-              <a:t>data validation</a:t>
-            </a:r>
-            <a:r>
-              <a:rPr lang="en-US" sz="1300" dirty="0">
-                <a:solidFill>
-                  <a:schemeClr val="tx1"/>
-                </a:solidFill>
-                <a:latin typeface="+mj-lt"/>
-              </a:rPr>
-              <a:t>, and protection against common web application vulnerabilities like SQL injection and </a:t>
-            </a:r>
-            <a:r>
-              <a:rPr lang="en-US" sz="1300" b="1" dirty="0">
-                <a:solidFill>
-                  <a:schemeClr val="tx1"/>
-                </a:solidFill>
-                <a:latin typeface="+mj-lt"/>
-              </a:rPr>
-              <a:t>Cross-Site Scripting (XSS).</a:t>
-            </a:r>
-          </a:p>
-          <a:p>
-            <a:pPr marL="285750" indent="-285750">
-              <a:spcBef>
-                <a:spcPts val="0"/>
-              </a:spcBef>
-              <a:buFont typeface="Noto Sans Symbols"/>
-              <a:buChar char="⮚"/>
-            </a:pPr>
-            <a:r>
-              <a:rPr lang="en-US" sz="1300" dirty="0">
-                <a:solidFill>
-                  <a:schemeClr val="tx1"/>
-                </a:solidFill>
-                <a:latin typeface="+mj-lt"/>
-              </a:rPr>
-              <a:t>At basic stage the chatbot depends on </a:t>
-            </a:r>
-            <a:r>
-              <a:rPr lang="en-US" sz="1300" b="1" dirty="0" err="1">
-                <a:solidFill>
-                  <a:schemeClr val="tx1"/>
-                </a:solidFill>
-                <a:latin typeface="+mj-lt"/>
-              </a:rPr>
-              <a:t>OpenAi</a:t>
-            </a:r>
-            <a:r>
-              <a:rPr lang="en-US" sz="1300" b="1" dirty="0">
-                <a:solidFill>
-                  <a:schemeClr val="tx1"/>
-                </a:solidFill>
-                <a:latin typeface="+mj-lt"/>
-              </a:rPr>
-              <a:t> API key </a:t>
-            </a:r>
-            <a:r>
-              <a:rPr lang="en-US" sz="1300" dirty="0">
-                <a:solidFill>
-                  <a:schemeClr val="tx1"/>
-                </a:solidFill>
-                <a:latin typeface="+mj-lt"/>
-              </a:rPr>
-              <a:t>to function Later with help of proper resources, dataset and faster </a:t>
-            </a:r>
-            <a:r>
-              <a:rPr lang="en-US" sz="1300" dirty="0" err="1">
-                <a:solidFill>
-                  <a:schemeClr val="tx1"/>
-                </a:solidFill>
-                <a:latin typeface="+mj-lt"/>
-              </a:rPr>
-              <a:t>cpu</a:t>
-            </a:r>
-            <a:r>
-              <a:rPr lang="en-US" sz="1300" dirty="0">
-                <a:solidFill>
-                  <a:schemeClr val="tx1"/>
-                </a:solidFill>
-                <a:latin typeface="+mj-lt"/>
-              </a:rPr>
-              <a:t> model can be trained using resources from </a:t>
-            </a:r>
-            <a:r>
-              <a:rPr lang="en-US" sz="1300" b="1" dirty="0">
-                <a:solidFill>
-                  <a:schemeClr val="tx1"/>
-                </a:solidFill>
-                <a:latin typeface="+mj-lt"/>
-              </a:rPr>
-              <a:t>Hugging Face.</a:t>
-            </a:r>
-          </a:p>
-          <a:p>
-            <a:pPr marL="285750" indent="-285750">
-              <a:spcBef>
-                <a:spcPts val="0"/>
-              </a:spcBef>
-              <a:buFont typeface="Noto Sans Symbols"/>
-              <a:buChar char="⮚"/>
-            </a:pPr>
-            <a:r>
-              <a:rPr lang="en-US" sz="1300" b="1" dirty="0">
+              <a:rPr lang="en-US" sz="1400" b="1" dirty="0">
                 <a:solidFill>
                   <a:schemeClr val="tx1"/>
                 </a:solidFill>
@@ -30998,50 +31019,79 @@
               <a:t>NLP</a:t>
             </a:r>
             <a:r>
-              <a:rPr lang="en-US" sz="1300" dirty="0">
+              <a:rPr lang="en-US" sz="1400" dirty="0">
                 <a:solidFill>
                   <a:schemeClr val="tx1"/>
                 </a:solidFill>
                 <a:latin typeface="+mj-lt"/>
               </a:rPr>
-              <a:t> facilitates multilingual conversations in AI chatbots by enabling them to understand and respond in various languages, breaking down language barriers for global users.</a:t>
+              <a:t> facilitates </a:t>
+            </a:r>
+            <a:r>
+              <a:rPr lang="en-US" sz="1400" b="1" dirty="0">
+                <a:solidFill>
+                  <a:schemeClr val="tx1"/>
+                </a:solidFill>
+                <a:latin typeface="+mj-lt"/>
+              </a:rPr>
+              <a:t>multilingual</a:t>
+            </a:r>
+            <a:r>
+              <a:rPr lang="en-US" sz="1400" dirty="0">
+                <a:solidFill>
+                  <a:schemeClr val="tx1"/>
+                </a:solidFill>
+                <a:latin typeface="+mj-lt"/>
+              </a:rPr>
+              <a:t> conversations in AI chatbots by enabling them to understand and respond in various languages, breaking down </a:t>
+            </a:r>
+            <a:r>
+              <a:rPr lang="en-US" sz="1400" b="1" dirty="0">
+                <a:solidFill>
+                  <a:schemeClr val="tx1"/>
+                </a:solidFill>
+                <a:latin typeface="+mj-lt"/>
+              </a:rPr>
+              <a:t>language barriers </a:t>
+            </a:r>
+            <a:r>
+              <a:rPr lang="en-US" sz="1400" dirty="0">
+                <a:solidFill>
+                  <a:schemeClr val="tx1"/>
+                </a:solidFill>
+                <a:latin typeface="+mj-lt"/>
+              </a:rPr>
+              <a:t>for </a:t>
+            </a:r>
+            <a:r>
+              <a:rPr lang="en-US" sz="1400" b="1" dirty="0">
+                <a:solidFill>
+                  <a:schemeClr val="tx1"/>
+                </a:solidFill>
+                <a:latin typeface="+mj-lt"/>
+              </a:rPr>
+              <a:t>global users</a:t>
+            </a:r>
+            <a:r>
+              <a:rPr lang="en-US" sz="1400" dirty="0">
+                <a:solidFill>
+                  <a:schemeClr val="tx1"/>
+                </a:solidFill>
+                <a:latin typeface="+mj-lt"/>
+              </a:rPr>
+              <a:t>.</a:t>
             </a:r>
           </a:p>
           <a:p>
-            <a:pPr marL="285750" indent="-285750">
-              <a:spcBef>
-                <a:spcPts val="0"/>
-              </a:spcBef>
-              <a:buFont typeface="Noto Sans Symbols"/>
-              <a:buChar char="⮚"/>
+            <a:pPr algn="just">
+              <a:lnSpc>
+                <a:spcPct val="90000"/>
+              </a:lnSpc>
+              <a:buClr>
+                <a:schemeClr val="dk1"/>
+              </a:buClr>
+              <a:buSzPts val="1600"/>
             </a:pPr>
-            <a:r>
-              <a:rPr lang="en-US" sz="1300" dirty="0">
-                <a:solidFill>
-                  <a:schemeClr val="tx1"/>
-                </a:solidFill>
-                <a:latin typeface="+mj-lt"/>
-              </a:rPr>
-              <a:t>Through an </a:t>
-            </a:r>
-            <a:r>
-              <a:rPr lang="en-US" sz="1300" b="1" dirty="0">
-                <a:solidFill>
-                  <a:schemeClr val="tx1"/>
-                </a:solidFill>
-                <a:latin typeface="+mj-lt"/>
-              </a:rPr>
-              <a:t>Automation System </a:t>
-            </a:r>
-            <a:r>
-              <a:rPr lang="en-US" sz="1300" dirty="0">
-                <a:solidFill>
-                  <a:schemeClr val="tx1"/>
-                </a:solidFill>
-                <a:latin typeface="+mj-lt"/>
-              </a:rPr>
-              <a:t>the model tracks the user location and can give address of nearest Medical store to buy the prescribed Ayurvedic Medicines.</a:t>
-            </a:r>
             <a:endParaRPr lang="en-US" sz="1300" dirty="0">
               <a:solidFill>
                 <a:schemeClr val="dk1"/>
@@ -31050,73 +31100,129 @@
             </a:endParaRPr>
           </a:p>
           <a:p>
-            <a:pPr marL="285750" indent="-285750">
-              <a:lnSpc>
-                <a:spcPct val="90000"/>
-              </a:lnSpc>
-              <a:buClr>
-                <a:schemeClr val="dk1"/>
-              </a:buClr>
-              <a:buSzPts val="1600"/>
+            <a:pPr marL="285750" indent="-285750" algn="just">
+              <a:spcBef>
+                <a:spcPts val="0"/>
+              </a:spcBef>
               <a:buFont typeface="Noto Sans Symbols"/>
               <a:buChar char="⮚"/>
             </a:pPr>
             <a:r>
-              <a:rPr lang="en-US" sz="1300" dirty="0">
+              <a:rPr lang="en-US" dirty="0">
                 <a:solidFill>
                   <a:schemeClr val="tx1"/>
                 </a:solidFill>
                 <a:latin typeface="+mj-lt"/>
               </a:rPr>
-              <a:t>To build an Ayurveda web-app for </a:t>
+              <a:t>At basic stage the chatbot depends on </a:t>
             </a:r>
             <a:r>
-              <a:rPr lang="en-US" sz="1300" b="1" dirty="0">
+              <a:rPr lang="en-US" b="1" dirty="0" err="1">
                 <a:solidFill>
                   <a:schemeClr val="tx1"/>
                 </a:solidFill>
                 <a:latin typeface="+mj-lt"/>
               </a:rPr>
-              <a:t>students</a:t>
+              <a:t>OpenAi</a:t>
             </a:r>
             <a:r>
-              <a:rPr lang="en-US" sz="1300" dirty="0">
+              <a:rPr lang="en-US" b="1" dirty="0">
                 <a:solidFill>
                   <a:schemeClr val="tx1"/>
                 </a:solidFill>
                 <a:latin typeface="+mj-lt"/>
               </a:rPr>
-              <a:t> and </a:t>
+              <a:t> API </a:t>
             </a:r>
             <a:r>
-              <a:rPr lang="en-US" sz="1300" b="1" dirty="0">
+              <a:rPr lang="en-US" dirty="0">
                 <a:solidFill>
                   <a:schemeClr val="tx1"/>
                 </a:solidFill>
                 <a:latin typeface="+mj-lt"/>
               </a:rPr>
-              <a:t>practitioners</a:t>
+              <a:t>to function. Later with help of proper resources, dataset and faster </a:t>
             </a:r>
             <a:r>
-              <a:rPr lang="en-US" sz="1300" dirty="0">
+              <a:rPr lang="en-US" dirty="0" err="1">
                 <a:solidFill>
                   <a:schemeClr val="tx1"/>
                 </a:solidFill>
                 <a:latin typeface="+mj-lt"/>
               </a:rPr>
-              <a:t>, use </a:t>
+              <a:t>cpu</a:t>
             </a:r>
             <a:r>
-              <a:rPr lang="en-US" sz="1300" b="1" dirty="0">
+              <a:rPr lang="en-US" dirty="0">
                 <a:solidFill>
                   <a:schemeClr val="tx1"/>
                 </a:solidFill>
                 <a:latin typeface="+mj-lt"/>
               </a:rPr>
-              <a:t>Node.js </a:t>
+              <a:t>, our </a:t>
             </a:r>
             <a:r>
-              <a:rPr lang="en-US" sz="1300" dirty="0">
+              <a:rPr lang="en-US" b="1" dirty="0">
+                <a:solidFill>
+                  <a:schemeClr val="tx1"/>
+                </a:solidFill>
+                <a:latin typeface="+mj-lt"/>
+              </a:rPr>
+              <a:t>own models </a:t>
+            </a:r>
+            <a:r>
+              <a:rPr lang="en-US" dirty="0">
+                <a:solidFill>
+                  <a:schemeClr val="tx1"/>
+                </a:solidFill>
+                <a:latin typeface="+mj-lt"/>
+              </a:rPr>
+              <a:t>can be trained.</a:t>
+            </a:r>
+          </a:p>
+          <a:p>
+            <a:pPr marL="285750" indent="-285750" algn="just">
+              <a:spcBef>
+                <a:spcPts val="0"/>
+              </a:spcBef>
+              <a:buFont typeface="Noto Sans Symbols"/>
+              <a:buChar char="⮚"/>
+            </a:pPr>
+            <a:endParaRPr lang="en-US" dirty="0">
+              <a:solidFill>
+                <a:schemeClr val="tx1"/>
+              </a:solidFill>
+              <a:latin typeface="+mj-lt"/>
+            </a:endParaRPr>
+          </a:p>
+          <a:p>
+            <a:pPr marL="285750" indent="-285750" algn="just">
+              <a:spcBef>
+                <a:spcPts val="0"/>
+              </a:spcBef>
+              <a:buFont typeface="Noto Sans Symbols"/>
+              <a:buChar char="⮚"/>
+            </a:pPr>
+            <a:r>
+              <a:rPr lang="en-US" dirty="0">
+                <a:solidFill>
+                  <a:schemeClr val="tx1"/>
+                </a:solidFill>
+                <a:latin typeface="+mj-lt"/>
+              </a:rPr>
+              <a:t>Used</a:t>
+            </a:r>
+            <a:r>
+              <a:rPr lang="en-US" b="1" dirty="0">
+                <a:solidFill>
+                  <a:schemeClr val="tx1"/>
+                </a:solidFill>
+                <a:latin typeface="+mj-lt"/>
+              </a:rPr>
+              <a:t> Node.js </a:t>
+            </a:r>
+            <a:r>
+              <a:rPr lang="en-US" dirty="0">
                 <a:solidFill>
                   <a:schemeClr val="tx1"/>
                 </a:solidFill>
@@ -31125,7 +31231,7 @@
               <a:t>for development, </a:t>
             </a:r>
             <a:r>
-              <a:rPr lang="en-US" sz="1300" b="1" dirty="0">
+              <a:rPr lang="en-US" b="1" dirty="0">
                 <a:solidFill>
                   <a:schemeClr val="tx1"/>
                 </a:solidFill>
@@ -31134,7 +31240,7 @@
               <a:t>MySQL</a:t>
             </a:r>
             <a:r>
-              <a:rPr lang="en-US" sz="1300" dirty="0">
+              <a:rPr lang="en-US" dirty="0">
                 <a:solidFill>
                   <a:schemeClr val="tx1"/>
                 </a:solidFill>
@@ -31143,7 +31249,7 @@
               <a:t> for data storage, and </a:t>
             </a:r>
             <a:r>
-              <a:rPr lang="en-US" sz="1300" b="1" dirty="0">
+              <a:rPr lang="en-US" b="1" dirty="0">
                 <a:solidFill>
                   <a:schemeClr val="tx1"/>
                 </a:solidFill>
@@ -31152,7 +31258,7 @@
               <a:t>OAuth</a:t>
             </a:r>
             <a:r>
-              <a:rPr lang="en-US" sz="1300" dirty="0">
+              <a:rPr lang="en-US" dirty="0">
                 <a:solidFill>
                   <a:schemeClr val="tx1"/>
                 </a:solidFill>
@@ -31161,7 +31267,7 @@
               <a:t> for user authentication, </a:t>
             </a:r>
             <a:r>
-              <a:rPr lang="en-US" sz="1300" b="1" dirty="0">
+              <a:rPr lang="en-US" b="1" dirty="0">
                 <a:solidFill>
                   <a:schemeClr val="tx1"/>
                 </a:solidFill>
@@ -31170,16 +31276,16 @@
               <a:t>WebSocket</a:t>
             </a:r>
             <a:r>
-              <a:rPr lang="en-US" sz="1300" dirty="0">
+              <a:rPr lang="en-US" dirty="0">
                 <a:solidFill>
                   <a:schemeClr val="tx1"/>
                 </a:solidFill>
                 <a:latin typeface="+mj-lt"/>
               </a:rPr>
-              <a:t> for real-time communication, monitor performance and user activity, and make content delivery faster with </a:t>
+              <a:t> for real-time communication, monitor performance and user activity, and made content delivery faster with </a:t>
             </a:r>
             <a:r>
-              <a:rPr lang="en-US" sz="1300" b="1" dirty="0">
+              <a:rPr lang="en-US" b="1" dirty="0">
                 <a:solidFill>
                   <a:schemeClr val="tx1"/>
                 </a:solidFill>
@@ -31188,7 +31294,7 @@
               <a:t>CDNs</a:t>
             </a:r>
             <a:r>
-              <a:rPr lang="en-US" sz="1300" dirty="0">
+              <a:rPr lang="en-US" dirty="0">
                 <a:solidFill>
                   <a:schemeClr val="tx1"/>
                 </a:solidFill>
@@ -31196,218 +31302,141 @@
               </a:rPr>
               <a:t>.</a:t>
             </a:r>
-            <a:endParaRPr lang="en-US" sz="1300" dirty="0">
+          </a:p>
+          <a:p>
+            <a:pPr marL="285750" indent="-285750" algn="just">
+              <a:spcBef>
+                <a:spcPts val="0"/>
+              </a:spcBef>
+              <a:buFont typeface="Noto Sans Symbols"/>
+              <a:buChar char="⮚"/>
+            </a:pPr>
+            <a:endParaRPr lang="en-US" dirty="0">
               <a:solidFill>
-                <a:schemeClr val="dk1"/>
+                <a:schemeClr val="tx1"/>
               </a:solidFill>
               <a:latin typeface="+mj-lt"/>
             </a:endParaRPr>
           </a:p>
           <a:p>
-            <a:pPr marL="285750" indent="-285750">
-              <a:lnSpc>
-                <a:spcPct val="90000"/>
-              </a:lnSpc>
-              <a:buClr>
-                <a:schemeClr val="dk1"/>
-              </a:buClr>
-              <a:buSzPts val="1600"/>
+            <a:pPr marL="285750" indent="-285750" algn="just">
+              <a:spcBef>
+                <a:spcPts val="0"/>
+              </a:spcBef>
               <a:buFont typeface="Noto Sans Symbols"/>
               <a:buChar char="⮚"/>
             </a:pPr>
-            <a:endParaRPr lang="en-US" sz="1300" dirty="0">
+            <a:r>
+              <a:rPr lang="en-US" dirty="0">
+                <a:solidFill>
+                  <a:schemeClr val="tx1"/>
+                </a:solidFill>
+                <a:latin typeface="+mj-lt"/>
+              </a:rPr>
+              <a:t>Given is the link for </a:t>
+            </a:r>
+            <a:r>
+              <a:rPr lang="en-US" b="1" dirty="0">
+                <a:solidFill>
+                  <a:schemeClr val="tx1"/>
+                </a:solidFill>
+                <a:latin typeface="+mj-lt"/>
+              </a:rPr>
+              <a:t>short demo</a:t>
+            </a:r>
+            <a:r>
+              <a:rPr lang="en-US" dirty="0">
+                <a:solidFill>
+                  <a:schemeClr val="tx1"/>
+                </a:solidFill>
+                <a:latin typeface="+mj-lt"/>
+              </a:rPr>
+              <a:t> of what we have implemented till now. </a:t>
+            </a:r>
+            <a:r>
+              <a:rPr lang="en-US" b="1" dirty="0">
+                <a:solidFill>
+                  <a:schemeClr val="tx1"/>
+                </a:solidFill>
+                <a:latin typeface="+mj-lt"/>
+              </a:rPr>
+              <a:t>Note</a:t>
+            </a:r>
+            <a:r>
+              <a:rPr lang="en-US" dirty="0">
+                <a:solidFill>
+                  <a:schemeClr val="tx1"/>
+                </a:solidFill>
+                <a:latin typeface="+mj-lt"/>
+              </a:rPr>
+              <a:t>-It is still </a:t>
+            </a:r>
+            <a:r>
+              <a:rPr lang="en-US" b="1" dirty="0">
+                <a:solidFill>
+                  <a:schemeClr val="tx1"/>
+                </a:solidFill>
+                <a:latin typeface="+mj-lt"/>
+              </a:rPr>
+              <a:t>under development </a:t>
+            </a:r>
+            <a:r>
+              <a:rPr lang="en-US" dirty="0">
+                <a:solidFill>
+                  <a:schemeClr val="tx1"/>
+                </a:solidFill>
+                <a:latin typeface="+mj-lt"/>
+              </a:rPr>
+              <a:t>and is the </a:t>
+            </a:r>
+            <a:r>
+              <a:rPr lang="en-US" b="1" dirty="0">
+                <a:solidFill>
+                  <a:schemeClr val="tx1"/>
+                </a:solidFill>
+                <a:latin typeface="+mj-lt"/>
+              </a:rPr>
+              <a:t>initial version </a:t>
+            </a:r>
+            <a:r>
+              <a:rPr lang="en-US" dirty="0">
+                <a:solidFill>
+                  <a:schemeClr val="tx1"/>
+                </a:solidFill>
+                <a:latin typeface="+mj-lt"/>
+                <a:hlinkClick r:id="rId3"/>
+              </a:rPr>
+              <a:t>https://drive.google.com/file/d/15nrn5wiAdAxIbalvCHskZ16A6QF8d75D/view?usp=drive_link</a:t>
+            </a:r>
+            <a:endParaRPr kumimoji="0" lang="en-US" sz="1400" b="0" i="0" u="none" strike="noStrike" kern="0" cap="none" spc="0" normalizeH="0" baseline="0" noProof="0" dirty="0">
+              <a:ln>
+                <a:noFill/>
+              </a:ln>
+              <a:solidFill>
+                <a:srgbClr val="000000"/>
+              </a:solidFill>
+              <a:effectLst/>
+              <a:uLnTx/>
+              <a:uFillTx/>
+              <a:latin typeface="Arial"/>
+              <a:cs typeface="Arial"/>
+              <a:sym typeface="Arial"/>
+            </a:endParaRPr>
+          </a:p>
+          <a:p>
+            <a:pPr marL="285750" indent="-285750">
+              <a:spcBef>
+                <a:spcPts val="0"/>
+              </a:spcBef>
+              <a:buFont typeface="Noto Sans Symbols"/>
+              <a:buChar char="⮚"/>
+            </a:pPr>
+            <a:endParaRPr lang="en-US" sz="1300" b="1" dirty="0">
               <a:solidFill>
                 <a:schemeClr val="dk1"/>
               </a:solidFill>
               <a:latin typeface="Franklin Gothic"/>
             </a:endParaRPr>
-          </a:p>
-          <a:p>
-            <a:pPr>
-              <a:lnSpc>
-                <a:spcPct val="90000"/>
-              </a:lnSpc>
-              <a:buClr>
-                <a:schemeClr val="dk1"/>
-              </a:buClr>
-              <a:buSzPts val="1600"/>
-            </a:pPr>
-            <a:endParaRPr lang="en-US" sz="1600" dirty="0">
-              <a:solidFill>
-                <a:schemeClr val="dk1"/>
-              </a:solidFill>
-            </a:endParaRPr>
-          </a:p>
-          <a:p>
-            <a:pPr marL="285750" indent="-285750">
-              <a:lnSpc>
-                <a:spcPct val="90000"/>
-              </a:lnSpc>
-              <a:buClr>
-                <a:schemeClr val="dk1"/>
-              </a:buClr>
-              <a:buSzPts val="1600"/>
-              <a:buFont typeface="Noto Sans Symbols"/>
-              <a:buChar char="⮚"/>
-            </a:pPr>
-            <a:endParaRPr lang="en-US" sz="1600" dirty="0">
-              <a:solidFill>
-                <a:schemeClr val="dk1"/>
-              </a:solidFill>
-            </a:endParaRPr>
-          </a:p>
-        </p:txBody>
-      </p:sp>
-      <p:sp>
-        <p:nvSpPr>
-          <p:cNvPr id="3" name="Google Shape;232;p3">
-            <a:extLst>
-              <a:ext uri="{FF2B5EF4-FFF2-40B4-BE49-F238E27FC236}">
-                <a16:creationId xmlns:a16="http://schemas.microsoft.com/office/drawing/2014/main" id="{55FE0EE2-6093-E0C2-9668-AF199B694CFE}"/>
-              </a:ext>
-            </a:extLst>
-          </p:cNvPr>
-          <p:cNvSpPr txBox="1"/>
-          <p:nvPr/>
-        </p:nvSpPr>
-        <p:spPr>
-          <a:xfrm>
-            <a:off x="6283854" y="4608576"/>
-            <a:ext cx="5699847" cy="2122100"/>
-          </a:xfrm>
-          <a:prstGeom prst="rect">
-            <a:avLst/>
-          </a:prstGeom>
-          <a:noFill/>
-          <a:ln w="9525" cap="flat" cmpd="sng">
-            <a:solidFill>
-              <a:schemeClr val="dk1"/>
-            </a:solidFill>
-            <a:prstDash val="solid"/>
-            <a:round/>
-            <a:headEnd type="none" w="sm" len="sm"/>
-            <a:tailEnd type="none" w="sm" len="sm"/>
-          </a:ln>
-        </p:spPr>
-        <p:txBody>
-          <a:bodyPr spcFirstLastPara="1" wrap="square" lIns="91425" tIns="45700" rIns="91425" bIns="45700" anchor="t" anchorCtr="0">
-            <a:noAutofit/>
-          </a:bodyPr>
-          <a:lstStyle/>
-          <a:p>
-            <a:pPr>
-              <a:lnSpc>
-                <a:spcPct val="90000"/>
-              </a:lnSpc>
-              <a:buClr>
-                <a:schemeClr val="dk1"/>
-              </a:buClr>
-              <a:buSzPts val="1600"/>
-            </a:pPr>
-            <a:r>
-              <a:rPr lang="en-US" sz="1300" b="1" u="sng" dirty="0">
-                <a:solidFill>
-                  <a:schemeClr val="dk1"/>
-                </a:solidFill>
-                <a:latin typeface="+mj-lt"/>
-              </a:rPr>
-              <a:t>Business Strategies-</a:t>
-            </a:r>
-          </a:p>
-          <a:p>
-            <a:pPr marL="285750" indent="-285750">
-              <a:lnSpc>
-                <a:spcPct val="90000"/>
-              </a:lnSpc>
-              <a:buClr>
-                <a:schemeClr val="dk1"/>
-              </a:buClr>
-              <a:buSzPts val="1600"/>
-              <a:buFont typeface="Noto Sans Symbols"/>
-              <a:buChar char="⮚"/>
-            </a:pPr>
-            <a:r>
-              <a:rPr lang="en-IN" sz="1400" b="1" u="none" strike="noStrike" dirty="0">
-                <a:effectLst/>
-                <a:latin typeface="Times New Roman" panose="02020603050405020304" pitchFamily="18" charset="0"/>
-                <a:ea typeface="Times New Roman" panose="02020603050405020304" pitchFamily="18" charset="0"/>
-              </a:rPr>
-              <a:t>Freemium Model:</a:t>
-            </a:r>
-            <a:r>
-              <a:rPr lang="en-US" sz="1300" dirty="0">
-                <a:solidFill>
-                  <a:schemeClr val="dk1"/>
-                </a:solidFill>
-              </a:rPr>
-              <a:t>The chatbot offers free basics to attract users and monetizes premium features like personalized health plans and consultations</a:t>
-            </a:r>
-            <a:r>
-              <a:rPr lang="en-US" sz="1600" dirty="0">
-                <a:solidFill>
-                  <a:schemeClr val="dk1"/>
-                </a:solidFill>
-              </a:rPr>
-              <a:t>.</a:t>
-            </a:r>
-          </a:p>
-          <a:p>
-            <a:pPr marL="285750" indent="-285750">
-              <a:lnSpc>
-                <a:spcPct val="90000"/>
-              </a:lnSpc>
-              <a:buClr>
-                <a:schemeClr val="dk1"/>
-              </a:buClr>
-              <a:buSzPts val="1600"/>
-              <a:buFont typeface="Noto Sans Symbols"/>
-              <a:buChar char="⮚"/>
-            </a:pPr>
-            <a:r>
-              <a:rPr lang="en-US" sz="1300" b="1" dirty="0">
-                <a:solidFill>
-                  <a:schemeClr val="dk1"/>
-                </a:solidFill>
-              </a:rPr>
-              <a:t>Affiliate Marketing: </a:t>
-            </a:r>
-            <a:r>
-              <a:rPr lang="en-US" sz="1300" dirty="0">
-                <a:solidFill>
-                  <a:schemeClr val="dk1"/>
-                </a:solidFill>
-              </a:rPr>
-              <a:t>By partnering with Ayurvedic product suppliers, the chatbot recommends herbal products and earns income through affiliate marketing.</a:t>
-            </a:r>
-          </a:p>
-          <a:p>
-            <a:pPr marL="285750" indent="-285750">
-              <a:lnSpc>
-                <a:spcPct val="90000"/>
-              </a:lnSpc>
-              <a:buClr>
-                <a:schemeClr val="dk1"/>
-              </a:buClr>
-              <a:buSzPts val="1600"/>
-              <a:buFont typeface="Noto Sans Symbols"/>
-              <a:buChar char="⮚"/>
-            </a:pPr>
-            <a:r>
-              <a:rPr lang="en-US" sz="1300" b="1" dirty="0">
-                <a:solidFill>
-                  <a:schemeClr val="dk1"/>
-                </a:solidFill>
-              </a:rPr>
-              <a:t>Data-driven Insights</a:t>
-            </a:r>
-            <a:r>
-              <a:rPr lang="en-US" sz="1300" dirty="0">
-                <a:solidFill>
-                  <a:schemeClr val="dk1"/>
-                </a:solidFill>
-              </a:rPr>
-              <a:t>: The chatbot anonymizes and aggregates user data, with consent, to identify health trends. This data can be sold to research institutions, Ayurvedic product firms, or pharmaceutical companies for natural remedy development.</a:t>
-            </a:r>
           </a:p>
           <a:p>
             <a:pPr>
@@ -31573,10 +31602,10 @@
               <a:buNone/>
             </a:pPr>
             <a:r>
-              <a:rPr lang="en-US"/>
+              <a:rPr lang="en-US" dirty="0"/>
               <a:t>Team Member Details </a:t>
             </a:r>
-            <a:endParaRPr/>
+            <a:endParaRPr dirty="0"/>
           </a:p>
         </p:txBody>
       </p:sp>
@@ -31618,6 +31647,22 @@
               </a:buClr>
               <a:buSzPts val="1200"/>
             </a:pPr>
+            <a:endParaRPr lang="en-US" sz="1200" b="1" dirty="0">
+              <a:solidFill>
+                <a:srgbClr val="5D7C3F"/>
+              </a:solidFill>
+            </a:endParaRPr>
+          </a:p>
+          <a:p>
+            <a:pPr marL="0" indent="0">
+              <a:spcBef>
+                <a:spcPts val="0"/>
+              </a:spcBef>
+              <a:buClr>
+                <a:srgbClr val="5D7C3F"/>
+              </a:buClr>
+              <a:buSzPts val="1200"/>
+            </a:pPr>
             <a:r>
               <a:rPr lang="en-US" sz="1200" b="1" dirty="0">
                 <a:solidFill>
@@ -31648,15 +31693,7 @@
             </a:pPr>
             <a:r>
               <a:rPr lang="en-US" sz="1200" dirty="0"/>
-              <a:t>Branch: </a:t>
-            </a:r>
-            <a:r>
-              <a:rPr lang="en-US" sz="1200" dirty="0" err="1"/>
-              <a:t>Btech</a:t>
-            </a:r>
-            <a:r>
-              <a:rPr lang="en-US" sz="1200" dirty="0"/>
-              <a:t>,   Stream: ECE,   Year: II </a:t>
+              <a:t>Branch: Btech,   Stream: ECE,   Year: II </a:t>
             </a:r>
             <a:endParaRPr sz="1200" dirty="0"/>
           </a:p>
@@ -31705,15 +31742,7 @@
             </a:r>
             <a:r>
               <a:rPr lang="en-US" sz="1200" dirty="0"/>
-              <a:t>: </a:t>
-            </a:r>
-            <a:r>
-              <a:rPr lang="en-US" sz="1200" dirty="0" err="1"/>
-              <a:t>Btech</a:t>
-            </a:r>
-            <a:r>
-              <a:rPr lang="en-US" sz="1200" dirty="0"/>
-              <a:t>,   Stream: ECE,   Year: II </a:t>
+              <a:t>: Btech,   Stream: ECE,   Year: II </a:t>
             </a:r>
           </a:p>
           <a:p>
@@ -31761,15 +31790,7 @@
             </a:r>
             <a:r>
               <a:rPr lang="en-US" sz="1200" dirty="0"/>
-              <a:t>: </a:t>
-            </a:r>
-            <a:r>
-              <a:rPr lang="en-US" sz="1200" dirty="0" err="1"/>
-              <a:t>Btech</a:t>
-            </a:r>
-            <a:r>
-              <a:rPr lang="en-US" sz="1200" dirty="0"/>
-              <a:t>,   Stream: ECE,   Year: II </a:t>
+              <a:t>: Btech,   Stream: ECE,   Year: II </a:t>
             </a:r>
             <a:endParaRPr lang="en-US" sz="1200" dirty="0">
               <a:latin typeface="Arial"/>
@@ -31820,15 +31841,7 @@
             </a:r>
             <a:r>
               <a:rPr lang="en-US" sz="1200" dirty="0"/>
-              <a:t>: </a:t>
-            </a:r>
-            <a:r>
-              <a:rPr lang="en-US" sz="1200" dirty="0" err="1"/>
-              <a:t>Btech</a:t>
-            </a:r>
-            <a:r>
-              <a:rPr lang="en-US" sz="1200" dirty="0"/>
-              <a:t>,   Stream: ECE,   Year: II </a:t>
+              <a:t>: Btech,   Stream: ECE,   Year: II </a:t>
             </a:r>
             <a:endParaRPr lang="en-US" sz="1200" dirty="0">
               <a:latin typeface="Arial"/>
@@ -31853,7 +31866,7 @@
                 </a:solidFill>
                 <a:latin typeface="Arial"/>
               </a:rPr>
-              <a:t>Kushagra Srivastav</a:t>
+              <a:t>Kushagra Srivastava</a:t>
             </a:r>
             <a:endParaRPr lang="en-US" sz="1200" dirty="0">
               <a:solidFill>
@@ -31876,15 +31889,7 @@
             </a:r>
             <a:r>
               <a:rPr lang="en-US" sz="1200" dirty="0"/>
-              <a:t>: </a:t>
-            </a:r>
-            <a:r>
-              <a:rPr lang="en-US" sz="1200" dirty="0" err="1"/>
-              <a:t>Btech</a:t>
-            </a:r>
-            <a:r>
-              <a:rPr lang="en-US" sz="1200" dirty="0"/>
-              <a:t>,   Stream: CSE,   Year: II </a:t>
+              <a:t>: Btech,   Stream: CSE,   Year: II </a:t>
             </a:r>
             <a:endParaRPr lang="en-US" sz="1200" dirty="0">
               <a:latin typeface="Arial"/>
@@ -31912,16 +31917,7 @@
                 </a:solidFill>
                 <a:latin typeface="Arial"/>
               </a:rPr>
-              <a:t>Akshaya  </a:t>
-            </a:r>
-            <a:r>
-              <a:rPr lang="en-US" sz="1200" b="1" dirty="0" err="1">
-                <a:solidFill>
-                  <a:schemeClr val="tx1"/>
-                </a:solidFill>
-                <a:latin typeface="Arial"/>
-              </a:rPr>
-              <a:t>Mudragada</a:t>
+              <a:t>Akshaya Mudragada</a:t>
             </a:r>
             <a:endParaRPr lang="en-US" sz="1200" dirty="0">
               <a:solidFill>
@@ -31944,15 +31940,7 @@
             </a:r>
             <a:r>
               <a:rPr lang="en-US" sz="1200" dirty="0"/>
-              <a:t>: </a:t>
-            </a:r>
-            <a:r>
-              <a:rPr lang="en-US" sz="1200" dirty="0" err="1"/>
-              <a:t>Btech</a:t>
-            </a:r>
-            <a:r>
-              <a:rPr lang="en-US" sz="1200" dirty="0"/>
-              <a:t>,   Stream: CSE,   Year: II </a:t>
+              <a:t>: Btech,   Stream: CSE,   Year: II </a:t>
             </a:r>
             <a:endParaRPr lang="en-US" sz="1200" dirty="0">
               <a:solidFill>
@@ -31977,38 +31965,14 @@
               <a:t>Team Mentor 1 Name: </a:t>
             </a:r>
             <a:r>
-              <a:rPr lang="en-US" sz="1200" b="1" dirty="0" err="1">
+              <a:rPr lang="en-US" sz="1200" b="1" dirty="0">
                 <a:solidFill>
                   <a:schemeClr val="tx1"/>
                 </a:solidFill>
                 <a:latin typeface="Arial"/>
               </a:rPr>
-              <a:t>Dr.Aatish</a:t>
+              <a:t>Dr.Aatish Daryapurkar</a:t>
             </a:r>
-            <a:r>
-              <a:rPr lang="en-US" sz="1200" b="1" dirty="0">
-                <a:solidFill>
-                  <a:schemeClr val="tx1"/>
-                </a:solidFill>
-                <a:latin typeface="Arial"/>
-              </a:rPr>
-              <a:t> </a:t>
-            </a:r>
-            <a:r>
-              <a:rPr lang="en-US" sz="1200" b="1" dirty="0" err="1">
-                <a:solidFill>
-                  <a:schemeClr val="tx1"/>
-                </a:solidFill>
-                <a:latin typeface="Arial"/>
-              </a:rPr>
-              <a:t>Daryapurkar</a:t>
-            </a:r>
-            <a:endParaRPr lang="en-US" sz="1200" b="1" dirty="0">
-              <a:solidFill>
-                <a:schemeClr val="tx1"/>
-              </a:solidFill>
-              <a:latin typeface="Arial"/>
-            </a:endParaRPr>
           </a:p>
           <a:p>
             <a:pPr marL="0" indent="0">
@@ -32035,31 +31999,13 @@
               <a:t>Team Mentor 2 Name: </a:t>
             </a:r>
             <a:r>
-              <a:rPr lang="en-US" sz="1200" b="1" dirty="0" err="1">
+              <a:rPr lang="en-US" sz="1200" b="1" dirty="0">
                 <a:solidFill>
                   <a:schemeClr val="tx1"/>
                 </a:solidFill>
                 <a:latin typeface="Arial"/>
               </a:rPr>
-              <a:t>Dr.Amol</a:t>
-            </a:r>
-            <a:r>
-              <a:rPr lang="en-US" sz="1200" b="1" dirty="0">
-                <a:solidFill>
-                  <a:schemeClr val="tx1"/>
-                </a:solidFill>
-                <a:latin typeface="Arial"/>
-              </a:rPr>
-              <a:t> </a:t>
-            </a:r>
-            <a:r>
-              <a:rPr lang="en-US" sz="1200" b="1" dirty="0" err="1">
-                <a:solidFill>
-                  <a:schemeClr val="tx1"/>
-                </a:solidFill>
-                <a:latin typeface="Arial"/>
-              </a:rPr>
-              <a:t>Bhopale</a:t>
+              <a:t>Dr.Amol Bhopale</a:t>
             </a:r>
             <a:endParaRPr lang="en-US" sz="1200" dirty="0">
               <a:solidFill>
@@ -32074,7 +32020,7 @@
             </a:pPr>
             <a:r>
               <a:rPr lang="en-US" sz="1200" dirty="0"/>
-              <a:t>Category: Academic,  Expertise: NLP and Machine Learning  ,Domain Experience (in years): 6</a:t>
+              <a:t>Category: Academic,  Expertise: NLP and Machine Learning , Domain Experience (in years): 6</a:t>
             </a:r>
           </a:p>
           <a:p>
